--- a/materials/presentation.pptx
+++ b/materials/presentation.pptx
@@ -2,26 +2,28 @@
 <file path=ppt/presentation.xml><?xml version="1.0" encoding="utf-8"?>
 <p:presentation xmlns:a="http://schemas.openxmlformats.org/drawingml/2006/main" xmlns:r="http://schemas.openxmlformats.org/officeDocument/2006/relationships" xmlns:p="http://schemas.openxmlformats.org/presentationml/2006/main" saveSubsetFonts="1">
   <p:sldMasterIdLst>
-    <p:sldMasterId id="2147483648" r:id="rId1"/>
+    <p:sldMasterId id="2147483660" r:id="rId1"/>
   </p:sldMasterIdLst>
   <p:sldIdLst>
     <p:sldId id="256" r:id="rId2"/>
     <p:sldId id="265" r:id="rId3"/>
     <p:sldId id="258" r:id="rId4"/>
-    <p:sldId id="257" r:id="rId5"/>
+    <p:sldId id="260" r:id="rId5"/>
     <p:sldId id="259" r:id="rId6"/>
-    <p:sldId id="260" r:id="rId7"/>
-    <p:sldId id="261" r:id="rId8"/>
-    <p:sldId id="262" r:id="rId9"/>
-    <p:sldId id="264" r:id="rId10"/>
+    <p:sldId id="266" r:id="rId7"/>
+    <p:sldId id="267" r:id="rId8"/>
+    <p:sldId id="268" r:id="rId9"/>
+    <p:sldId id="261" r:id="rId10"/>
+    <p:sldId id="262" r:id="rId11"/>
+    <p:sldId id="264" r:id="rId12"/>
   </p:sldIdLst>
   <p:sldSz cx="12192000" cy="6858000"/>
   <p:notesSz cx="6858000" cy="9144000"/>
   <p:defaultTextStyle>
     <a:defPPr>
-      <a:defRPr lang="ru-RU"/>
+      <a:defRPr lang="en-US"/>
     </a:defPPr>
-    <a:lvl1pPr marL="0" algn="l" defTabSz="914400" rtl="0" eaLnBrk="1" latinLnBrk="0" hangingPunct="1">
+    <a:lvl1pPr marL="0" algn="l" defTabSz="457200" rtl="0" eaLnBrk="1" latinLnBrk="0" hangingPunct="1">
       <a:defRPr sz="1800" kern="1200">
         <a:solidFill>
           <a:schemeClr val="tx1"/>
@@ -31,7 +33,7 @@
         <a:cs typeface="+mn-cs"/>
       </a:defRPr>
     </a:lvl1pPr>
-    <a:lvl2pPr marL="457200" algn="l" defTabSz="914400" rtl="0" eaLnBrk="1" latinLnBrk="0" hangingPunct="1">
+    <a:lvl2pPr marL="457200" algn="l" defTabSz="457200" rtl="0" eaLnBrk="1" latinLnBrk="0" hangingPunct="1">
       <a:defRPr sz="1800" kern="1200">
         <a:solidFill>
           <a:schemeClr val="tx1"/>
@@ -41,7 +43,7 @@
         <a:cs typeface="+mn-cs"/>
       </a:defRPr>
     </a:lvl2pPr>
-    <a:lvl3pPr marL="914400" algn="l" defTabSz="914400" rtl="0" eaLnBrk="1" latinLnBrk="0" hangingPunct="1">
+    <a:lvl3pPr marL="914400" algn="l" defTabSz="457200" rtl="0" eaLnBrk="1" latinLnBrk="0" hangingPunct="1">
       <a:defRPr sz="1800" kern="1200">
         <a:solidFill>
           <a:schemeClr val="tx1"/>
@@ -51,7 +53,7 @@
         <a:cs typeface="+mn-cs"/>
       </a:defRPr>
     </a:lvl3pPr>
-    <a:lvl4pPr marL="1371600" algn="l" defTabSz="914400" rtl="0" eaLnBrk="1" latinLnBrk="0" hangingPunct="1">
+    <a:lvl4pPr marL="1371600" algn="l" defTabSz="457200" rtl="0" eaLnBrk="1" latinLnBrk="0" hangingPunct="1">
       <a:defRPr sz="1800" kern="1200">
         <a:solidFill>
           <a:schemeClr val="tx1"/>
@@ -61,7 +63,7 @@
         <a:cs typeface="+mn-cs"/>
       </a:defRPr>
     </a:lvl4pPr>
-    <a:lvl5pPr marL="1828800" algn="l" defTabSz="914400" rtl="0" eaLnBrk="1" latinLnBrk="0" hangingPunct="1">
+    <a:lvl5pPr marL="1828800" algn="l" defTabSz="457200" rtl="0" eaLnBrk="1" latinLnBrk="0" hangingPunct="1">
       <a:defRPr sz="1800" kern="1200">
         <a:solidFill>
           <a:schemeClr val="tx1"/>
@@ -71,7 +73,7 @@
         <a:cs typeface="+mn-cs"/>
       </a:defRPr>
     </a:lvl5pPr>
-    <a:lvl6pPr marL="2286000" algn="l" defTabSz="914400" rtl="0" eaLnBrk="1" latinLnBrk="0" hangingPunct="1">
+    <a:lvl6pPr marL="2286000" algn="l" defTabSz="457200" rtl="0" eaLnBrk="1" latinLnBrk="0" hangingPunct="1">
       <a:defRPr sz="1800" kern="1200">
         <a:solidFill>
           <a:schemeClr val="tx1"/>
@@ -81,7 +83,7 @@
         <a:cs typeface="+mn-cs"/>
       </a:defRPr>
     </a:lvl6pPr>
-    <a:lvl7pPr marL="2743200" algn="l" defTabSz="914400" rtl="0" eaLnBrk="1" latinLnBrk="0" hangingPunct="1">
+    <a:lvl7pPr marL="2743200" algn="l" defTabSz="457200" rtl="0" eaLnBrk="1" latinLnBrk="0" hangingPunct="1">
       <a:defRPr sz="1800" kern="1200">
         <a:solidFill>
           <a:schemeClr val="tx1"/>
@@ -91,7 +93,7 @@
         <a:cs typeface="+mn-cs"/>
       </a:defRPr>
     </a:lvl7pPr>
-    <a:lvl8pPr marL="3200400" algn="l" defTabSz="914400" rtl="0" eaLnBrk="1" latinLnBrk="0" hangingPunct="1">
+    <a:lvl8pPr marL="3200400" algn="l" defTabSz="457200" rtl="0" eaLnBrk="1" latinLnBrk="0" hangingPunct="1">
       <a:defRPr sz="1800" kern="1200">
         <a:solidFill>
           <a:schemeClr val="tx1"/>
@@ -101,7 +103,7 @@
         <a:cs typeface="+mn-cs"/>
       </a:defRPr>
     </a:lvl8pPr>
-    <a:lvl9pPr marL="3657600" algn="l" defTabSz="914400" rtl="0" eaLnBrk="1" latinLnBrk="0" hangingPunct="1">
+    <a:lvl9pPr marL="3657600" algn="l" defTabSz="457200" rtl="0" eaLnBrk="1" latinLnBrk="0" hangingPunct="1">
       <a:defRPr sz="1800" kern="1200">
         <a:solidFill>
           <a:schemeClr val="tx1"/>
@@ -112,12 +114,27 @@
       </a:defRPr>
     </a:lvl9pPr>
   </p:defaultTextStyle>
+  <p:extLst>
+    <p:ext uri="{EFAFB233-063F-42B5-8137-9DF3F51BA10A}">
+      <p15:sldGuideLst xmlns:p15="http://schemas.microsoft.com/office/powerpoint/2012/main"/>
+    </p:ext>
+  </p:extLst>
 </p:presentation>
 </file>
 
 <file path=ppt/slideLayouts/slideLayout1.xml><?xml version="1.0" encoding="utf-8"?>
-<p:sldLayout xmlns:a="http://schemas.openxmlformats.org/drawingml/2006/main" xmlns:r="http://schemas.openxmlformats.org/officeDocument/2006/relationships" xmlns:p="http://schemas.openxmlformats.org/presentationml/2006/main" type="title" preserve="1">
+<p:sldLayout xmlns:a="http://schemas.openxmlformats.org/drawingml/2006/main" xmlns:r="http://schemas.openxmlformats.org/officeDocument/2006/relationships" xmlns:p="http://schemas.openxmlformats.org/presentationml/2006/main" showMasterSp="0" type="title" preserve="1">
   <p:cSld name="Титульный слайд">
+    <p:bg>
+      <p:bgPr>
+        <a:solidFill>
+          <a:schemeClr val="bg2">
+            <a:lumMod val="75000"/>
+          </a:schemeClr>
+        </a:solidFill>
+        <a:effectLst/>
+      </p:bgPr>
+    </p:bg>
     <p:spTree>
       <p:nvGrpSpPr>
         <p:cNvPr id="1" name=""/>
@@ -134,13 +151,7 @@
       </p:grpSpPr>
       <p:sp>
         <p:nvSpPr>
-          <p:cNvPr id="2" name="Заголовок 1">
-            <a:extLst>
-              <a:ext uri="{FF2B5EF4-FFF2-40B4-BE49-F238E27FC236}">
-                <a16:creationId xmlns:a16="http://schemas.microsoft.com/office/drawing/2014/main" id="{9C32044D-15C5-C75C-E552-8E76474A1625}"/>
-              </a:ext>
-            </a:extLst>
-          </p:cNvPr>
+          <p:cNvPr id="2" name="Title 1"/>
           <p:cNvSpPr>
             <a:spLocks noGrp="1"/>
           </p:cNvSpPr>
@@ -150,15 +161,24 @@
         </p:nvSpPr>
         <p:spPr>
           <a:xfrm>
-            <a:off x="1524000" y="1122363"/>
-            <a:ext cx="9144000" cy="2387600"/>
+            <a:off x="1261872" y="758952"/>
+            <a:ext cx="9418320" cy="4041648"/>
           </a:xfrm>
         </p:spPr>
         <p:txBody>
-          <a:bodyPr anchor="b"/>
+          <a:bodyPr anchor="b">
+            <a:normAutofit/>
+          </a:bodyPr>
           <a:lstStyle>
-            <a:lvl1pPr algn="ctr">
-              <a:defRPr sz="6000"/>
+            <a:lvl1pPr algn="l">
+              <a:lnSpc>
+                <a:spcPct val="85000"/>
+              </a:lnSpc>
+              <a:defRPr sz="7200" baseline="0">
+                <a:solidFill>
+                  <a:schemeClr val="tx1"/>
+                </a:solidFill>
+              </a:defRPr>
             </a:lvl1pPr>
           </a:lstStyle>
           <a:p>
@@ -166,18 +186,13 @@
               <a:rPr lang="ru-RU"/>
               <a:t>Образец заголовка</a:t>
             </a:r>
-          </a:p>
-        </p:txBody>
-      </p:sp>
-      <p:sp>
-        <p:nvSpPr>
-          <p:cNvPr id="3" name="Подзаголовок 2">
-            <a:extLst>
-              <a:ext uri="{FF2B5EF4-FFF2-40B4-BE49-F238E27FC236}">
-                <a16:creationId xmlns:a16="http://schemas.microsoft.com/office/drawing/2014/main" id="{1D36360D-7665-D32E-5133-A0C45D56BA90}"/>
-              </a:ext>
-            </a:extLst>
-          </p:cNvPr>
+            <a:endParaRPr lang="en-US" dirty="0"/>
+          </a:p>
+        </p:txBody>
+      </p:sp>
+      <p:sp>
+        <p:nvSpPr>
+          <p:cNvPr id="3" name="Subtitle 2"/>
           <p:cNvSpPr>
             <a:spLocks noGrp="1"/>
           </p:cNvSpPr>
@@ -187,48 +202,56 @@
         </p:nvSpPr>
         <p:spPr>
           <a:xfrm>
-            <a:off x="1524000" y="3602038"/>
-            <a:ext cx="9144000" cy="1655762"/>
+            <a:off x="1261872" y="4800600"/>
+            <a:ext cx="9418320" cy="1691640"/>
           </a:xfrm>
         </p:spPr>
         <p:txBody>
-          <a:bodyPr/>
+          <a:bodyPr>
+            <a:normAutofit/>
+          </a:bodyPr>
           <a:lstStyle>
-            <a:lvl1pPr marL="0" indent="0" algn="ctr">
-              <a:buNone/>
-              <a:defRPr sz="2400"/>
+            <a:lvl1pPr marL="0" indent="0" algn="l">
+              <a:buNone/>
+              <a:defRPr sz="2200" baseline="0">
+                <a:solidFill>
+                  <a:schemeClr val="tx1">
+                    <a:lumMod val="75000"/>
+                  </a:schemeClr>
+                </a:solidFill>
+              </a:defRPr>
             </a:lvl1pPr>
             <a:lvl2pPr marL="457200" indent="0" algn="ctr">
               <a:buNone/>
-              <a:defRPr sz="2000"/>
+              <a:defRPr sz="2200"/>
             </a:lvl2pPr>
             <a:lvl3pPr marL="914400" indent="0" algn="ctr">
               <a:buNone/>
-              <a:defRPr sz="1800"/>
+              <a:defRPr sz="2200"/>
             </a:lvl3pPr>
             <a:lvl4pPr marL="1371600" indent="0" algn="ctr">
               <a:buNone/>
-              <a:defRPr sz="1600"/>
+              <a:defRPr sz="2000"/>
             </a:lvl4pPr>
             <a:lvl5pPr marL="1828800" indent="0" algn="ctr">
               <a:buNone/>
-              <a:defRPr sz="1600"/>
+              <a:defRPr sz="2000"/>
             </a:lvl5pPr>
             <a:lvl6pPr marL="2286000" indent="0" algn="ctr">
               <a:buNone/>
-              <a:defRPr sz="1600"/>
+              <a:defRPr sz="2000"/>
             </a:lvl6pPr>
             <a:lvl7pPr marL="2743200" indent="0" algn="ctr">
               <a:buNone/>
-              <a:defRPr sz="1600"/>
+              <a:defRPr sz="2000"/>
             </a:lvl7pPr>
             <a:lvl8pPr marL="3200400" indent="0" algn="ctr">
               <a:buNone/>
-              <a:defRPr sz="1600"/>
+              <a:defRPr sz="2000"/>
             </a:lvl8pPr>
             <a:lvl9pPr marL="3657600" indent="0" algn="ctr">
               <a:buNone/>
-              <a:defRPr sz="1600"/>
+              <a:defRPr sz="2000"/>
             </a:lvl9pPr>
           </a:lstStyle>
           <a:p>
@@ -236,18 +259,13 @@
               <a:rPr lang="ru-RU"/>
               <a:t>Образец подзаголовка</a:t>
             </a:r>
-          </a:p>
-        </p:txBody>
-      </p:sp>
-      <p:sp>
-        <p:nvSpPr>
-          <p:cNvPr id="4" name="Дата 3">
-            <a:extLst>
-              <a:ext uri="{FF2B5EF4-FFF2-40B4-BE49-F238E27FC236}">
-                <a16:creationId xmlns:a16="http://schemas.microsoft.com/office/drawing/2014/main" id="{29CF5262-0452-9AEA-19C7-3BF99CD0610E}"/>
-              </a:ext>
-            </a:extLst>
-          </p:cNvPr>
+            <a:endParaRPr lang="en-US" dirty="0"/>
+          </a:p>
+        </p:txBody>
+      </p:sp>
+      <p:sp>
+        <p:nvSpPr>
+          <p:cNvPr id="4" name="Date Placeholder 3"/>
           <p:cNvSpPr>
             <a:spLocks noGrp="1"/>
           </p:cNvSpPr>
@@ -258,11 +276,21 @@
         <p:spPr/>
         <p:txBody>
           <a:bodyPr/>
-          <a:lstStyle/>
+          <a:lstStyle>
+            <a:lvl1pPr>
+              <a:defRPr>
+                <a:solidFill>
+                  <a:schemeClr val="tx1">
+                    <a:lumMod val="50000"/>
+                  </a:schemeClr>
+                </a:solidFill>
+              </a:defRPr>
+            </a:lvl1pPr>
+          </a:lstStyle>
           <a:p>
             <a:fld id="{8F2ACF86-6CDF-4508-BA62-F8318AF95D8A}" type="datetimeFigureOut">
               <a:rPr lang="ru-RU" smtClean="0"/>
-              <a:t>23.04.2025</a:t>
+              <a:t>24.04.2025</a:t>
             </a:fld>
             <a:endParaRPr lang="ru-RU"/>
           </a:p>
@@ -270,13 +298,7 @@
       </p:sp>
       <p:sp>
         <p:nvSpPr>
-          <p:cNvPr id="5" name="Нижний колонтитул 4">
-            <a:extLst>
-              <a:ext uri="{FF2B5EF4-FFF2-40B4-BE49-F238E27FC236}">
-                <a16:creationId xmlns:a16="http://schemas.microsoft.com/office/drawing/2014/main" id="{1350C638-5C32-E05E-3A9F-FE87F67B557B}"/>
-              </a:ext>
-            </a:extLst>
-          </p:cNvPr>
+          <p:cNvPr id="5" name="Footer Placeholder 4"/>
           <p:cNvSpPr>
             <a:spLocks noGrp="1"/>
           </p:cNvSpPr>
@@ -287,7 +309,17 @@
         <p:spPr/>
         <p:txBody>
           <a:bodyPr/>
-          <a:lstStyle/>
+          <a:lstStyle>
+            <a:lvl1pPr>
+              <a:defRPr>
+                <a:solidFill>
+                  <a:schemeClr val="tx1">
+                    <a:lumMod val="65000"/>
+                  </a:schemeClr>
+                </a:solidFill>
+              </a:defRPr>
+            </a:lvl1pPr>
+          </a:lstStyle>
           <a:p>
             <a:endParaRPr lang="ru-RU"/>
           </a:p>
@@ -295,13 +327,7 @@
       </p:sp>
       <p:sp>
         <p:nvSpPr>
-          <p:cNvPr id="6" name="Номер слайда 5">
-            <a:extLst>
-              <a:ext uri="{FF2B5EF4-FFF2-40B4-BE49-F238E27FC236}">
-                <a16:creationId xmlns:a16="http://schemas.microsoft.com/office/drawing/2014/main" id="{B8538866-5709-FF10-9469-CBC984EAD340}"/>
-              </a:ext>
-            </a:extLst>
-          </p:cNvPr>
+          <p:cNvPr id="6" name="Slide Number Placeholder 5"/>
           <p:cNvSpPr>
             <a:spLocks noGrp="1"/>
           </p:cNvSpPr>
@@ -312,7 +338,17 @@
         <p:spPr/>
         <p:txBody>
           <a:bodyPr/>
-          <a:lstStyle/>
+          <a:lstStyle>
+            <a:lvl1pPr>
+              <a:defRPr>
+                <a:solidFill>
+                  <a:schemeClr val="tx1">
+                    <a:lumMod val="65000"/>
+                  </a:schemeClr>
+                </a:solidFill>
+              </a:defRPr>
+            </a:lvl1pPr>
+          </a:lstStyle>
           <a:p>
             <a:fld id="{C6ED4F69-0F15-49D9-8D37-D3834F740AAE}" type="slidenum">
               <a:rPr lang="ru-RU" smtClean="0"/>
@@ -322,15 +358,53 @@
           </a:p>
         </p:txBody>
       </p:sp>
+      <p:sp>
+        <p:nvSpPr>
+          <p:cNvPr id="7" name="Rectangle 6"/>
+          <p:cNvSpPr/>
+          <p:nvPr/>
+        </p:nvSpPr>
+        <p:spPr>
+          <a:xfrm>
+            <a:off x="0" y="0"/>
+            <a:ext cx="457200" cy="6858000"/>
+          </a:xfrm>
+          <a:prstGeom prst="rect">
+            <a:avLst/>
+          </a:prstGeom>
+          <a:solidFill>
+            <a:schemeClr val="accent1"/>
+          </a:solidFill>
+          <a:ln>
+            <a:noFill/>
+          </a:ln>
+        </p:spPr>
+        <p:style>
+          <a:lnRef idx="2">
+            <a:schemeClr val="accent1">
+              <a:shade val="50000"/>
+            </a:schemeClr>
+          </a:lnRef>
+          <a:fillRef idx="1">
+            <a:schemeClr val="accent1"/>
+          </a:fillRef>
+          <a:effectRef idx="0">
+            <a:schemeClr val="accent1"/>
+          </a:effectRef>
+          <a:fontRef idx="minor">
+            <a:schemeClr val="lt1"/>
+          </a:fontRef>
+        </p:style>
+      </p:sp>
     </p:spTree>
     <p:extLst>
       <p:ext uri="{BB962C8B-B14F-4D97-AF65-F5344CB8AC3E}">
-        <p14:creationId xmlns:p14="http://schemas.microsoft.com/office/powerpoint/2010/main" val="222042267"/>
+        <p14:creationId xmlns:p14="http://schemas.microsoft.com/office/powerpoint/2010/main" val="3526797032"/>
       </p:ext>
     </p:extLst>
   </p:cSld>
   <p:clrMapOvr>
-    <a:masterClrMapping/>
+    <a:overrideClrMapping bg1="dk1" tx1="lt1" bg2="dk2" tx2="lt2" accent1="accent1" accent2="accent2" accent3="accent3" accent4="accent4" accent5="accent5" accent6="accent6" hlink="hlink" folHlink="folHlink"/>
   </p:clrMapOvr>
 </p:sldLayout>
 </file>
@@ -354,13 +428,7 @@
       </p:grpSpPr>
       <p:sp>
         <p:nvSpPr>
-          <p:cNvPr id="2" name="Заголовок 1">
-            <a:extLst>
-              <a:ext uri="{FF2B5EF4-FFF2-40B4-BE49-F238E27FC236}">
-                <a16:creationId xmlns:a16="http://schemas.microsoft.com/office/drawing/2014/main" id="{5F9C13F4-7DC2-A1D7-8336-8398E2DD37A2}"/>
-              </a:ext>
-            </a:extLst>
-          </p:cNvPr>
+          <p:cNvPr id="2" name="Title 1"/>
           <p:cNvSpPr>
             <a:spLocks noGrp="1"/>
           </p:cNvSpPr>
@@ -377,18 +445,13 @@
               <a:rPr lang="ru-RU"/>
               <a:t>Образец заголовка</a:t>
             </a:r>
-          </a:p>
-        </p:txBody>
-      </p:sp>
-      <p:sp>
-        <p:nvSpPr>
-          <p:cNvPr id="3" name="Вертикальный текст 2">
-            <a:extLst>
-              <a:ext uri="{FF2B5EF4-FFF2-40B4-BE49-F238E27FC236}">
-                <a16:creationId xmlns:a16="http://schemas.microsoft.com/office/drawing/2014/main" id="{556C3CAC-7141-F461-1404-D22083F3372B}"/>
-              </a:ext>
-            </a:extLst>
-          </p:cNvPr>
+            <a:endParaRPr lang="en-US" dirty="0"/>
+          </a:p>
+        </p:txBody>
+      </p:sp>
+      <p:sp>
+        <p:nvSpPr>
+          <p:cNvPr id="3" name="Vertical Text Placeholder 2"/>
           <p:cNvSpPr>
             <a:spLocks noGrp="1"/>
           </p:cNvSpPr>
@@ -434,18 +497,13 @@
               <a:rPr lang="ru-RU"/>
               <a:t>Пятый уровень</a:t>
             </a:r>
-          </a:p>
-        </p:txBody>
-      </p:sp>
-      <p:sp>
-        <p:nvSpPr>
-          <p:cNvPr id="4" name="Дата 3">
-            <a:extLst>
-              <a:ext uri="{FF2B5EF4-FFF2-40B4-BE49-F238E27FC236}">
-                <a16:creationId xmlns:a16="http://schemas.microsoft.com/office/drawing/2014/main" id="{D65C2256-CDEF-5F17-2859-6769117BFC19}"/>
-              </a:ext>
-            </a:extLst>
-          </p:cNvPr>
+            <a:endParaRPr lang="en-US" dirty="0"/>
+          </a:p>
+        </p:txBody>
+      </p:sp>
+      <p:sp>
+        <p:nvSpPr>
+          <p:cNvPr id="4" name="Date Placeholder 3"/>
           <p:cNvSpPr>
             <a:spLocks noGrp="1"/>
           </p:cNvSpPr>
@@ -460,7 +518,7 @@
           <a:p>
             <a:fld id="{8F2ACF86-6CDF-4508-BA62-F8318AF95D8A}" type="datetimeFigureOut">
               <a:rPr lang="ru-RU" smtClean="0"/>
-              <a:t>23.04.2025</a:t>
+              <a:t>24.04.2025</a:t>
             </a:fld>
             <a:endParaRPr lang="ru-RU"/>
           </a:p>
@@ -468,13 +526,7 @@
       </p:sp>
       <p:sp>
         <p:nvSpPr>
-          <p:cNvPr id="5" name="Нижний колонтитул 4">
-            <a:extLst>
-              <a:ext uri="{FF2B5EF4-FFF2-40B4-BE49-F238E27FC236}">
-                <a16:creationId xmlns:a16="http://schemas.microsoft.com/office/drawing/2014/main" id="{0C9F6852-0C8D-0DFD-E5C2-1F75ADE3A12B}"/>
-              </a:ext>
-            </a:extLst>
-          </p:cNvPr>
+          <p:cNvPr id="5" name="Footer Placeholder 4"/>
           <p:cNvSpPr>
             <a:spLocks noGrp="1"/>
           </p:cNvSpPr>
@@ -493,13 +545,7 @@
       </p:sp>
       <p:sp>
         <p:nvSpPr>
-          <p:cNvPr id="6" name="Номер слайда 5">
-            <a:extLst>
-              <a:ext uri="{FF2B5EF4-FFF2-40B4-BE49-F238E27FC236}">
-                <a16:creationId xmlns:a16="http://schemas.microsoft.com/office/drawing/2014/main" id="{E2305FE3-4209-11A6-78CA-F9190CAD8C09}"/>
-              </a:ext>
-            </a:extLst>
-          </p:cNvPr>
+          <p:cNvPr id="6" name="Slide Number Placeholder 5"/>
           <p:cNvSpPr>
             <a:spLocks noGrp="1"/>
           </p:cNvSpPr>
@@ -523,7 +569,7 @@
     </p:spTree>
     <p:extLst>
       <p:ext uri="{BB962C8B-B14F-4D97-AF65-F5344CB8AC3E}">
-        <p14:creationId xmlns:p14="http://schemas.microsoft.com/office/powerpoint/2010/main" val="1848936368"/>
+        <p14:creationId xmlns:p14="http://schemas.microsoft.com/office/powerpoint/2010/main" val="3331936738"/>
       </p:ext>
     </p:extLst>
   </p:cSld>
@@ -552,13 +598,7 @@
       </p:grpSpPr>
       <p:sp>
         <p:nvSpPr>
-          <p:cNvPr id="2" name="Вертикальный заголовок 1">
-            <a:extLst>
-              <a:ext uri="{FF2B5EF4-FFF2-40B4-BE49-F238E27FC236}">
-                <a16:creationId xmlns:a16="http://schemas.microsoft.com/office/drawing/2014/main" id="{D7A34EB3-225D-244A-19CC-77F955DD5D68}"/>
-              </a:ext>
-            </a:extLst>
-          </p:cNvPr>
+          <p:cNvPr id="2" name="Vertical Title 1"/>
           <p:cNvSpPr>
             <a:spLocks noGrp="1"/>
           </p:cNvSpPr>
@@ -568,8 +608,8 @@
         </p:nvSpPr>
         <p:spPr>
           <a:xfrm>
-            <a:off x="8724900" y="365125"/>
-            <a:ext cx="2628900" cy="5811838"/>
+            <a:off x="8648700" y="381000"/>
+            <a:ext cx="2476500" cy="5897562"/>
           </a:xfrm>
         </p:spPr>
         <p:txBody>
@@ -580,18 +620,13 @@
               <a:rPr lang="ru-RU"/>
               <a:t>Образец заголовка</a:t>
             </a:r>
-          </a:p>
-        </p:txBody>
-      </p:sp>
-      <p:sp>
-        <p:nvSpPr>
-          <p:cNvPr id="3" name="Вертикальный текст 2">
-            <a:extLst>
-              <a:ext uri="{FF2B5EF4-FFF2-40B4-BE49-F238E27FC236}">
-                <a16:creationId xmlns:a16="http://schemas.microsoft.com/office/drawing/2014/main" id="{CED8B538-C9B1-1AD3-FE2B-95694A2F87FB}"/>
-              </a:ext>
-            </a:extLst>
-          </p:cNvPr>
+            <a:endParaRPr lang="en-US" dirty="0"/>
+          </a:p>
+        </p:txBody>
+      </p:sp>
+      <p:sp>
+        <p:nvSpPr>
+          <p:cNvPr id="3" name="Vertical Text Placeholder 2"/>
           <p:cNvSpPr>
             <a:spLocks noGrp="1"/>
           </p:cNvSpPr>
@@ -601,8 +636,8 @@
         </p:nvSpPr>
         <p:spPr>
           <a:xfrm>
-            <a:off x="838200" y="365125"/>
-            <a:ext cx="7734300" cy="5811838"/>
+            <a:off x="762000" y="381000"/>
+            <a:ext cx="7734300" cy="5897562"/>
           </a:xfrm>
         </p:spPr>
         <p:txBody>
@@ -642,18 +677,13 @@
               <a:rPr lang="ru-RU"/>
               <a:t>Пятый уровень</a:t>
             </a:r>
-          </a:p>
-        </p:txBody>
-      </p:sp>
-      <p:sp>
-        <p:nvSpPr>
-          <p:cNvPr id="4" name="Дата 3">
-            <a:extLst>
-              <a:ext uri="{FF2B5EF4-FFF2-40B4-BE49-F238E27FC236}">
-                <a16:creationId xmlns:a16="http://schemas.microsoft.com/office/drawing/2014/main" id="{4310DAF7-9C2C-9ADB-BF2A-343A54CEBC48}"/>
-              </a:ext>
-            </a:extLst>
-          </p:cNvPr>
+            <a:endParaRPr lang="en-US" dirty="0"/>
+          </a:p>
+        </p:txBody>
+      </p:sp>
+      <p:sp>
+        <p:nvSpPr>
+          <p:cNvPr id="4" name="Date Placeholder 3"/>
           <p:cNvSpPr>
             <a:spLocks noGrp="1"/>
           </p:cNvSpPr>
@@ -668,7 +698,7 @@
           <a:p>
             <a:fld id="{8F2ACF86-6CDF-4508-BA62-F8318AF95D8A}" type="datetimeFigureOut">
               <a:rPr lang="ru-RU" smtClean="0"/>
-              <a:t>23.04.2025</a:t>
+              <a:t>24.04.2025</a:t>
             </a:fld>
             <a:endParaRPr lang="ru-RU"/>
           </a:p>
@@ -676,13 +706,7 @@
       </p:sp>
       <p:sp>
         <p:nvSpPr>
-          <p:cNvPr id="5" name="Нижний колонтитул 4">
-            <a:extLst>
-              <a:ext uri="{FF2B5EF4-FFF2-40B4-BE49-F238E27FC236}">
-                <a16:creationId xmlns:a16="http://schemas.microsoft.com/office/drawing/2014/main" id="{FA507AE3-353E-9C2A-1F63-25907BA9348A}"/>
-              </a:ext>
-            </a:extLst>
-          </p:cNvPr>
+          <p:cNvPr id="5" name="Footer Placeholder 4"/>
           <p:cNvSpPr>
             <a:spLocks noGrp="1"/>
           </p:cNvSpPr>
@@ -701,13 +725,7 @@
       </p:sp>
       <p:sp>
         <p:nvSpPr>
-          <p:cNvPr id="6" name="Номер слайда 5">
-            <a:extLst>
-              <a:ext uri="{FF2B5EF4-FFF2-40B4-BE49-F238E27FC236}">
-                <a16:creationId xmlns:a16="http://schemas.microsoft.com/office/drawing/2014/main" id="{AC5E8A66-F725-ADA8-F129-5E996178A5EF}"/>
-              </a:ext>
-            </a:extLst>
-          </p:cNvPr>
+          <p:cNvPr id="6" name="Slide Number Placeholder 5"/>
           <p:cNvSpPr>
             <a:spLocks noGrp="1"/>
           </p:cNvSpPr>
@@ -731,7 +749,7 @@
     </p:spTree>
     <p:extLst>
       <p:ext uri="{BB962C8B-B14F-4D97-AF65-F5344CB8AC3E}">
-        <p14:creationId xmlns:p14="http://schemas.microsoft.com/office/powerpoint/2010/main" val="2047751564"/>
+        <p14:creationId xmlns:p14="http://schemas.microsoft.com/office/powerpoint/2010/main" val="1269318532"/>
       </p:ext>
     </p:extLst>
   </p:cSld>
@@ -760,13 +778,7 @@
       </p:grpSpPr>
       <p:sp>
         <p:nvSpPr>
-          <p:cNvPr id="2" name="Заголовок 1">
-            <a:extLst>
-              <a:ext uri="{FF2B5EF4-FFF2-40B4-BE49-F238E27FC236}">
-                <a16:creationId xmlns:a16="http://schemas.microsoft.com/office/drawing/2014/main" id="{FBBF6421-C7FF-2115-B99C-8D2F13A8B080}"/>
-              </a:ext>
-            </a:extLst>
-          </p:cNvPr>
+          <p:cNvPr id="2" name="Title 1"/>
           <p:cNvSpPr>
             <a:spLocks noGrp="1"/>
           </p:cNvSpPr>
@@ -783,18 +795,13 @@
               <a:rPr lang="ru-RU"/>
               <a:t>Образец заголовка</a:t>
             </a:r>
-          </a:p>
-        </p:txBody>
-      </p:sp>
-      <p:sp>
-        <p:nvSpPr>
-          <p:cNvPr id="3" name="Объект 2">
-            <a:extLst>
-              <a:ext uri="{FF2B5EF4-FFF2-40B4-BE49-F238E27FC236}">
-                <a16:creationId xmlns:a16="http://schemas.microsoft.com/office/drawing/2014/main" id="{F6A38652-3D39-21F5-7AEF-4B8F4A9348AE}"/>
-              </a:ext>
-            </a:extLst>
-          </p:cNvPr>
+            <a:endParaRPr lang="en-US" dirty="0"/>
+          </a:p>
+        </p:txBody>
+      </p:sp>
+      <p:sp>
+        <p:nvSpPr>
+          <p:cNvPr id="3" name="Content Placeholder 2"/>
           <p:cNvSpPr>
             <a:spLocks noGrp="1"/>
           </p:cNvSpPr>
@@ -840,18 +847,13 @@
               <a:rPr lang="ru-RU"/>
               <a:t>Пятый уровень</a:t>
             </a:r>
-          </a:p>
-        </p:txBody>
-      </p:sp>
-      <p:sp>
-        <p:nvSpPr>
-          <p:cNvPr id="4" name="Дата 3">
-            <a:extLst>
-              <a:ext uri="{FF2B5EF4-FFF2-40B4-BE49-F238E27FC236}">
-                <a16:creationId xmlns:a16="http://schemas.microsoft.com/office/drawing/2014/main" id="{94F8A146-57F7-6295-FBFB-9938F7E52FB3}"/>
-              </a:ext>
-            </a:extLst>
-          </p:cNvPr>
+            <a:endParaRPr lang="en-US" dirty="0"/>
+          </a:p>
+        </p:txBody>
+      </p:sp>
+      <p:sp>
+        <p:nvSpPr>
+          <p:cNvPr id="4" name="Date Placeholder 3"/>
           <p:cNvSpPr>
             <a:spLocks noGrp="1"/>
           </p:cNvSpPr>
@@ -866,7 +868,7 @@
           <a:p>
             <a:fld id="{8F2ACF86-6CDF-4508-BA62-F8318AF95D8A}" type="datetimeFigureOut">
               <a:rPr lang="ru-RU" smtClean="0"/>
-              <a:t>23.04.2025</a:t>
+              <a:t>24.04.2025</a:t>
             </a:fld>
             <a:endParaRPr lang="ru-RU"/>
           </a:p>
@@ -874,13 +876,7 @@
       </p:sp>
       <p:sp>
         <p:nvSpPr>
-          <p:cNvPr id="5" name="Нижний колонтитул 4">
-            <a:extLst>
-              <a:ext uri="{FF2B5EF4-FFF2-40B4-BE49-F238E27FC236}">
-                <a16:creationId xmlns:a16="http://schemas.microsoft.com/office/drawing/2014/main" id="{E29B1440-72A6-1E2D-CE39-3A4B34645D6F}"/>
-              </a:ext>
-            </a:extLst>
-          </p:cNvPr>
+          <p:cNvPr id="5" name="Footer Placeholder 4"/>
           <p:cNvSpPr>
             <a:spLocks noGrp="1"/>
           </p:cNvSpPr>
@@ -899,13 +895,7 @@
       </p:sp>
       <p:sp>
         <p:nvSpPr>
-          <p:cNvPr id="6" name="Номер слайда 5">
-            <a:extLst>
-              <a:ext uri="{FF2B5EF4-FFF2-40B4-BE49-F238E27FC236}">
-                <a16:creationId xmlns:a16="http://schemas.microsoft.com/office/drawing/2014/main" id="{81B3A178-02D7-2055-653E-EEFB48A90C93}"/>
-              </a:ext>
-            </a:extLst>
-          </p:cNvPr>
+          <p:cNvPr id="6" name="Slide Number Placeholder 5"/>
           <p:cNvSpPr>
             <a:spLocks noGrp="1"/>
           </p:cNvSpPr>
@@ -929,7 +919,7 @@
     </p:spTree>
     <p:extLst>
       <p:ext uri="{BB962C8B-B14F-4D97-AF65-F5344CB8AC3E}">
-        <p14:creationId xmlns:p14="http://schemas.microsoft.com/office/powerpoint/2010/main" val="2444935639"/>
+        <p14:creationId xmlns:p14="http://schemas.microsoft.com/office/powerpoint/2010/main" val="2159583935"/>
       </p:ext>
     </p:extLst>
   </p:cSld>
@@ -958,13 +948,7 @@
       </p:grpSpPr>
       <p:sp>
         <p:nvSpPr>
-          <p:cNvPr id="2" name="Заголовок 1">
-            <a:extLst>
-              <a:ext uri="{FF2B5EF4-FFF2-40B4-BE49-F238E27FC236}">
-                <a16:creationId xmlns:a16="http://schemas.microsoft.com/office/drawing/2014/main" id="{AF79B3FA-6B7D-2638-62DE-6A035C651151}"/>
-              </a:ext>
-            </a:extLst>
-          </p:cNvPr>
+          <p:cNvPr id="2" name="Title 1"/>
           <p:cNvSpPr>
             <a:spLocks noGrp="1"/>
           </p:cNvSpPr>
@@ -974,15 +958,20 @@
         </p:nvSpPr>
         <p:spPr>
           <a:xfrm>
-            <a:off x="831850" y="1709738"/>
-            <a:ext cx="10515600" cy="2852737"/>
+            <a:off x="1261872" y="758952"/>
+            <a:ext cx="9418320" cy="4041648"/>
           </a:xfrm>
         </p:spPr>
         <p:txBody>
-          <a:bodyPr anchor="b"/>
+          <a:bodyPr anchor="b">
+            <a:normAutofit/>
+          </a:bodyPr>
           <a:lstStyle>
             <a:lvl1pPr>
-              <a:defRPr sz="6000"/>
+              <a:lnSpc>
+                <a:spcPct val="85000"/>
+              </a:lnSpc>
+              <a:defRPr sz="7200" b="0"/>
             </a:lvl1pPr>
           </a:lstStyle>
           <a:p>
@@ -990,18 +979,13 @@
               <a:rPr lang="ru-RU"/>
               <a:t>Образец заголовка</a:t>
             </a:r>
-          </a:p>
-        </p:txBody>
-      </p:sp>
-      <p:sp>
-        <p:nvSpPr>
-          <p:cNvPr id="3" name="Текст 2">
-            <a:extLst>
-              <a:ext uri="{FF2B5EF4-FFF2-40B4-BE49-F238E27FC236}">
-                <a16:creationId xmlns:a16="http://schemas.microsoft.com/office/drawing/2014/main" id="{EF3F4FCC-FD55-E344-96CF-CE666BCE1585}"/>
-              </a:ext>
-            </a:extLst>
-          </p:cNvPr>
+            <a:endParaRPr lang="en-US" dirty="0"/>
+          </a:p>
+        </p:txBody>
+      </p:sp>
+      <p:sp>
+        <p:nvSpPr>
+          <p:cNvPr id="3" name="Text Placeholder 2"/>
           <p:cNvSpPr>
             <a:spLocks noGrp="1"/>
           </p:cNvSpPr>
@@ -1011,26 +995,29 @@
         </p:nvSpPr>
         <p:spPr>
           <a:xfrm>
-            <a:off x="831850" y="4589463"/>
-            <a:ext cx="10515600" cy="1500187"/>
+            <a:off x="1261872" y="4800600"/>
+            <a:ext cx="9418320" cy="1691640"/>
           </a:xfrm>
         </p:spPr>
         <p:txBody>
-          <a:bodyPr/>
+          <a:bodyPr anchor="t">
+            <a:normAutofit/>
+          </a:bodyPr>
           <a:lstStyle>
             <a:lvl1pPr marL="0" indent="0">
               <a:buNone/>
-              <a:defRPr sz="2400">
+              <a:defRPr sz="2200">
                 <a:solidFill>
                   <a:schemeClr val="tx1">
-                    <a:tint val="75000"/>
+                    <a:lumMod val="65000"/>
+                    <a:lumOff val="35000"/>
                   </a:schemeClr>
                 </a:solidFill>
               </a:defRPr>
             </a:lvl1pPr>
             <a:lvl2pPr marL="457200" indent="0">
               <a:buNone/>
-              <a:defRPr sz="2000">
+              <a:defRPr sz="1800">
                 <a:solidFill>
                   <a:schemeClr val="tx1">
                     <a:tint val="75000"/>
@@ -1040,7 +1027,7 @@
             </a:lvl2pPr>
             <a:lvl3pPr marL="914400" indent="0">
               <a:buNone/>
-              <a:defRPr sz="1800">
+              <a:defRPr sz="1600">
                 <a:solidFill>
                   <a:schemeClr val="tx1">
                     <a:tint val="75000"/>
@@ -1050,7 +1037,7 @@
             </a:lvl3pPr>
             <a:lvl4pPr marL="1371600" indent="0">
               <a:buNone/>
-              <a:defRPr sz="1600">
+              <a:defRPr sz="1400">
                 <a:solidFill>
                   <a:schemeClr val="tx1">
                     <a:tint val="75000"/>
@@ -1060,7 +1047,7 @@
             </a:lvl4pPr>
             <a:lvl5pPr marL="1828800" indent="0">
               <a:buNone/>
-              <a:defRPr sz="1600">
+              <a:defRPr sz="1400">
                 <a:solidFill>
                   <a:schemeClr val="tx1">
                     <a:tint val="75000"/>
@@ -1070,7 +1057,7 @@
             </a:lvl5pPr>
             <a:lvl6pPr marL="2286000" indent="0">
               <a:buNone/>
-              <a:defRPr sz="1600">
+              <a:defRPr sz="1400">
                 <a:solidFill>
                   <a:schemeClr val="tx1">
                     <a:tint val="75000"/>
@@ -1080,7 +1067,7 @@
             </a:lvl6pPr>
             <a:lvl7pPr marL="2743200" indent="0">
               <a:buNone/>
-              <a:defRPr sz="1600">
+              <a:defRPr sz="1400">
                 <a:solidFill>
                   <a:schemeClr val="tx1">
                     <a:tint val="75000"/>
@@ -1090,7 +1077,7 @@
             </a:lvl7pPr>
             <a:lvl8pPr marL="3200400" indent="0">
               <a:buNone/>
-              <a:defRPr sz="1600">
+              <a:defRPr sz="1400">
                 <a:solidFill>
                   <a:schemeClr val="tx1">
                     <a:tint val="75000"/>
@@ -1100,7 +1087,7 @@
             </a:lvl8pPr>
             <a:lvl9pPr marL="3657600" indent="0">
               <a:buNone/>
-              <a:defRPr sz="1600">
+              <a:defRPr sz="1400">
                 <a:solidFill>
                   <a:schemeClr val="tx1">
                     <a:tint val="75000"/>
@@ -1120,13 +1107,7 @@
       </p:sp>
       <p:sp>
         <p:nvSpPr>
-          <p:cNvPr id="4" name="Дата 3">
-            <a:extLst>
-              <a:ext uri="{FF2B5EF4-FFF2-40B4-BE49-F238E27FC236}">
-                <a16:creationId xmlns:a16="http://schemas.microsoft.com/office/drawing/2014/main" id="{D7B4527F-7E4C-E079-AAE0-6243AE8519E0}"/>
-              </a:ext>
-            </a:extLst>
-          </p:cNvPr>
+          <p:cNvPr id="4" name="Date Placeholder 3"/>
           <p:cNvSpPr>
             <a:spLocks noGrp="1"/>
           </p:cNvSpPr>
@@ -1141,7 +1122,7 @@
           <a:p>
             <a:fld id="{8F2ACF86-6CDF-4508-BA62-F8318AF95D8A}" type="datetimeFigureOut">
               <a:rPr lang="ru-RU" smtClean="0"/>
-              <a:t>23.04.2025</a:t>
+              <a:t>24.04.2025</a:t>
             </a:fld>
             <a:endParaRPr lang="ru-RU"/>
           </a:p>
@@ -1149,13 +1130,7 @@
       </p:sp>
       <p:sp>
         <p:nvSpPr>
-          <p:cNvPr id="5" name="Нижний колонтитул 4">
-            <a:extLst>
-              <a:ext uri="{FF2B5EF4-FFF2-40B4-BE49-F238E27FC236}">
-                <a16:creationId xmlns:a16="http://schemas.microsoft.com/office/drawing/2014/main" id="{FBCF15DB-C17A-7451-B93C-DF7170D900BB}"/>
-              </a:ext>
-            </a:extLst>
-          </p:cNvPr>
+          <p:cNvPr id="5" name="Footer Placeholder 4"/>
           <p:cNvSpPr>
             <a:spLocks noGrp="1"/>
           </p:cNvSpPr>
@@ -1174,13 +1149,7 @@
       </p:sp>
       <p:sp>
         <p:nvSpPr>
-          <p:cNvPr id="6" name="Номер слайда 5">
-            <a:extLst>
-              <a:ext uri="{FF2B5EF4-FFF2-40B4-BE49-F238E27FC236}">
-                <a16:creationId xmlns:a16="http://schemas.microsoft.com/office/drawing/2014/main" id="{2CDF12D8-61CA-E946-3FF9-B7D8803E411B}"/>
-              </a:ext>
-            </a:extLst>
-          </p:cNvPr>
+          <p:cNvPr id="6" name="Slide Number Placeholder 5"/>
           <p:cNvSpPr>
             <a:spLocks noGrp="1"/>
           </p:cNvSpPr>
@@ -1201,10 +1170,48 @@
           </a:p>
         </p:txBody>
       </p:sp>
+      <p:sp>
+        <p:nvSpPr>
+          <p:cNvPr id="7" name="Rectangle 6"/>
+          <p:cNvSpPr/>
+          <p:nvPr/>
+        </p:nvSpPr>
+        <p:spPr>
+          <a:xfrm>
+            <a:off x="0" y="0"/>
+            <a:ext cx="457200" cy="6858000"/>
+          </a:xfrm>
+          <a:prstGeom prst="rect">
+            <a:avLst/>
+          </a:prstGeom>
+          <a:solidFill>
+            <a:schemeClr val="accent1"/>
+          </a:solidFill>
+          <a:ln>
+            <a:noFill/>
+          </a:ln>
+        </p:spPr>
+        <p:style>
+          <a:lnRef idx="2">
+            <a:schemeClr val="accent1">
+              <a:shade val="50000"/>
+            </a:schemeClr>
+          </a:lnRef>
+          <a:fillRef idx="1">
+            <a:schemeClr val="accent1"/>
+          </a:fillRef>
+          <a:effectRef idx="0">
+            <a:schemeClr val="accent1"/>
+          </a:effectRef>
+          <a:fontRef idx="minor">
+            <a:schemeClr val="lt1"/>
+          </a:fontRef>
+        </p:style>
+      </p:sp>
     </p:spTree>
     <p:extLst>
       <p:ext uri="{BB962C8B-B14F-4D97-AF65-F5344CB8AC3E}">
-        <p14:creationId xmlns:p14="http://schemas.microsoft.com/office/powerpoint/2010/main" val="1612972922"/>
+        <p14:creationId xmlns:p14="http://schemas.microsoft.com/office/powerpoint/2010/main" val="1877832888"/>
       </p:ext>
     </p:extLst>
   </p:cSld>
@@ -1233,13 +1240,7 @@
       </p:grpSpPr>
       <p:sp>
         <p:nvSpPr>
-          <p:cNvPr id="2" name="Заголовок 1">
-            <a:extLst>
-              <a:ext uri="{FF2B5EF4-FFF2-40B4-BE49-F238E27FC236}">
-                <a16:creationId xmlns:a16="http://schemas.microsoft.com/office/drawing/2014/main" id="{EA8AEF7C-DA3E-C86D-17C1-E7279A487204}"/>
-              </a:ext>
-            </a:extLst>
-          </p:cNvPr>
+          <p:cNvPr id="2" name="Title 1"/>
           <p:cNvSpPr>
             <a:spLocks noGrp="1"/>
           </p:cNvSpPr>
@@ -1256,18 +1257,13 @@
               <a:rPr lang="ru-RU"/>
               <a:t>Образец заголовка</a:t>
             </a:r>
-          </a:p>
-        </p:txBody>
-      </p:sp>
-      <p:sp>
-        <p:nvSpPr>
-          <p:cNvPr id="3" name="Объект 2">
-            <a:extLst>
-              <a:ext uri="{FF2B5EF4-FFF2-40B4-BE49-F238E27FC236}">
-                <a16:creationId xmlns:a16="http://schemas.microsoft.com/office/drawing/2014/main" id="{F621D8EC-50CF-FF79-665C-D32657BB24EA}"/>
-              </a:ext>
-            </a:extLst>
-          </p:cNvPr>
+            <a:endParaRPr lang="en-US" dirty="0"/>
+          </a:p>
+        </p:txBody>
+      </p:sp>
+      <p:sp>
+        <p:nvSpPr>
+          <p:cNvPr id="3" name="Content Placeholder 2"/>
           <p:cNvSpPr>
             <a:spLocks noGrp="1"/>
           </p:cNvSpPr>
@@ -1277,13 +1273,41 @@
         </p:nvSpPr>
         <p:spPr>
           <a:xfrm>
-            <a:off x="838200" y="1825625"/>
-            <a:ext cx="5181600" cy="4351338"/>
+            <a:off x="1261872" y="1828800"/>
+            <a:ext cx="4480560" cy="4351337"/>
           </a:xfrm>
         </p:spPr>
         <p:txBody>
           <a:bodyPr/>
-          <a:lstStyle/>
+          <a:lstStyle>
+            <a:lvl1pPr>
+              <a:defRPr sz="1800"/>
+            </a:lvl1pPr>
+            <a:lvl2pPr>
+              <a:defRPr sz="1600"/>
+            </a:lvl2pPr>
+            <a:lvl3pPr>
+              <a:defRPr sz="1400"/>
+            </a:lvl3pPr>
+            <a:lvl4pPr>
+              <a:defRPr sz="1400"/>
+            </a:lvl4pPr>
+            <a:lvl5pPr>
+              <a:defRPr sz="1400"/>
+            </a:lvl5pPr>
+            <a:lvl6pPr>
+              <a:defRPr sz="1400"/>
+            </a:lvl6pPr>
+            <a:lvl7pPr>
+              <a:defRPr sz="1400"/>
+            </a:lvl7pPr>
+            <a:lvl8pPr>
+              <a:defRPr sz="1400"/>
+            </a:lvl8pPr>
+            <a:lvl9pPr>
+              <a:defRPr sz="1400"/>
+            </a:lvl9pPr>
+          </a:lstStyle>
           <a:p>
             <a:pPr lvl="0"/>
             <a:r>
@@ -1318,18 +1342,13 @@
               <a:rPr lang="ru-RU"/>
               <a:t>Пятый уровень</a:t>
             </a:r>
-          </a:p>
-        </p:txBody>
-      </p:sp>
-      <p:sp>
-        <p:nvSpPr>
-          <p:cNvPr id="4" name="Объект 3">
-            <a:extLst>
-              <a:ext uri="{FF2B5EF4-FFF2-40B4-BE49-F238E27FC236}">
-                <a16:creationId xmlns:a16="http://schemas.microsoft.com/office/drawing/2014/main" id="{79B1F3AB-E43C-F7A7-1434-7E455BAFC354}"/>
-              </a:ext>
-            </a:extLst>
-          </p:cNvPr>
+            <a:endParaRPr lang="en-US" dirty="0"/>
+          </a:p>
+        </p:txBody>
+      </p:sp>
+      <p:sp>
+        <p:nvSpPr>
+          <p:cNvPr id="4" name="Content Placeholder 3"/>
           <p:cNvSpPr>
             <a:spLocks noGrp="1"/>
           </p:cNvSpPr>
@@ -1339,13 +1358,41 @@
         </p:nvSpPr>
         <p:spPr>
           <a:xfrm>
-            <a:off x="6172200" y="1825625"/>
-            <a:ext cx="5181600" cy="4351338"/>
+            <a:off x="6126480" y="1828800"/>
+            <a:ext cx="4480560" cy="4351337"/>
           </a:xfrm>
         </p:spPr>
         <p:txBody>
           <a:bodyPr/>
-          <a:lstStyle/>
+          <a:lstStyle>
+            <a:lvl1pPr>
+              <a:defRPr sz="1800"/>
+            </a:lvl1pPr>
+            <a:lvl2pPr>
+              <a:defRPr sz="1600"/>
+            </a:lvl2pPr>
+            <a:lvl3pPr>
+              <a:defRPr sz="1400"/>
+            </a:lvl3pPr>
+            <a:lvl4pPr>
+              <a:defRPr sz="1400"/>
+            </a:lvl4pPr>
+            <a:lvl5pPr>
+              <a:defRPr sz="1400"/>
+            </a:lvl5pPr>
+            <a:lvl6pPr>
+              <a:defRPr sz="1400"/>
+            </a:lvl6pPr>
+            <a:lvl7pPr>
+              <a:defRPr sz="1400"/>
+            </a:lvl7pPr>
+            <a:lvl8pPr>
+              <a:defRPr sz="1400"/>
+            </a:lvl8pPr>
+            <a:lvl9pPr>
+              <a:defRPr sz="1400"/>
+            </a:lvl9pPr>
+          </a:lstStyle>
           <a:p>
             <a:pPr lvl="0"/>
             <a:r>
@@ -1380,18 +1427,13 @@
               <a:rPr lang="ru-RU"/>
               <a:t>Пятый уровень</a:t>
             </a:r>
-          </a:p>
-        </p:txBody>
-      </p:sp>
-      <p:sp>
-        <p:nvSpPr>
-          <p:cNvPr id="5" name="Дата 4">
-            <a:extLst>
-              <a:ext uri="{FF2B5EF4-FFF2-40B4-BE49-F238E27FC236}">
-                <a16:creationId xmlns:a16="http://schemas.microsoft.com/office/drawing/2014/main" id="{C4B549B2-2E87-45D4-8DCE-ADF3295A2201}"/>
-              </a:ext>
-            </a:extLst>
-          </p:cNvPr>
+            <a:endParaRPr lang="en-US" dirty="0"/>
+          </a:p>
+        </p:txBody>
+      </p:sp>
+      <p:sp>
+        <p:nvSpPr>
+          <p:cNvPr id="5" name="Date Placeholder 4"/>
           <p:cNvSpPr>
             <a:spLocks noGrp="1"/>
           </p:cNvSpPr>
@@ -1406,7 +1448,7 @@
           <a:p>
             <a:fld id="{8F2ACF86-6CDF-4508-BA62-F8318AF95D8A}" type="datetimeFigureOut">
               <a:rPr lang="ru-RU" smtClean="0"/>
-              <a:t>23.04.2025</a:t>
+              <a:t>24.04.2025</a:t>
             </a:fld>
             <a:endParaRPr lang="ru-RU"/>
           </a:p>
@@ -1414,13 +1456,7 @@
       </p:sp>
       <p:sp>
         <p:nvSpPr>
-          <p:cNvPr id="6" name="Нижний колонтитул 5">
-            <a:extLst>
-              <a:ext uri="{FF2B5EF4-FFF2-40B4-BE49-F238E27FC236}">
-                <a16:creationId xmlns:a16="http://schemas.microsoft.com/office/drawing/2014/main" id="{A687218D-3070-E6C9-A102-B75F1E3CDC63}"/>
-              </a:ext>
-            </a:extLst>
-          </p:cNvPr>
+          <p:cNvPr id="6" name="Footer Placeholder 5"/>
           <p:cNvSpPr>
             <a:spLocks noGrp="1"/>
           </p:cNvSpPr>
@@ -1439,13 +1475,7 @@
       </p:sp>
       <p:sp>
         <p:nvSpPr>
-          <p:cNvPr id="7" name="Номер слайда 6">
-            <a:extLst>
-              <a:ext uri="{FF2B5EF4-FFF2-40B4-BE49-F238E27FC236}">
-                <a16:creationId xmlns:a16="http://schemas.microsoft.com/office/drawing/2014/main" id="{1B2A6AB1-1408-5F0A-3295-BD7C0D82547E}"/>
-              </a:ext>
-            </a:extLst>
-          </p:cNvPr>
+          <p:cNvPr id="7" name="Slide Number Placeholder 6"/>
           <p:cNvSpPr>
             <a:spLocks noGrp="1"/>
           </p:cNvSpPr>
@@ -1469,7 +1499,7 @@
     </p:spTree>
     <p:extLst>
       <p:ext uri="{BB962C8B-B14F-4D97-AF65-F5344CB8AC3E}">
-        <p14:creationId xmlns:p14="http://schemas.microsoft.com/office/powerpoint/2010/main" val="1541697621"/>
+        <p14:creationId xmlns:p14="http://schemas.microsoft.com/office/powerpoint/2010/main" val="2932791770"/>
       </p:ext>
     </p:extLst>
   </p:cSld>
@@ -1498,65 +1528,58 @@
       </p:grpSpPr>
       <p:sp>
         <p:nvSpPr>
-          <p:cNvPr id="2" name="Заголовок 1">
-            <a:extLst>
-              <a:ext uri="{FF2B5EF4-FFF2-40B4-BE49-F238E27FC236}">
-                <a16:creationId xmlns:a16="http://schemas.microsoft.com/office/drawing/2014/main" id="{E6BA0C1B-8D90-52A8-0A2C-4D479E1D28A1}"/>
-              </a:ext>
-            </a:extLst>
-          </p:cNvPr>
+          <p:cNvPr id="10" name="Title 9"/>
           <p:cNvSpPr>
             <a:spLocks noGrp="1"/>
           </p:cNvSpPr>
           <p:nvPr>
             <p:ph type="title"/>
+          </p:nvPr>
+        </p:nvSpPr>
+        <p:spPr/>
+        <p:txBody>
+          <a:bodyPr/>
+          <a:lstStyle/>
+          <a:p>
+            <a:r>
+              <a:rPr lang="ru-RU"/>
+              <a:t>Образец заголовка</a:t>
+            </a:r>
+            <a:endParaRPr lang="en-US" dirty="0"/>
+          </a:p>
+        </p:txBody>
+      </p:sp>
+      <p:sp>
+        <p:nvSpPr>
+          <p:cNvPr id="3" name="Text Placeholder 2"/>
+          <p:cNvSpPr>
+            <a:spLocks noGrp="1"/>
+          </p:cNvSpPr>
+          <p:nvPr>
+            <p:ph type="body" idx="1"/>
           </p:nvPr>
         </p:nvSpPr>
         <p:spPr>
           <a:xfrm>
-            <a:off x="839788" y="365125"/>
-            <a:ext cx="10515600" cy="1325563"/>
+            <a:off x="1261872" y="1713655"/>
+            <a:ext cx="4480560" cy="731520"/>
           </a:xfrm>
         </p:spPr>
         <p:txBody>
-          <a:bodyPr/>
-          <a:lstStyle/>
-          <a:p>
-            <a:r>
-              <a:rPr lang="ru-RU"/>
-              <a:t>Образец заголовка</a:t>
-            </a:r>
-          </a:p>
-        </p:txBody>
-      </p:sp>
-      <p:sp>
-        <p:nvSpPr>
-          <p:cNvPr id="3" name="Текст 2">
-            <a:extLst>
-              <a:ext uri="{FF2B5EF4-FFF2-40B4-BE49-F238E27FC236}">
-                <a16:creationId xmlns:a16="http://schemas.microsoft.com/office/drawing/2014/main" id="{25283998-7FC3-737A-AAF0-13F0C31D9678}"/>
-              </a:ext>
-            </a:extLst>
-          </p:cNvPr>
-          <p:cNvSpPr>
-            <a:spLocks noGrp="1"/>
-          </p:cNvSpPr>
-          <p:nvPr>
-            <p:ph type="body" idx="1"/>
-          </p:nvPr>
-        </p:nvSpPr>
-        <p:spPr>
-          <a:xfrm>
-            <a:off x="839788" y="1681163"/>
-            <a:ext cx="5157787" cy="823912"/>
-          </a:xfrm>
-        </p:spPr>
-        <p:txBody>
-          <a:bodyPr anchor="b"/>
+          <a:bodyPr anchor="b">
+            <a:normAutofit/>
+          </a:bodyPr>
           <a:lstStyle>
             <a:lvl1pPr marL="0" indent="0">
-              <a:buNone/>
-              <a:defRPr sz="2400" b="1"/>
+              <a:spcBef>
+                <a:spcPts val="0"/>
+              </a:spcBef>
+              <a:buNone/>
+              <a:defRPr sz="2000" b="0">
+                <a:solidFill>
+                  <a:schemeClr val="tx2"/>
+                </a:solidFill>
+              </a:defRPr>
             </a:lvl1pPr>
             <a:lvl2pPr marL="457200" indent="0">
               <a:buNone/>
@@ -1602,13 +1625,7 @@
       </p:sp>
       <p:sp>
         <p:nvSpPr>
-          <p:cNvPr id="4" name="Объект 3">
-            <a:extLst>
-              <a:ext uri="{FF2B5EF4-FFF2-40B4-BE49-F238E27FC236}">
-                <a16:creationId xmlns:a16="http://schemas.microsoft.com/office/drawing/2014/main" id="{3C9F4278-6163-F63F-F25B-526CC0F9FCA2}"/>
-              </a:ext>
-            </a:extLst>
-          </p:cNvPr>
+          <p:cNvPr id="4" name="Content Placeholder 3"/>
           <p:cNvSpPr>
             <a:spLocks noGrp="1"/>
           </p:cNvSpPr>
@@ -1618,13 +1635,41 @@
         </p:nvSpPr>
         <p:spPr>
           <a:xfrm>
-            <a:off x="839788" y="2505075"/>
-            <a:ext cx="5157787" cy="3684588"/>
+            <a:off x="1261872" y="2507550"/>
+            <a:ext cx="4480560" cy="3664650"/>
           </a:xfrm>
         </p:spPr>
         <p:txBody>
           <a:bodyPr/>
-          <a:lstStyle/>
+          <a:lstStyle>
+            <a:lvl1pPr>
+              <a:defRPr sz="1800"/>
+            </a:lvl1pPr>
+            <a:lvl2pPr>
+              <a:defRPr sz="1600"/>
+            </a:lvl2pPr>
+            <a:lvl3pPr>
+              <a:defRPr sz="1400"/>
+            </a:lvl3pPr>
+            <a:lvl4pPr>
+              <a:defRPr sz="1400"/>
+            </a:lvl4pPr>
+            <a:lvl5pPr>
+              <a:defRPr sz="1400"/>
+            </a:lvl5pPr>
+            <a:lvl6pPr>
+              <a:defRPr sz="1400"/>
+            </a:lvl6pPr>
+            <a:lvl7pPr>
+              <a:defRPr sz="1400"/>
+            </a:lvl7pPr>
+            <a:lvl8pPr>
+              <a:defRPr sz="1400"/>
+            </a:lvl8pPr>
+            <a:lvl9pPr>
+              <a:defRPr sz="1400"/>
+            </a:lvl9pPr>
+          </a:lstStyle>
           <a:p>
             <a:pPr lvl="0"/>
             <a:r>
@@ -1659,18 +1704,13 @@
               <a:rPr lang="ru-RU"/>
               <a:t>Пятый уровень</a:t>
             </a:r>
-          </a:p>
-        </p:txBody>
-      </p:sp>
-      <p:sp>
-        <p:nvSpPr>
-          <p:cNvPr id="5" name="Текст 4">
-            <a:extLst>
-              <a:ext uri="{FF2B5EF4-FFF2-40B4-BE49-F238E27FC236}">
-                <a16:creationId xmlns:a16="http://schemas.microsoft.com/office/drawing/2014/main" id="{2C654C1A-948A-76AA-877F-50BBD1910B21}"/>
-              </a:ext>
-            </a:extLst>
-          </p:cNvPr>
+            <a:endParaRPr lang="en-US" dirty="0"/>
+          </a:p>
+        </p:txBody>
+      </p:sp>
+      <p:sp>
+        <p:nvSpPr>
+          <p:cNvPr id="5" name="Text Placeholder 4"/>
           <p:cNvSpPr>
             <a:spLocks noGrp="1"/>
           </p:cNvSpPr>
@@ -1680,16 +1720,31 @@
         </p:nvSpPr>
         <p:spPr>
           <a:xfrm>
-            <a:off x="6172200" y="1681163"/>
-            <a:ext cx="5183188" cy="823912"/>
+            <a:off x="6126480" y="1713655"/>
+            <a:ext cx="4480560" cy="731520"/>
           </a:xfrm>
         </p:spPr>
         <p:txBody>
-          <a:bodyPr anchor="b"/>
+          <a:bodyPr anchor="b">
+            <a:normAutofit/>
+          </a:bodyPr>
           <a:lstStyle>
             <a:lvl1pPr marL="0" indent="0">
-              <a:buNone/>
-              <a:defRPr sz="2400" b="1"/>
+              <a:lnSpc>
+                <a:spcPct val="95000"/>
+              </a:lnSpc>
+              <a:spcBef>
+                <a:spcPts val="0"/>
+              </a:spcBef>
+              <a:buNone/>
+              <a:defRPr lang="en-US" sz="2000" b="0" kern="1200" dirty="0">
+                <a:solidFill>
+                  <a:schemeClr val="tx2"/>
+                </a:solidFill>
+                <a:latin typeface="+mn-lt"/>
+                <a:ea typeface="+mn-ea"/>
+                <a:cs typeface="+mn-cs"/>
+              </a:defRPr>
             </a:lvl1pPr>
             <a:lvl2pPr marL="457200" indent="0">
               <a:buNone/>
@@ -1725,7 +1780,16 @@
             </a:lvl9pPr>
           </a:lstStyle>
           <a:p>
-            <a:pPr lvl="0"/>
+            <a:pPr marL="0" lvl="0" indent="0" algn="l" defTabSz="914400" rtl="0" eaLnBrk="1" latinLnBrk="0" hangingPunct="1">
+              <a:lnSpc>
+                <a:spcPct val="90000"/>
+              </a:lnSpc>
+              <a:spcBef>
+                <a:spcPts val="2000"/>
+              </a:spcBef>
+              <a:buFontTx/>
+              <a:buNone/>
+            </a:pPr>
             <a:r>
               <a:rPr lang="ru-RU"/>
               <a:t>Образец текста</a:t>
@@ -1735,13 +1799,7 @@
       </p:sp>
       <p:sp>
         <p:nvSpPr>
-          <p:cNvPr id="6" name="Объект 5">
-            <a:extLst>
-              <a:ext uri="{FF2B5EF4-FFF2-40B4-BE49-F238E27FC236}">
-                <a16:creationId xmlns:a16="http://schemas.microsoft.com/office/drawing/2014/main" id="{0E43C81B-C865-57F7-4E62-309AD65D5E35}"/>
-              </a:ext>
-            </a:extLst>
-          </p:cNvPr>
+          <p:cNvPr id="6" name="Content Placeholder 5"/>
           <p:cNvSpPr>
             <a:spLocks noGrp="1"/>
           </p:cNvSpPr>
@@ -1751,13 +1809,41 @@
         </p:nvSpPr>
         <p:spPr>
           <a:xfrm>
-            <a:off x="6172200" y="2505075"/>
-            <a:ext cx="5183188" cy="3684588"/>
+            <a:off x="6126480" y="2507550"/>
+            <a:ext cx="4480560" cy="3664650"/>
           </a:xfrm>
         </p:spPr>
         <p:txBody>
           <a:bodyPr/>
-          <a:lstStyle/>
+          <a:lstStyle>
+            <a:lvl1pPr>
+              <a:defRPr sz="1800"/>
+            </a:lvl1pPr>
+            <a:lvl2pPr>
+              <a:defRPr sz="1600"/>
+            </a:lvl2pPr>
+            <a:lvl3pPr>
+              <a:defRPr sz="1400"/>
+            </a:lvl3pPr>
+            <a:lvl4pPr>
+              <a:defRPr sz="1400"/>
+            </a:lvl4pPr>
+            <a:lvl5pPr>
+              <a:defRPr sz="1400"/>
+            </a:lvl5pPr>
+            <a:lvl6pPr>
+              <a:defRPr sz="1400"/>
+            </a:lvl6pPr>
+            <a:lvl7pPr>
+              <a:defRPr sz="1400"/>
+            </a:lvl7pPr>
+            <a:lvl8pPr>
+              <a:defRPr sz="1400"/>
+            </a:lvl8pPr>
+            <a:lvl9pPr>
+              <a:defRPr sz="1400"/>
+            </a:lvl9pPr>
+          </a:lstStyle>
           <a:p>
             <a:pPr lvl="0"/>
             <a:r>
@@ -1792,18 +1878,13 @@
               <a:rPr lang="ru-RU"/>
               <a:t>Пятый уровень</a:t>
             </a:r>
-          </a:p>
-        </p:txBody>
-      </p:sp>
-      <p:sp>
-        <p:nvSpPr>
-          <p:cNvPr id="7" name="Дата 6">
-            <a:extLst>
-              <a:ext uri="{FF2B5EF4-FFF2-40B4-BE49-F238E27FC236}">
-                <a16:creationId xmlns:a16="http://schemas.microsoft.com/office/drawing/2014/main" id="{F88F8FC9-7BB3-8E58-F4B7-B3402628D9F8}"/>
-              </a:ext>
-            </a:extLst>
-          </p:cNvPr>
+            <a:endParaRPr lang="en-US" dirty="0"/>
+          </a:p>
+        </p:txBody>
+      </p:sp>
+      <p:sp>
+        <p:nvSpPr>
+          <p:cNvPr id="7" name="Date Placeholder 6"/>
           <p:cNvSpPr>
             <a:spLocks noGrp="1"/>
           </p:cNvSpPr>
@@ -1818,7 +1899,7 @@
           <a:p>
             <a:fld id="{8F2ACF86-6CDF-4508-BA62-F8318AF95D8A}" type="datetimeFigureOut">
               <a:rPr lang="ru-RU" smtClean="0"/>
-              <a:t>23.04.2025</a:t>
+              <a:t>24.04.2025</a:t>
             </a:fld>
             <a:endParaRPr lang="ru-RU"/>
           </a:p>
@@ -1826,13 +1907,7 @@
       </p:sp>
       <p:sp>
         <p:nvSpPr>
-          <p:cNvPr id="8" name="Нижний колонтитул 7">
-            <a:extLst>
-              <a:ext uri="{FF2B5EF4-FFF2-40B4-BE49-F238E27FC236}">
-                <a16:creationId xmlns:a16="http://schemas.microsoft.com/office/drawing/2014/main" id="{968B80A7-A736-195B-671D-25FAA7CA5777}"/>
-              </a:ext>
-            </a:extLst>
-          </p:cNvPr>
+          <p:cNvPr id="8" name="Footer Placeholder 7"/>
           <p:cNvSpPr>
             <a:spLocks noGrp="1"/>
           </p:cNvSpPr>
@@ -1851,13 +1926,7 @@
       </p:sp>
       <p:sp>
         <p:nvSpPr>
-          <p:cNvPr id="9" name="Номер слайда 8">
-            <a:extLst>
-              <a:ext uri="{FF2B5EF4-FFF2-40B4-BE49-F238E27FC236}">
-                <a16:creationId xmlns:a16="http://schemas.microsoft.com/office/drawing/2014/main" id="{CFEC9C1C-24A8-1849-C9CF-4F0A227875FF}"/>
-              </a:ext>
-            </a:extLst>
-          </p:cNvPr>
+          <p:cNvPr id="9" name="Slide Number Placeholder 8"/>
           <p:cNvSpPr>
             <a:spLocks noGrp="1"/>
           </p:cNvSpPr>
@@ -1881,7 +1950,7 @@
     </p:spTree>
     <p:extLst>
       <p:ext uri="{BB962C8B-B14F-4D97-AF65-F5344CB8AC3E}">
-        <p14:creationId xmlns:p14="http://schemas.microsoft.com/office/powerpoint/2010/main" val="1180189172"/>
+        <p14:creationId xmlns:p14="http://schemas.microsoft.com/office/powerpoint/2010/main" val="1413712328"/>
       </p:ext>
     </p:extLst>
   </p:cSld>
@@ -1910,13 +1979,7 @@
       </p:grpSpPr>
       <p:sp>
         <p:nvSpPr>
-          <p:cNvPr id="2" name="Заголовок 1">
-            <a:extLst>
-              <a:ext uri="{FF2B5EF4-FFF2-40B4-BE49-F238E27FC236}">
-                <a16:creationId xmlns:a16="http://schemas.microsoft.com/office/drawing/2014/main" id="{15B31611-19F7-C2DE-B97B-2A7226A2E0E6}"/>
-              </a:ext>
-            </a:extLst>
-          </p:cNvPr>
+          <p:cNvPr id="6" name="Title 5"/>
           <p:cNvSpPr>
             <a:spLocks noGrp="1"/>
           </p:cNvSpPr>
@@ -1933,18 +1996,13 @@
               <a:rPr lang="ru-RU"/>
               <a:t>Образец заголовка</a:t>
             </a:r>
-          </a:p>
-        </p:txBody>
-      </p:sp>
-      <p:sp>
-        <p:nvSpPr>
-          <p:cNvPr id="3" name="Дата 2">
-            <a:extLst>
-              <a:ext uri="{FF2B5EF4-FFF2-40B4-BE49-F238E27FC236}">
-                <a16:creationId xmlns:a16="http://schemas.microsoft.com/office/drawing/2014/main" id="{0AE32DC5-717A-0ABB-78F3-4EC9F770B365}"/>
-              </a:ext>
-            </a:extLst>
-          </p:cNvPr>
+            <a:endParaRPr lang="en-US" dirty="0"/>
+          </a:p>
+        </p:txBody>
+      </p:sp>
+      <p:sp>
+        <p:nvSpPr>
+          <p:cNvPr id="3" name="Date Placeholder 2"/>
           <p:cNvSpPr>
             <a:spLocks noGrp="1"/>
           </p:cNvSpPr>
@@ -1959,7 +2017,7 @@
           <a:p>
             <a:fld id="{8F2ACF86-6CDF-4508-BA62-F8318AF95D8A}" type="datetimeFigureOut">
               <a:rPr lang="ru-RU" smtClean="0"/>
-              <a:t>23.04.2025</a:t>
+              <a:t>24.04.2025</a:t>
             </a:fld>
             <a:endParaRPr lang="ru-RU"/>
           </a:p>
@@ -1967,13 +2025,7 @@
       </p:sp>
       <p:sp>
         <p:nvSpPr>
-          <p:cNvPr id="4" name="Нижний колонтитул 3">
-            <a:extLst>
-              <a:ext uri="{FF2B5EF4-FFF2-40B4-BE49-F238E27FC236}">
-                <a16:creationId xmlns:a16="http://schemas.microsoft.com/office/drawing/2014/main" id="{868E5C37-A106-BB66-BEBF-EBF2BFA4F092}"/>
-              </a:ext>
-            </a:extLst>
-          </p:cNvPr>
+          <p:cNvPr id="4" name="Footer Placeholder 3"/>
           <p:cNvSpPr>
             <a:spLocks noGrp="1"/>
           </p:cNvSpPr>
@@ -1992,13 +2044,7 @@
       </p:sp>
       <p:sp>
         <p:nvSpPr>
-          <p:cNvPr id="5" name="Номер слайда 4">
-            <a:extLst>
-              <a:ext uri="{FF2B5EF4-FFF2-40B4-BE49-F238E27FC236}">
-                <a16:creationId xmlns:a16="http://schemas.microsoft.com/office/drawing/2014/main" id="{606AF7F5-5AB6-CEE2-ABD0-2A1FF5999B46}"/>
-              </a:ext>
-            </a:extLst>
-          </p:cNvPr>
+          <p:cNvPr id="5" name="Slide Number Placeholder 4"/>
           <p:cNvSpPr>
             <a:spLocks noGrp="1"/>
           </p:cNvSpPr>
@@ -2022,7 +2068,7 @@
     </p:spTree>
     <p:extLst>
       <p:ext uri="{BB962C8B-B14F-4D97-AF65-F5344CB8AC3E}">
-        <p14:creationId xmlns:p14="http://schemas.microsoft.com/office/powerpoint/2010/main" val="1864751324"/>
+        <p14:creationId xmlns:p14="http://schemas.microsoft.com/office/powerpoint/2010/main" val="4137534983"/>
       </p:ext>
     </p:extLst>
   </p:cSld>
@@ -2051,13 +2097,7 @@
       </p:grpSpPr>
       <p:sp>
         <p:nvSpPr>
-          <p:cNvPr id="2" name="Дата 1">
-            <a:extLst>
-              <a:ext uri="{FF2B5EF4-FFF2-40B4-BE49-F238E27FC236}">
-                <a16:creationId xmlns:a16="http://schemas.microsoft.com/office/drawing/2014/main" id="{7A36F525-5C28-635A-E758-5CDF3B36102A}"/>
-              </a:ext>
-            </a:extLst>
-          </p:cNvPr>
+          <p:cNvPr id="2" name="Date Placeholder 1"/>
           <p:cNvSpPr>
             <a:spLocks noGrp="1"/>
           </p:cNvSpPr>
@@ -2072,7 +2112,7 @@
           <a:p>
             <a:fld id="{8F2ACF86-6CDF-4508-BA62-F8318AF95D8A}" type="datetimeFigureOut">
               <a:rPr lang="ru-RU" smtClean="0"/>
-              <a:t>23.04.2025</a:t>
+              <a:t>24.04.2025</a:t>
             </a:fld>
             <a:endParaRPr lang="ru-RU"/>
           </a:p>
@@ -2080,13 +2120,7 @@
       </p:sp>
       <p:sp>
         <p:nvSpPr>
-          <p:cNvPr id="3" name="Нижний колонтитул 2">
-            <a:extLst>
-              <a:ext uri="{FF2B5EF4-FFF2-40B4-BE49-F238E27FC236}">
-                <a16:creationId xmlns:a16="http://schemas.microsoft.com/office/drawing/2014/main" id="{CBF83564-CE82-3B3B-E741-C0427F2EA535}"/>
-              </a:ext>
-            </a:extLst>
-          </p:cNvPr>
+          <p:cNvPr id="3" name="Footer Placeholder 2"/>
           <p:cNvSpPr>
             <a:spLocks noGrp="1"/>
           </p:cNvSpPr>
@@ -2105,13 +2139,7 @@
       </p:sp>
       <p:sp>
         <p:nvSpPr>
-          <p:cNvPr id="4" name="Номер слайда 3">
-            <a:extLst>
-              <a:ext uri="{FF2B5EF4-FFF2-40B4-BE49-F238E27FC236}">
-                <a16:creationId xmlns:a16="http://schemas.microsoft.com/office/drawing/2014/main" id="{5AEC189F-D0E5-A437-74F3-FCB403A8F75C}"/>
-              </a:ext>
-            </a:extLst>
-          </p:cNvPr>
+          <p:cNvPr id="4" name="Slide Number Placeholder 3"/>
           <p:cNvSpPr>
             <a:spLocks noGrp="1"/>
           </p:cNvSpPr>
@@ -2135,7 +2163,7 @@
     </p:spTree>
     <p:extLst>
       <p:ext uri="{BB962C8B-B14F-4D97-AF65-F5344CB8AC3E}">
-        <p14:creationId xmlns:p14="http://schemas.microsoft.com/office/powerpoint/2010/main" val="1019230932"/>
+        <p14:creationId xmlns:p14="http://schemas.microsoft.com/office/powerpoint/2010/main" val="1988986115"/>
       </p:ext>
     </p:extLst>
   </p:cSld>
@@ -2164,13 +2192,7 @@
       </p:grpSpPr>
       <p:sp>
         <p:nvSpPr>
-          <p:cNvPr id="2" name="Заголовок 1">
-            <a:extLst>
-              <a:ext uri="{FF2B5EF4-FFF2-40B4-BE49-F238E27FC236}">
-                <a16:creationId xmlns:a16="http://schemas.microsoft.com/office/drawing/2014/main" id="{B223984C-2355-9AC5-4B00-E2C8697C0FBE}"/>
-              </a:ext>
-            </a:extLst>
-          </p:cNvPr>
+          <p:cNvPr id="2" name="Title 1"/>
           <p:cNvSpPr>
             <a:spLocks noGrp="1"/>
           </p:cNvSpPr>
@@ -2180,15 +2202,17 @@
         </p:nvSpPr>
         <p:spPr>
           <a:xfrm>
-            <a:off x="839788" y="457200"/>
-            <a:ext cx="3932237" cy="1600200"/>
+            <a:off x="841248" y="457200"/>
+            <a:ext cx="3200400" cy="1600197"/>
           </a:xfrm>
         </p:spPr>
         <p:txBody>
-          <a:bodyPr anchor="b"/>
+          <a:bodyPr anchor="b">
+            <a:normAutofit/>
+          </a:bodyPr>
           <a:lstStyle>
             <a:lvl1pPr>
-              <a:defRPr sz="3200"/>
+              <a:defRPr sz="3200" b="0" baseline="0"/>
             </a:lvl1pPr>
           </a:lstStyle>
           <a:p>
@@ -2196,18 +2220,13 @@
               <a:rPr lang="ru-RU"/>
               <a:t>Образец заголовка</a:t>
             </a:r>
-          </a:p>
-        </p:txBody>
-      </p:sp>
-      <p:sp>
-        <p:nvSpPr>
-          <p:cNvPr id="3" name="Объект 2">
-            <a:extLst>
-              <a:ext uri="{FF2B5EF4-FFF2-40B4-BE49-F238E27FC236}">
-                <a16:creationId xmlns:a16="http://schemas.microsoft.com/office/drawing/2014/main" id="{E257148D-CAC2-1FD0-CB1A-1B7E08158F8D}"/>
-              </a:ext>
-            </a:extLst>
-          </p:cNvPr>
+            <a:endParaRPr lang="en-US" dirty="0"/>
+          </a:p>
+        </p:txBody>
+      </p:sp>
+      <p:sp>
+        <p:nvSpPr>
+          <p:cNvPr id="3" name="Content Placeholder 2"/>
           <p:cNvSpPr>
             <a:spLocks noGrp="1"/>
           </p:cNvSpPr>
@@ -2217,39 +2236,39 @@
         </p:nvSpPr>
         <p:spPr>
           <a:xfrm>
-            <a:off x="5183188" y="987425"/>
-            <a:ext cx="6172200" cy="4873625"/>
+            <a:off x="4504267" y="685800"/>
+            <a:ext cx="6079066" cy="5486400"/>
           </a:xfrm>
         </p:spPr>
         <p:txBody>
           <a:bodyPr/>
           <a:lstStyle>
             <a:lvl1pPr>
-              <a:defRPr sz="3200"/>
+              <a:defRPr sz="2000"/>
             </a:lvl1pPr>
             <a:lvl2pPr>
-              <a:defRPr sz="2800"/>
+              <a:defRPr sz="1800"/>
             </a:lvl2pPr>
             <a:lvl3pPr>
-              <a:defRPr sz="2400"/>
+              <a:defRPr sz="1600"/>
             </a:lvl3pPr>
             <a:lvl4pPr>
-              <a:defRPr sz="2000"/>
+              <a:defRPr sz="1400"/>
             </a:lvl4pPr>
             <a:lvl5pPr>
-              <a:defRPr sz="2000"/>
+              <a:defRPr sz="1400"/>
             </a:lvl5pPr>
             <a:lvl6pPr>
-              <a:defRPr sz="2000"/>
+              <a:defRPr sz="1400"/>
             </a:lvl6pPr>
             <a:lvl7pPr>
-              <a:defRPr sz="2000"/>
+              <a:defRPr sz="1400"/>
             </a:lvl7pPr>
             <a:lvl8pPr>
-              <a:defRPr sz="2000"/>
+              <a:defRPr sz="1400"/>
             </a:lvl8pPr>
             <a:lvl9pPr>
-              <a:defRPr sz="2000"/>
+              <a:defRPr sz="1400"/>
             </a:lvl9pPr>
           </a:lstStyle>
           <a:p>
@@ -2286,18 +2305,13 @@
               <a:rPr lang="ru-RU"/>
               <a:t>Пятый уровень</a:t>
             </a:r>
-          </a:p>
-        </p:txBody>
-      </p:sp>
-      <p:sp>
-        <p:nvSpPr>
-          <p:cNvPr id="4" name="Текст 3">
-            <a:extLst>
-              <a:ext uri="{FF2B5EF4-FFF2-40B4-BE49-F238E27FC236}">
-                <a16:creationId xmlns:a16="http://schemas.microsoft.com/office/drawing/2014/main" id="{F415FF9A-39E6-F9D1-36D0-2546E2E3F32B}"/>
-              </a:ext>
-            </a:extLst>
-          </p:cNvPr>
+            <a:endParaRPr lang="en-US" dirty="0"/>
+          </a:p>
+        </p:txBody>
+      </p:sp>
+      <p:sp>
+        <p:nvSpPr>
+          <p:cNvPr id="4" name="Text Placeholder 3"/>
           <p:cNvSpPr>
             <a:spLocks noGrp="1"/>
           </p:cNvSpPr>
@@ -2307,48 +2321,56 @@
         </p:nvSpPr>
         <p:spPr>
           <a:xfrm>
-            <a:off x="839788" y="2057400"/>
-            <a:ext cx="3932237" cy="3811588"/>
+            <a:off x="841248" y="2099734"/>
+            <a:ext cx="3200400" cy="3810001"/>
           </a:xfrm>
         </p:spPr>
         <p:txBody>
-          <a:bodyPr/>
+          <a:bodyPr>
+            <a:normAutofit/>
+          </a:bodyPr>
           <a:lstStyle>
             <a:lvl1pPr marL="0" indent="0">
-              <a:buNone/>
-              <a:defRPr sz="1600"/>
+              <a:lnSpc>
+                <a:spcPct val="114000"/>
+              </a:lnSpc>
+              <a:spcBef>
+                <a:spcPts val="800"/>
+              </a:spcBef>
+              <a:buNone/>
+              <a:defRPr sz="1300"/>
             </a:lvl1pPr>
             <a:lvl2pPr marL="457200" indent="0">
               <a:buNone/>
-              <a:defRPr sz="1400"/>
+              <a:defRPr sz="1200"/>
             </a:lvl2pPr>
             <a:lvl3pPr marL="914400" indent="0">
               <a:buNone/>
-              <a:defRPr sz="1200"/>
+              <a:defRPr sz="1000"/>
             </a:lvl3pPr>
             <a:lvl4pPr marL="1371600" indent="0">
               <a:buNone/>
-              <a:defRPr sz="1000"/>
+              <a:defRPr sz="900"/>
             </a:lvl4pPr>
             <a:lvl5pPr marL="1828800" indent="0">
               <a:buNone/>
-              <a:defRPr sz="1000"/>
+              <a:defRPr sz="900"/>
             </a:lvl5pPr>
             <a:lvl6pPr marL="2286000" indent="0">
               <a:buNone/>
-              <a:defRPr sz="1000"/>
+              <a:defRPr sz="900"/>
             </a:lvl6pPr>
             <a:lvl7pPr marL="2743200" indent="0">
               <a:buNone/>
-              <a:defRPr sz="1000"/>
+              <a:defRPr sz="900"/>
             </a:lvl7pPr>
             <a:lvl8pPr marL="3200400" indent="0">
               <a:buNone/>
-              <a:defRPr sz="1000"/>
+              <a:defRPr sz="900"/>
             </a:lvl8pPr>
             <a:lvl9pPr marL="3657600" indent="0">
               <a:buNone/>
-              <a:defRPr sz="1000"/>
+              <a:defRPr sz="900"/>
             </a:lvl9pPr>
           </a:lstStyle>
           <a:p>
@@ -2362,13 +2384,7 @@
       </p:sp>
       <p:sp>
         <p:nvSpPr>
-          <p:cNvPr id="5" name="Дата 4">
-            <a:extLst>
-              <a:ext uri="{FF2B5EF4-FFF2-40B4-BE49-F238E27FC236}">
-                <a16:creationId xmlns:a16="http://schemas.microsoft.com/office/drawing/2014/main" id="{D68A9F23-324C-5654-16F0-495955670111}"/>
-              </a:ext>
-            </a:extLst>
-          </p:cNvPr>
+          <p:cNvPr id="5" name="Date Placeholder 4"/>
           <p:cNvSpPr>
             <a:spLocks noGrp="1"/>
           </p:cNvSpPr>
@@ -2383,7 +2399,7 @@
           <a:p>
             <a:fld id="{8F2ACF86-6CDF-4508-BA62-F8318AF95D8A}" type="datetimeFigureOut">
               <a:rPr lang="ru-RU" smtClean="0"/>
-              <a:t>23.04.2025</a:t>
+              <a:t>24.04.2025</a:t>
             </a:fld>
             <a:endParaRPr lang="ru-RU"/>
           </a:p>
@@ -2391,13 +2407,7 @@
       </p:sp>
       <p:sp>
         <p:nvSpPr>
-          <p:cNvPr id="6" name="Нижний колонтитул 5">
-            <a:extLst>
-              <a:ext uri="{FF2B5EF4-FFF2-40B4-BE49-F238E27FC236}">
-                <a16:creationId xmlns:a16="http://schemas.microsoft.com/office/drawing/2014/main" id="{23F61F7B-73DD-3CC3-2334-ECA09C8A3C95}"/>
-              </a:ext>
-            </a:extLst>
-          </p:cNvPr>
+          <p:cNvPr id="6" name="Footer Placeholder 5"/>
           <p:cNvSpPr>
             <a:spLocks noGrp="1"/>
           </p:cNvSpPr>
@@ -2416,13 +2426,7 @@
       </p:sp>
       <p:sp>
         <p:nvSpPr>
-          <p:cNvPr id="7" name="Номер слайда 6">
-            <a:extLst>
-              <a:ext uri="{FF2B5EF4-FFF2-40B4-BE49-F238E27FC236}">
-                <a16:creationId xmlns:a16="http://schemas.microsoft.com/office/drawing/2014/main" id="{0D70BA73-BB63-3C8F-2B55-58C022E78D01}"/>
-              </a:ext>
-            </a:extLst>
-          </p:cNvPr>
+          <p:cNvPr id="7" name="Slide Number Placeholder 6"/>
           <p:cNvSpPr>
             <a:spLocks noGrp="1"/>
           </p:cNvSpPr>
@@ -2446,7 +2450,7 @@
     </p:spTree>
     <p:extLst>
       <p:ext uri="{BB962C8B-B14F-4D97-AF65-F5344CB8AC3E}">
-        <p14:creationId xmlns:p14="http://schemas.microsoft.com/office/powerpoint/2010/main" val="1318360948"/>
+        <p14:creationId xmlns:p14="http://schemas.microsoft.com/office/powerpoint/2010/main" val="4238221497"/>
       </p:ext>
     </p:extLst>
   </p:cSld>
@@ -2475,31 +2479,69 @@
       </p:grpSpPr>
       <p:sp>
         <p:nvSpPr>
-          <p:cNvPr id="2" name="Заголовок 1">
-            <a:extLst>
-              <a:ext uri="{FF2B5EF4-FFF2-40B4-BE49-F238E27FC236}">
-                <a16:creationId xmlns:a16="http://schemas.microsoft.com/office/drawing/2014/main" id="{428193AB-FD4E-704A-975C-699971C08E5C}"/>
-              </a:ext>
-            </a:extLst>
-          </p:cNvPr>
-          <p:cNvSpPr>
-            <a:spLocks noGrp="1"/>
-          </p:cNvSpPr>
-          <p:nvPr>
-            <p:ph type="title"/>
-          </p:nvPr>
+          <p:cNvPr id="8" name="Rectangle 7"/>
+          <p:cNvSpPr/>
+          <p:nvPr/>
         </p:nvSpPr>
         <p:spPr>
           <a:xfrm>
-            <a:off x="839788" y="457200"/>
-            <a:ext cx="3932237" cy="1600200"/>
+            <a:off x="0" y="5105400"/>
+            <a:ext cx="11292840" cy="1752600"/>
+          </a:xfrm>
+          <a:prstGeom prst="rect">
+            <a:avLst/>
+          </a:prstGeom>
+          <a:solidFill>
+            <a:srgbClr val="000000"/>
+          </a:solidFill>
+          <a:ln>
+            <a:noFill/>
+          </a:ln>
+        </p:spPr>
+        <p:style>
+          <a:lnRef idx="2">
+            <a:schemeClr val="accent1">
+              <a:shade val="50000"/>
+            </a:schemeClr>
+          </a:lnRef>
+          <a:fillRef idx="1">
+            <a:schemeClr val="accent1"/>
+          </a:fillRef>
+          <a:effectRef idx="0">
+            <a:schemeClr val="accent1"/>
+          </a:effectRef>
+          <a:fontRef idx="minor">
+            <a:schemeClr val="lt1"/>
+          </a:fontRef>
+        </p:style>
+      </p:sp>
+      <p:sp>
+        <p:nvSpPr>
+          <p:cNvPr id="2" name="Title 1"/>
+          <p:cNvSpPr>
+            <a:spLocks noGrp="1"/>
+          </p:cNvSpPr>
+          <p:nvPr>
+            <p:ph type="title"/>
+          </p:nvPr>
+        </p:nvSpPr>
+        <p:spPr>
+          <a:xfrm>
+            <a:off x="914400" y="5257800"/>
+            <a:ext cx="9982200" cy="914400"/>
           </a:xfrm>
         </p:spPr>
         <p:txBody>
-          <a:bodyPr anchor="b"/>
+          <a:bodyPr anchor="b">
+            <a:normAutofit/>
+          </a:bodyPr>
           <a:lstStyle>
             <a:lvl1pPr>
-              <a:defRPr sz="3200"/>
+              <a:defRPr sz="2800" b="0">
+                <a:solidFill>
+                  <a:schemeClr val="bg1"/>
+                </a:solidFill>
+              </a:defRPr>
             </a:lvl1pPr>
           </a:lstStyle>
           <a:p>
@@ -2507,20 +2549,15 @@
               <a:rPr lang="ru-RU"/>
               <a:t>Образец заголовка</a:t>
             </a:r>
-          </a:p>
-        </p:txBody>
-      </p:sp>
-      <p:sp>
-        <p:nvSpPr>
-          <p:cNvPr id="3" name="Рисунок 2">
-            <a:extLst>
-              <a:ext uri="{FF2B5EF4-FFF2-40B4-BE49-F238E27FC236}">
-                <a16:creationId xmlns:a16="http://schemas.microsoft.com/office/drawing/2014/main" id="{21B8EF8B-8EF6-E643-09F1-492E07A2BBD8}"/>
-              </a:ext>
-            </a:extLst>
-          </p:cNvPr>
-          <p:cNvSpPr>
-            <a:spLocks noGrp="1"/>
+            <a:endParaRPr lang="en-US" dirty="0"/>
+          </a:p>
+        </p:txBody>
+      </p:sp>
+      <p:sp>
+        <p:nvSpPr>
+          <p:cNvPr id="3" name="Picture Placeholder 2"/>
+          <p:cNvSpPr>
+            <a:spLocks noGrp="1" noChangeAspect="1"/>
           </p:cNvSpPr>
           <p:nvPr>
             <p:ph type="pic" idx="1"/>
@@ -2528,16 +2565,23 @@
         </p:nvSpPr>
         <p:spPr>
           <a:xfrm>
-            <a:off x="5183188" y="987425"/>
-            <a:ext cx="6172200" cy="4873625"/>
+            <a:off x="0" y="0"/>
+            <a:ext cx="11292840" cy="5128923"/>
           </a:xfrm>
+          <a:solidFill>
+            <a:schemeClr val="accent1"/>
+          </a:solidFill>
         </p:spPr>
         <p:txBody>
-          <a:bodyPr/>
+          <a:bodyPr anchor="t"/>
           <a:lstStyle>
             <a:lvl1pPr marL="0" indent="0">
               <a:buNone/>
-              <a:defRPr sz="3200"/>
+              <a:defRPr sz="3200">
+                <a:solidFill>
+                  <a:schemeClr val="bg1"/>
+                </a:solidFill>
+              </a:defRPr>
             </a:lvl1pPr>
             <a:lvl2pPr marL="457200" indent="0">
               <a:buNone/>
@@ -2573,19 +2617,17 @@
             </a:lvl9pPr>
           </a:lstStyle>
           <a:p>
-            <a:endParaRPr lang="ru-RU"/>
-          </a:p>
-        </p:txBody>
-      </p:sp>
-      <p:sp>
-        <p:nvSpPr>
-          <p:cNvPr id="4" name="Текст 3">
-            <a:extLst>
-              <a:ext uri="{FF2B5EF4-FFF2-40B4-BE49-F238E27FC236}">
-                <a16:creationId xmlns:a16="http://schemas.microsoft.com/office/drawing/2014/main" id="{5FA25AEE-8361-12E0-8679-534E198E7D77}"/>
-              </a:ext>
-            </a:extLst>
-          </p:cNvPr>
+            <a:r>
+              <a:rPr lang="ru-RU"/>
+              <a:t>Вставка рисунка</a:t>
+            </a:r>
+            <a:endParaRPr lang="en-US" dirty="0"/>
+          </a:p>
+        </p:txBody>
+      </p:sp>
+      <p:sp>
+        <p:nvSpPr>
+          <p:cNvPr id="4" name="Text Placeholder 3"/>
           <p:cNvSpPr>
             <a:spLocks noGrp="1"/>
           </p:cNvSpPr>
@@ -2595,48 +2637,62 @@
         </p:nvSpPr>
         <p:spPr>
           <a:xfrm>
-            <a:off x="839788" y="2057400"/>
-            <a:ext cx="3932237" cy="3811588"/>
+            <a:off x="914400" y="6108589"/>
+            <a:ext cx="9982200" cy="597011"/>
           </a:xfrm>
         </p:spPr>
         <p:txBody>
-          <a:bodyPr/>
+          <a:bodyPr>
+            <a:normAutofit/>
+          </a:bodyPr>
           <a:lstStyle>
             <a:lvl1pPr marL="0" indent="0">
-              <a:buNone/>
-              <a:defRPr sz="1600"/>
+              <a:lnSpc>
+                <a:spcPct val="100000"/>
+              </a:lnSpc>
+              <a:spcBef>
+                <a:spcPts val="800"/>
+              </a:spcBef>
+              <a:buNone/>
+              <a:defRPr sz="1300">
+                <a:solidFill>
+                  <a:schemeClr val="bg1">
+                    <a:lumMod val="85000"/>
+                  </a:schemeClr>
+                </a:solidFill>
+              </a:defRPr>
             </a:lvl1pPr>
             <a:lvl2pPr marL="457200" indent="0">
               <a:buNone/>
-              <a:defRPr sz="1400"/>
+              <a:defRPr sz="1200"/>
             </a:lvl2pPr>
             <a:lvl3pPr marL="914400" indent="0">
               <a:buNone/>
-              <a:defRPr sz="1200"/>
+              <a:defRPr sz="1000"/>
             </a:lvl3pPr>
             <a:lvl4pPr marL="1371600" indent="0">
               <a:buNone/>
-              <a:defRPr sz="1000"/>
+              <a:defRPr sz="900"/>
             </a:lvl4pPr>
             <a:lvl5pPr marL="1828800" indent="0">
               <a:buNone/>
-              <a:defRPr sz="1000"/>
+              <a:defRPr sz="900"/>
             </a:lvl5pPr>
             <a:lvl6pPr marL="2286000" indent="0">
               <a:buNone/>
-              <a:defRPr sz="1000"/>
+              <a:defRPr sz="900"/>
             </a:lvl6pPr>
             <a:lvl7pPr marL="2743200" indent="0">
               <a:buNone/>
-              <a:defRPr sz="1000"/>
+              <a:defRPr sz="900"/>
             </a:lvl7pPr>
             <a:lvl8pPr marL="3200400" indent="0">
               <a:buNone/>
-              <a:defRPr sz="1000"/>
+              <a:defRPr sz="900"/>
             </a:lvl8pPr>
             <a:lvl9pPr marL="3657600" indent="0">
               <a:buNone/>
-              <a:defRPr sz="1000"/>
+              <a:defRPr sz="900"/>
             </a:lvl9pPr>
           </a:lstStyle>
           <a:p>
@@ -2650,13 +2706,7 @@
       </p:sp>
       <p:sp>
         <p:nvSpPr>
-          <p:cNvPr id="5" name="Дата 4">
-            <a:extLst>
-              <a:ext uri="{FF2B5EF4-FFF2-40B4-BE49-F238E27FC236}">
-                <a16:creationId xmlns:a16="http://schemas.microsoft.com/office/drawing/2014/main" id="{B8873D79-79AC-76CA-B1E4-A37AE2FDCA34}"/>
-              </a:ext>
-            </a:extLst>
-          </p:cNvPr>
+          <p:cNvPr id="5" name="Date Placeholder 4"/>
           <p:cNvSpPr>
             <a:spLocks noGrp="1"/>
           </p:cNvSpPr>
@@ -2671,7 +2721,7 @@
           <a:p>
             <a:fld id="{8F2ACF86-6CDF-4508-BA62-F8318AF95D8A}" type="datetimeFigureOut">
               <a:rPr lang="ru-RU" smtClean="0"/>
-              <a:t>23.04.2025</a:t>
+              <a:t>24.04.2025</a:t>
             </a:fld>
             <a:endParaRPr lang="ru-RU"/>
           </a:p>
@@ -2679,13 +2729,7 @@
       </p:sp>
       <p:sp>
         <p:nvSpPr>
-          <p:cNvPr id="6" name="Нижний колонтитул 5">
-            <a:extLst>
-              <a:ext uri="{FF2B5EF4-FFF2-40B4-BE49-F238E27FC236}">
-                <a16:creationId xmlns:a16="http://schemas.microsoft.com/office/drawing/2014/main" id="{FFD23B6D-8162-42B7-DF8B-95473E71D570}"/>
-              </a:ext>
-            </a:extLst>
-          </p:cNvPr>
+          <p:cNvPr id="6" name="Footer Placeholder 5"/>
           <p:cNvSpPr>
             <a:spLocks noGrp="1"/>
           </p:cNvSpPr>
@@ -2704,13 +2748,7 @@
       </p:sp>
       <p:sp>
         <p:nvSpPr>
-          <p:cNvPr id="7" name="Номер слайда 6">
-            <a:extLst>
-              <a:ext uri="{FF2B5EF4-FFF2-40B4-BE49-F238E27FC236}">
-                <a16:creationId xmlns:a16="http://schemas.microsoft.com/office/drawing/2014/main" id="{DAAA0D8D-85E1-27DE-BCFB-3982C24E7CA3}"/>
-              </a:ext>
-            </a:extLst>
-          </p:cNvPr>
+          <p:cNvPr id="7" name="Slide Number Placeholder 6"/>
           <p:cNvSpPr>
             <a:spLocks noGrp="1"/>
           </p:cNvSpPr>
@@ -2734,7 +2772,7 @@
     </p:spTree>
     <p:extLst>
       <p:ext uri="{BB962C8B-B14F-4D97-AF65-F5344CB8AC3E}">
-        <p14:creationId xmlns:p14="http://schemas.microsoft.com/office/powerpoint/2010/main" val="2497936491"/>
+        <p14:creationId xmlns:p14="http://schemas.microsoft.com/office/powerpoint/2010/main" val="3873486972"/>
       </p:ext>
     </p:extLst>
   </p:cSld>
@@ -2768,31 +2806,65 @@
       </p:grpSpPr>
       <p:sp>
         <p:nvSpPr>
-          <p:cNvPr id="2" name="Заголовок 1">
-            <a:extLst>
-              <a:ext uri="{FF2B5EF4-FFF2-40B4-BE49-F238E27FC236}">
-                <a16:creationId xmlns:a16="http://schemas.microsoft.com/office/drawing/2014/main" id="{C6014F6F-79E3-1E78-41D8-C40F3AECD1B8}"/>
-              </a:ext>
-            </a:extLst>
-          </p:cNvPr>
-          <p:cNvSpPr>
-            <a:spLocks noGrp="1"/>
-          </p:cNvSpPr>
-          <p:nvPr>
-            <p:ph type="title"/>
-          </p:nvPr>
+          <p:cNvPr id="7" name="Rectangle 6"/>
+          <p:cNvSpPr/>
+          <p:nvPr/>
         </p:nvSpPr>
         <p:spPr>
           <a:xfrm>
-            <a:off x="838200" y="365125"/>
-            <a:ext cx="10515600" cy="1325563"/>
+            <a:off x="11292840" y="0"/>
+            <a:ext cx="914400" cy="6858000"/>
+          </a:xfrm>
+          <a:prstGeom prst="rect">
+            <a:avLst/>
+          </a:prstGeom>
+          <a:solidFill>
+            <a:schemeClr val="tx2">
+              <a:lumMod val="75000"/>
+            </a:schemeClr>
+          </a:solidFill>
+          <a:ln>
+            <a:noFill/>
+          </a:ln>
+        </p:spPr>
+        <p:style>
+          <a:lnRef idx="2">
+            <a:schemeClr val="accent1">
+              <a:shade val="50000"/>
+            </a:schemeClr>
+          </a:lnRef>
+          <a:fillRef idx="1">
+            <a:schemeClr val="accent1"/>
+          </a:fillRef>
+          <a:effectRef idx="0">
+            <a:schemeClr val="accent1"/>
+          </a:effectRef>
+          <a:fontRef idx="minor">
+            <a:schemeClr val="lt1"/>
+          </a:fontRef>
+        </p:style>
+      </p:sp>
+      <p:sp>
+        <p:nvSpPr>
+          <p:cNvPr id="2" name="Title Placeholder 1"/>
+          <p:cNvSpPr>
+            <a:spLocks noGrp="1"/>
+          </p:cNvSpPr>
+          <p:nvPr>
+            <p:ph type="title"/>
+          </p:nvPr>
+        </p:nvSpPr>
+        <p:spPr>
+          <a:xfrm>
+            <a:off x="1261872" y="365760"/>
+            <a:ext cx="9692640" cy="1325562"/>
           </a:xfrm>
           <a:prstGeom prst="rect">
             <a:avLst/>
           </a:prstGeom>
         </p:spPr>
         <p:txBody>
-          <a:bodyPr vert="horz" lIns="91440" tIns="45720" rIns="91440" bIns="45720" rtlCol="0" anchor="ctr">
+          <a:bodyPr vert="horz" lIns="91440" tIns="45720" rIns="91440" bIns="45720" rtlCol="0" anchor="b">
             <a:normAutofit/>
           </a:bodyPr>
           <a:lstStyle/>
@@ -2801,18 +2873,13 @@
               <a:rPr lang="ru-RU"/>
               <a:t>Образец заголовка</a:t>
             </a:r>
-          </a:p>
-        </p:txBody>
-      </p:sp>
-      <p:sp>
-        <p:nvSpPr>
-          <p:cNvPr id="3" name="Текст 2">
-            <a:extLst>
-              <a:ext uri="{FF2B5EF4-FFF2-40B4-BE49-F238E27FC236}">
-                <a16:creationId xmlns:a16="http://schemas.microsoft.com/office/drawing/2014/main" id="{E7F264FB-A954-DC45-B8EA-387C70F25EE9}"/>
-              </a:ext>
-            </a:extLst>
-          </p:cNvPr>
+            <a:endParaRPr lang="en-US" dirty="0"/>
+          </a:p>
+        </p:txBody>
+      </p:sp>
+      <p:sp>
+        <p:nvSpPr>
+          <p:cNvPr id="3" name="Text Placeholder 2"/>
           <p:cNvSpPr>
             <a:spLocks noGrp="1"/>
           </p:cNvSpPr>
@@ -2822,8 +2889,8 @@
         </p:nvSpPr>
         <p:spPr>
           <a:xfrm>
-            <a:off x="838200" y="1825625"/>
-            <a:ext cx="10515600" cy="4351338"/>
+            <a:off x="1261872" y="1828800"/>
+            <a:ext cx="8595360" cy="4351337"/>
           </a:xfrm>
           <a:prstGeom prst="rect">
             <a:avLst/>
@@ -2868,18 +2935,13 @@
               <a:rPr lang="ru-RU"/>
               <a:t>Пятый уровень</a:t>
             </a:r>
-          </a:p>
-        </p:txBody>
-      </p:sp>
-      <p:sp>
-        <p:nvSpPr>
-          <p:cNvPr id="4" name="Дата 3">
-            <a:extLst>
-              <a:ext uri="{FF2B5EF4-FFF2-40B4-BE49-F238E27FC236}">
-                <a16:creationId xmlns:a16="http://schemas.microsoft.com/office/drawing/2014/main" id="{3F979A82-6B78-3677-04D1-A3FAD541408E}"/>
-              </a:ext>
-            </a:extLst>
-          </p:cNvPr>
+            <a:endParaRPr lang="en-US" dirty="0"/>
+          </a:p>
+        </p:txBody>
+      </p:sp>
+      <p:sp>
+        <p:nvSpPr>
+          <p:cNvPr id="4" name="Date Placeholder 3"/>
           <p:cNvSpPr>
             <a:spLocks noGrp="1"/>
           </p:cNvSpPr>
@@ -2888,9 +2950,9 @@
           </p:nvPr>
         </p:nvSpPr>
         <p:spPr>
-          <a:xfrm>
-            <a:off x="838200" y="6356350"/>
-            <a:ext cx="2743200" cy="365125"/>
+          <a:xfrm rot="16200000">
+            <a:off x="10797542" y="998537"/>
+            <a:ext cx="1904999" cy="365125"/>
           </a:xfrm>
           <a:prstGeom prst="rect">
             <a:avLst/>
@@ -2899,11 +2961,12 @@
         <p:txBody>
           <a:bodyPr vert="horz" lIns="91440" tIns="45720" rIns="91440" bIns="45720" rtlCol="0" anchor="ctr"/>
           <a:lstStyle>
-            <a:lvl1pPr algn="l">
-              <a:defRPr sz="1200">
+            <a:lvl1pPr algn="r">
+              <a:defRPr sz="1050" b="0">
                 <a:solidFill>
-                  <a:schemeClr val="tx1">
-                    <a:tint val="75000"/>
+                  <a:schemeClr val="tx2">
+                    <a:lumMod val="20000"/>
+                    <a:lumOff val="80000"/>
                   </a:schemeClr>
                 </a:solidFill>
               </a:defRPr>
@@ -2912,7 +2975,7 @@
           <a:p>
             <a:fld id="{8F2ACF86-6CDF-4508-BA62-F8318AF95D8A}" type="datetimeFigureOut">
               <a:rPr lang="ru-RU" smtClean="0"/>
-              <a:t>23.04.2025</a:t>
+              <a:t>24.04.2025</a:t>
             </a:fld>
             <a:endParaRPr lang="ru-RU"/>
           </a:p>
@@ -2920,13 +2983,7 @@
       </p:sp>
       <p:sp>
         <p:nvSpPr>
-          <p:cNvPr id="5" name="Нижний колонтитул 4">
-            <a:extLst>
-              <a:ext uri="{FF2B5EF4-FFF2-40B4-BE49-F238E27FC236}">
-                <a16:creationId xmlns:a16="http://schemas.microsoft.com/office/drawing/2014/main" id="{38567D82-594D-ED8F-0FCD-5BFCAB2A632E}"/>
-              </a:ext>
-            </a:extLst>
-          </p:cNvPr>
+          <p:cNvPr id="5" name="Footer Placeholder 4"/>
           <p:cNvSpPr>
             <a:spLocks noGrp="1"/>
           </p:cNvSpPr>
@@ -2935,9 +2992,9 @@
           </p:nvPr>
         </p:nvSpPr>
         <p:spPr>
-          <a:xfrm>
-            <a:off x="4038600" y="6356350"/>
-            <a:ext cx="4114800" cy="365125"/>
+          <a:xfrm rot="16200000">
+            <a:off x="9959341" y="4046537"/>
+            <a:ext cx="3581400" cy="365125"/>
           </a:xfrm>
           <a:prstGeom prst="rect">
             <a:avLst/>
@@ -2946,11 +3003,12 @@
         <p:txBody>
           <a:bodyPr vert="horz" lIns="91440" tIns="45720" rIns="91440" bIns="45720" rtlCol="0" anchor="ctr"/>
           <a:lstStyle>
-            <a:lvl1pPr algn="ctr">
-              <a:defRPr sz="1200">
+            <a:lvl1pPr algn="l">
+              <a:defRPr sz="1050">
                 <a:solidFill>
-                  <a:schemeClr val="tx1">
-                    <a:tint val="75000"/>
+                  <a:schemeClr val="tx2">
+                    <a:lumMod val="20000"/>
+                    <a:lumOff val="80000"/>
                   </a:schemeClr>
                 </a:solidFill>
               </a:defRPr>
@@ -2963,13 +3021,7 @@
       </p:sp>
       <p:sp>
         <p:nvSpPr>
-          <p:cNvPr id="6" name="Номер слайда 5">
-            <a:extLst>
-              <a:ext uri="{FF2B5EF4-FFF2-40B4-BE49-F238E27FC236}">
-                <a16:creationId xmlns:a16="http://schemas.microsoft.com/office/drawing/2014/main" id="{4830A805-5714-96DE-ACD0-4735C6087995}"/>
-              </a:ext>
-            </a:extLst>
-          </p:cNvPr>
+          <p:cNvPr id="6" name="Slide Number Placeholder 5"/>
           <p:cNvSpPr>
             <a:spLocks noGrp="1"/>
           </p:cNvSpPr>
@@ -2979,21 +3031,24 @@
         </p:nvSpPr>
         <p:spPr>
           <a:xfrm>
-            <a:off x="8610600" y="6356350"/>
-            <a:ext cx="2743200" cy="365125"/>
+            <a:off x="11292840" y="6172200"/>
+            <a:ext cx="914400" cy="593725"/>
           </a:xfrm>
           <a:prstGeom prst="rect">
             <a:avLst/>
           </a:prstGeom>
         </p:spPr>
         <p:txBody>
-          <a:bodyPr vert="horz" lIns="91440" tIns="45720" rIns="91440" bIns="45720" rtlCol="0" anchor="ctr"/>
+          <a:bodyPr vert="horz" lIns="45720" tIns="45720" rIns="45720" bIns="45720" rtlCol="0" anchor="ctr">
+            <a:normAutofit/>
+          </a:bodyPr>
           <a:lstStyle>
-            <a:lvl1pPr algn="r">
-              <a:defRPr sz="1200">
+            <a:lvl1pPr algn="ctr">
+              <a:defRPr sz="3600">
                 <a:solidFill>
-                  <a:schemeClr val="tx1">
-                    <a:tint val="75000"/>
+                  <a:schemeClr val="tx2">
+                    <a:lumMod val="60000"/>
+                    <a:lumOff val="40000"/>
                   </a:schemeClr>
                 </a:solidFill>
               </a:defRPr>
@@ -3011,23 +3066,23 @@
     </p:spTree>
     <p:extLst>
       <p:ext uri="{BB962C8B-B14F-4D97-AF65-F5344CB8AC3E}">
-        <p14:creationId xmlns:p14="http://schemas.microsoft.com/office/powerpoint/2010/main" val="1490768019"/>
+        <p14:creationId xmlns:p14="http://schemas.microsoft.com/office/powerpoint/2010/main" val="1179865164"/>
       </p:ext>
     </p:extLst>
   </p:cSld>
   <p:clrMap bg1="lt1" tx1="dk1" bg2="lt2" tx2="dk2" accent1="accent1" accent2="accent2" accent3="accent3" accent4="accent4" accent5="accent5" accent6="accent6" hlink="hlink" folHlink="folHlink"/>
   <p:sldLayoutIdLst>
-    <p:sldLayoutId id="2147483649" r:id="rId1"/>
-    <p:sldLayoutId id="2147483650" r:id="rId2"/>
-    <p:sldLayoutId id="2147483651" r:id="rId3"/>
-    <p:sldLayoutId id="2147483652" r:id="rId4"/>
-    <p:sldLayoutId id="2147483653" r:id="rId5"/>
-    <p:sldLayoutId id="2147483654" r:id="rId6"/>
-    <p:sldLayoutId id="2147483655" r:id="rId7"/>
-    <p:sldLayoutId id="2147483656" r:id="rId8"/>
-    <p:sldLayoutId id="2147483657" r:id="rId9"/>
-    <p:sldLayoutId id="2147483658" r:id="rId10"/>
-    <p:sldLayoutId id="2147483659" r:id="rId11"/>
+    <p:sldLayoutId id="2147483661" r:id="rId1"/>
+    <p:sldLayoutId id="2147483662" r:id="rId2"/>
+    <p:sldLayoutId id="2147483663" r:id="rId3"/>
+    <p:sldLayoutId id="2147483664" r:id="rId4"/>
+    <p:sldLayoutId id="2147483665" r:id="rId5"/>
+    <p:sldLayoutId id="2147483666" r:id="rId6"/>
+    <p:sldLayoutId id="2147483667" r:id="rId7"/>
+    <p:sldLayoutId id="2147483668" r:id="rId8"/>
+    <p:sldLayoutId id="2147483669" r:id="rId9"/>
+    <p:sldLayoutId id="2147483670" r:id="rId10"/>
+    <p:sldLayoutId id="2147483671" r:id="rId11"/>
   </p:sldLayoutIdLst>
   <p:txStyles>
     <p:titleStyle>
@@ -3039,7 +3094,7 @@
           <a:spcPct val="0"/>
         </a:spcBef>
         <a:buNone/>
-        <a:defRPr sz="4400" kern="1200">
+        <a:defRPr sz="4400" kern="1200" spc="-50" baseline="0">
           <a:solidFill>
             <a:schemeClr val="tx1"/>
           </a:solidFill>
@@ -3050,16 +3105,23 @@
       </a:lvl1pPr>
     </p:titleStyle>
     <p:bodyStyle>
-      <a:lvl1pPr marL="228600" indent="-228600" algn="l" defTabSz="914400" rtl="0" eaLnBrk="1" latinLnBrk="0" hangingPunct="1">
+      <a:lvl1pPr marL="182880" indent="-182880" algn="l" defTabSz="914400" rtl="0" eaLnBrk="1" latinLnBrk="0" hangingPunct="1">
         <a:lnSpc>
-          <a:spcPct val="90000"/>
+          <a:spcPct val="95000"/>
         </a:lnSpc>
         <a:spcBef>
-          <a:spcPts val="1000"/>
+          <a:spcPts val="1400"/>
         </a:spcBef>
-        <a:buFont typeface="Arial" panose="020B0604020202020204" pitchFamily="34" charset="0"/>
+        <a:spcAft>
+          <a:spcPts val="200"/>
+        </a:spcAft>
+        <a:buClr>
+          <a:schemeClr val="accent1"/>
+        </a:buClr>
+        <a:buSzPct val="80000"/>
+        <a:buFont typeface="Arial" pitchFamily="34" charset="0"/>
         <a:buChar char="•"/>
-        <a:defRPr sz="2800" kern="1200">
+        <a:defRPr sz="1800" kern="1200" spc="10" baseline="0">
           <a:solidFill>
             <a:schemeClr val="tx1"/>
           </a:solidFill>
@@ -3068,144 +3130,216 @@
           <a:cs typeface="+mn-cs"/>
         </a:defRPr>
       </a:lvl1pPr>
-      <a:lvl2pPr marL="685800" indent="-228600" algn="l" defTabSz="914400" rtl="0" eaLnBrk="1" latinLnBrk="0" hangingPunct="1">
+      <a:lvl2pPr marL="457200" indent="-182880" algn="l" defTabSz="914400" rtl="0" eaLnBrk="1" latinLnBrk="0" hangingPunct="1">
         <a:lnSpc>
           <a:spcPct val="90000"/>
         </a:lnSpc>
         <a:spcBef>
-          <a:spcPts val="500"/>
+          <a:spcPts val="300"/>
         </a:spcBef>
-        <a:buFont typeface="Arial" panose="020B0604020202020204" pitchFamily="34" charset="0"/>
-        <a:buChar char="•"/>
-        <a:defRPr sz="2400" kern="1200">
+        <a:spcAft>
+          <a:spcPts val="300"/>
+        </a:spcAft>
+        <a:buClr>
+          <a:schemeClr val="accent1"/>
+        </a:buClr>
+        <a:buFont typeface="Wingdings 2" pitchFamily="18" charset="2"/>
+        <a:buChar char=""/>
+        <a:defRPr sz="1600" kern="1200">
           <a:solidFill>
-            <a:schemeClr val="tx1"/>
+            <a:schemeClr val="tx1">
+              <a:lumMod val="85000"/>
+              <a:lumOff val="15000"/>
+            </a:schemeClr>
           </a:solidFill>
           <a:latin typeface="+mn-lt"/>
           <a:ea typeface="+mn-ea"/>
           <a:cs typeface="+mn-cs"/>
         </a:defRPr>
       </a:lvl2pPr>
-      <a:lvl3pPr marL="1143000" indent="-228600" algn="l" defTabSz="914400" rtl="0" eaLnBrk="1" latinLnBrk="0" hangingPunct="1">
+      <a:lvl3pPr marL="731520" indent="-182880" algn="l" defTabSz="914400" rtl="0" eaLnBrk="1" latinLnBrk="0" hangingPunct="1">
         <a:lnSpc>
           <a:spcPct val="90000"/>
         </a:lnSpc>
         <a:spcBef>
-          <a:spcPts val="500"/>
+          <a:spcPts val="300"/>
         </a:spcBef>
-        <a:buFont typeface="Arial" panose="020B0604020202020204" pitchFamily="34" charset="0"/>
-        <a:buChar char="•"/>
-        <a:defRPr sz="2000" kern="1200">
+        <a:spcAft>
+          <a:spcPts val="300"/>
+        </a:spcAft>
+        <a:buClr>
+          <a:schemeClr val="accent1"/>
+        </a:buClr>
+        <a:buFont typeface="Wingdings 2" pitchFamily="18" charset="2"/>
+        <a:buChar char=""/>
+        <a:defRPr sz="1400" kern="1200">
           <a:solidFill>
-            <a:schemeClr val="tx1"/>
+            <a:schemeClr val="tx1">
+              <a:lumMod val="85000"/>
+              <a:lumOff val="15000"/>
+            </a:schemeClr>
           </a:solidFill>
           <a:latin typeface="+mn-lt"/>
           <a:ea typeface="+mn-ea"/>
           <a:cs typeface="+mn-cs"/>
         </a:defRPr>
       </a:lvl3pPr>
-      <a:lvl4pPr marL="1600200" indent="-228600" algn="l" defTabSz="914400" rtl="0" eaLnBrk="1" latinLnBrk="0" hangingPunct="1">
+      <a:lvl4pPr marL="1005840" indent="-182880" algn="l" defTabSz="914400" rtl="0" eaLnBrk="1" latinLnBrk="0" hangingPunct="1">
         <a:lnSpc>
           <a:spcPct val="90000"/>
         </a:lnSpc>
         <a:spcBef>
-          <a:spcPts val="500"/>
+          <a:spcPts val="300"/>
         </a:spcBef>
-        <a:buFont typeface="Arial" panose="020B0604020202020204" pitchFamily="34" charset="0"/>
-        <a:buChar char="•"/>
-        <a:defRPr sz="1800" kern="1200">
+        <a:spcAft>
+          <a:spcPts val="300"/>
+        </a:spcAft>
+        <a:buClr>
+          <a:schemeClr val="accent1"/>
+        </a:buClr>
+        <a:buFont typeface="Wingdings 2" pitchFamily="18" charset="2"/>
+        <a:buChar char=""/>
+        <a:defRPr sz="1400" kern="1200">
           <a:solidFill>
-            <a:schemeClr val="tx1"/>
+            <a:schemeClr val="tx1">
+              <a:lumMod val="85000"/>
+              <a:lumOff val="15000"/>
+            </a:schemeClr>
           </a:solidFill>
           <a:latin typeface="+mn-lt"/>
           <a:ea typeface="+mn-ea"/>
           <a:cs typeface="+mn-cs"/>
         </a:defRPr>
       </a:lvl4pPr>
-      <a:lvl5pPr marL="2057400" indent="-228600" algn="l" defTabSz="914400" rtl="0" eaLnBrk="1" latinLnBrk="0" hangingPunct="1">
+      <a:lvl5pPr marL="1280160" indent="-182880" algn="l" defTabSz="914400" rtl="0" eaLnBrk="1" latinLnBrk="0" hangingPunct="1">
         <a:lnSpc>
           <a:spcPct val="90000"/>
         </a:lnSpc>
         <a:spcBef>
-          <a:spcPts val="500"/>
+          <a:spcPts val="300"/>
         </a:spcBef>
-        <a:buFont typeface="Arial" panose="020B0604020202020204" pitchFamily="34" charset="0"/>
-        <a:buChar char="•"/>
-        <a:defRPr sz="1800" kern="1200">
+        <a:spcAft>
+          <a:spcPts val="300"/>
+        </a:spcAft>
+        <a:buClr>
+          <a:schemeClr val="accent1"/>
+        </a:buClr>
+        <a:buFont typeface="Wingdings 2" pitchFamily="18" charset="2"/>
+        <a:buChar char=""/>
+        <a:defRPr sz="1400" kern="1200">
           <a:solidFill>
-            <a:schemeClr val="tx1"/>
+            <a:schemeClr val="tx1">
+              <a:lumMod val="85000"/>
+              <a:lumOff val="15000"/>
+            </a:schemeClr>
           </a:solidFill>
           <a:latin typeface="+mn-lt"/>
           <a:ea typeface="+mn-ea"/>
           <a:cs typeface="+mn-cs"/>
         </a:defRPr>
       </a:lvl5pPr>
-      <a:lvl6pPr marL="2514600" indent="-228600" algn="l" defTabSz="914400" rtl="0" eaLnBrk="1" latinLnBrk="0" hangingPunct="1">
+      <a:lvl6pPr marL="1600000" indent="-228600" algn="l" defTabSz="914400" rtl="0" eaLnBrk="1" latinLnBrk="0" hangingPunct="1">
         <a:lnSpc>
           <a:spcPct val="90000"/>
         </a:lnSpc>
         <a:spcBef>
-          <a:spcPts val="500"/>
+          <a:spcPts val="300"/>
         </a:spcBef>
-        <a:buFont typeface="Arial" panose="020B0604020202020204" pitchFamily="34" charset="0"/>
-        <a:buChar char="•"/>
-        <a:defRPr sz="1800" kern="1200">
+        <a:spcAft>
+          <a:spcPts val="300"/>
+        </a:spcAft>
+        <a:buClr>
+          <a:schemeClr val="accent1"/>
+        </a:buClr>
+        <a:buFont typeface="Wingdings 2" pitchFamily="18" charset="2"/>
+        <a:buChar char=""/>
+        <a:defRPr sz="1400" kern="1200">
           <a:solidFill>
-            <a:schemeClr val="tx1"/>
+            <a:schemeClr val="tx1">
+              <a:lumMod val="85000"/>
+              <a:lumOff val="15000"/>
+            </a:schemeClr>
           </a:solidFill>
           <a:latin typeface="+mn-lt"/>
           <a:ea typeface="+mn-ea"/>
           <a:cs typeface="+mn-cs"/>
         </a:defRPr>
       </a:lvl6pPr>
-      <a:lvl7pPr marL="2971800" indent="-228600" algn="l" defTabSz="914400" rtl="0" eaLnBrk="1" latinLnBrk="0" hangingPunct="1">
+      <a:lvl7pPr marL="1900000" indent="-228600" algn="l" defTabSz="914400" rtl="0" eaLnBrk="1" latinLnBrk="0" hangingPunct="1">
         <a:lnSpc>
           <a:spcPct val="90000"/>
         </a:lnSpc>
         <a:spcBef>
-          <a:spcPts val="500"/>
+          <a:spcPts val="300"/>
         </a:spcBef>
-        <a:buFont typeface="Arial" panose="020B0604020202020204" pitchFamily="34" charset="0"/>
-        <a:buChar char="•"/>
-        <a:defRPr sz="1800" kern="1200">
+        <a:spcAft>
+          <a:spcPts val="300"/>
+        </a:spcAft>
+        <a:buClr>
+          <a:schemeClr val="accent1"/>
+        </a:buClr>
+        <a:buFont typeface="Wingdings 2" pitchFamily="18" charset="2"/>
+        <a:buChar char=""/>
+        <a:defRPr sz="1400" kern="1200">
           <a:solidFill>
-            <a:schemeClr val="tx1"/>
+            <a:schemeClr val="tx1">
+              <a:lumMod val="85000"/>
+              <a:lumOff val="15000"/>
+            </a:schemeClr>
           </a:solidFill>
           <a:latin typeface="+mn-lt"/>
           <a:ea typeface="+mn-ea"/>
           <a:cs typeface="+mn-cs"/>
         </a:defRPr>
       </a:lvl7pPr>
-      <a:lvl8pPr marL="3429000" indent="-228600" algn="l" defTabSz="914400" rtl="0" eaLnBrk="1" latinLnBrk="0" hangingPunct="1">
+      <a:lvl8pPr marL="2200000" indent="-228600" algn="l" defTabSz="914400" rtl="0" eaLnBrk="1" latinLnBrk="0" hangingPunct="1">
         <a:lnSpc>
           <a:spcPct val="90000"/>
         </a:lnSpc>
         <a:spcBef>
-          <a:spcPts val="500"/>
+          <a:spcPts val="300"/>
         </a:spcBef>
-        <a:buFont typeface="Arial" panose="020B0604020202020204" pitchFamily="34" charset="0"/>
-        <a:buChar char="•"/>
-        <a:defRPr sz="1800" kern="1200">
+        <a:spcAft>
+          <a:spcPts val="300"/>
+        </a:spcAft>
+        <a:buClr>
+          <a:schemeClr val="accent1"/>
+        </a:buClr>
+        <a:buFont typeface="Wingdings 2" pitchFamily="18" charset="2"/>
+        <a:buChar char=""/>
+        <a:defRPr sz="1400" kern="1200">
           <a:solidFill>
-            <a:schemeClr val="tx1"/>
+            <a:schemeClr val="tx1">
+              <a:lumMod val="85000"/>
+              <a:lumOff val="15000"/>
+            </a:schemeClr>
           </a:solidFill>
           <a:latin typeface="+mn-lt"/>
           <a:ea typeface="+mn-ea"/>
           <a:cs typeface="+mn-cs"/>
         </a:defRPr>
       </a:lvl8pPr>
-      <a:lvl9pPr marL="3886200" indent="-228600" algn="l" defTabSz="914400" rtl="0" eaLnBrk="1" latinLnBrk="0" hangingPunct="1">
+      <a:lvl9pPr marL="2500000" indent="-228600" algn="l" defTabSz="914400" rtl="0" eaLnBrk="1" latinLnBrk="0" hangingPunct="1">
         <a:lnSpc>
           <a:spcPct val="90000"/>
         </a:lnSpc>
         <a:spcBef>
-          <a:spcPts val="500"/>
+          <a:spcPts val="300"/>
         </a:spcBef>
-        <a:buFont typeface="Arial" panose="020B0604020202020204" pitchFamily="34" charset="0"/>
-        <a:buChar char="•"/>
-        <a:defRPr sz="1800" kern="1200">
+        <a:spcAft>
+          <a:spcPts val="300"/>
+        </a:spcAft>
+        <a:buClr>
+          <a:schemeClr val="accent1"/>
+        </a:buClr>
+        <a:buFont typeface="Wingdings 2" pitchFamily="18" charset="2"/>
+        <a:buChar char=""/>
+        <a:defRPr sz="1400" kern="1200">
           <a:solidFill>
-            <a:schemeClr val="tx1"/>
+            <a:schemeClr val="tx1">
+              <a:lumMod val="85000"/>
+              <a:lumOff val="15000"/>
+            </a:schemeClr>
           </a:solidFill>
           <a:latin typeface="+mn-lt"/>
           <a:ea typeface="+mn-ea"/>
@@ -3215,7 +3349,7 @@
     </p:bodyStyle>
     <p:otherStyle>
       <a:defPPr>
-        <a:defRPr lang="ru-RU"/>
+        <a:defRPr lang="en-US"/>
       </a:defPPr>
       <a:lvl1pPr marL="0" algn="l" defTabSz="914400" rtl="0" eaLnBrk="1" latinLnBrk="0" hangingPunct="1">
         <a:defRPr sz="1800" kern="1200">
@@ -3416,6 +3550,175 @@
 </p:sld>
 </file>
 
+<file path=ppt/slides/slide10.xml><?xml version="1.0" encoding="utf-8"?>
+<p:sld xmlns:a="http://schemas.openxmlformats.org/drawingml/2006/main" xmlns:r="http://schemas.openxmlformats.org/officeDocument/2006/relationships" xmlns:p="http://schemas.openxmlformats.org/presentationml/2006/main">
+  <p:cSld>
+    <p:spTree>
+      <p:nvGrpSpPr>
+        <p:cNvPr id="1" name=""/>
+        <p:cNvGrpSpPr/>
+        <p:nvPr/>
+      </p:nvGrpSpPr>
+      <p:grpSpPr>
+        <a:xfrm>
+          <a:off x="0" y="0"/>
+          <a:ext cx="0" cy="0"/>
+          <a:chOff x="0" y="0"/>
+          <a:chExt cx="0" cy="0"/>
+        </a:xfrm>
+      </p:grpSpPr>
+      <p:sp>
+        <p:nvSpPr>
+          <p:cNvPr id="2" name="Заголовок 1">
+            <a:extLst>
+              <a:ext uri="{FF2B5EF4-FFF2-40B4-BE49-F238E27FC236}">
+                <a16:creationId xmlns:a16="http://schemas.microsoft.com/office/drawing/2014/main" id="{90BADB6D-757A-1866-6608-E3D6633750B5}"/>
+              </a:ext>
+            </a:extLst>
+          </p:cNvPr>
+          <p:cNvSpPr>
+            <a:spLocks noGrp="1"/>
+          </p:cNvSpPr>
+          <p:nvPr>
+            <p:ph type="title"/>
+          </p:nvPr>
+        </p:nvSpPr>
+        <p:spPr/>
+        <p:txBody>
+          <a:bodyPr/>
+          <a:lstStyle/>
+          <a:p>
+            <a:r>
+              <a:rPr lang="ru-RU" dirty="0"/>
+              <a:t>Источники</a:t>
+            </a:r>
+          </a:p>
+        </p:txBody>
+      </p:sp>
+      <p:sp>
+        <p:nvSpPr>
+          <p:cNvPr id="3" name="Объект 2">
+            <a:extLst>
+              <a:ext uri="{FF2B5EF4-FFF2-40B4-BE49-F238E27FC236}">
+                <a16:creationId xmlns:a16="http://schemas.microsoft.com/office/drawing/2014/main" id="{06C10594-293D-5F67-67A5-AA571238C22B}"/>
+              </a:ext>
+            </a:extLst>
+          </p:cNvPr>
+          <p:cNvSpPr>
+            <a:spLocks noGrp="1"/>
+          </p:cNvSpPr>
+          <p:nvPr>
+            <p:ph idx="1"/>
+          </p:nvPr>
+        </p:nvSpPr>
+        <p:spPr/>
+        <p:txBody>
+          <a:bodyPr/>
+          <a:lstStyle/>
+          <a:p>
+            <a:endParaRPr lang="ru-RU"/>
+          </a:p>
+        </p:txBody>
+      </p:sp>
+    </p:spTree>
+    <p:extLst>
+      <p:ext uri="{BB962C8B-B14F-4D97-AF65-F5344CB8AC3E}">
+        <p14:creationId xmlns:p14="http://schemas.microsoft.com/office/powerpoint/2010/main" val="2662497496"/>
+      </p:ext>
+    </p:extLst>
+  </p:cSld>
+  <p:clrMapOvr>
+    <a:masterClrMapping/>
+  </p:clrMapOvr>
+</p:sld>
+</file>
+
+<file path=ppt/slides/slide11.xml><?xml version="1.0" encoding="utf-8"?>
+<p:sld xmlns:a="http://schemas.openxmlformats.org/drawingml/2006/main" xmlns:r="http://schemas.openxmlformats.org/officeDocument/2006/relationships" xmlns:p="http://schemas.openxmlformats.org/presentationml/2006/main">
+  <p:cSld>
+    <p:spTree>
+      <p:nvGrpSpPr>
+        <p:cNvPr id="1" name=""/>
+        <p:cNvGrpSpPr/>
+        <p:nvPr/>
+      </p:nvGrpSpPr>
+      <p:grpSpPr>
+        <a:xfrm>
+          <a:off x="0" y="0"/>
+          <a:ext cx="0" cy="0"/>
+          <a:chOff x="0" y="0"/>
+          <a:chExt cx="0" cy="0"/>
+        </a:xfrm>
+      </p:grpSpPr>
+      <p:sp>
+        <p:nvSpPr>
+          <p:cNvPr id="2" name="Заголовок 1">
+            <a:extLst>
+              <a:ext uri="{FF2B5EF4-FFF2-40B4-BE49-F238E27FC236}">
+                <a16:creationId xmlns:a16="http://schemas.microsoft.com/office/drawing/2014/main" id="{2C0E31A6-581C-A289-1C38-C8C4FE6AD35A}"/>
+              </a:ext>
+            </a:extLst>
+          </p:cNvPr>
+          <p:cNvSpPr>
+            <a:spLocks noGrp="1"/>
+          </p:cNvSpPr>
+          <p:nvPr>
+            <p:ph type="ctrTitle"/>
+          </p:nvPr>
+        </p:nvSpPr>
+        <p:spPr/>
+        <p:txBody>
+          <a:bodyPr/>
+          <a:lstStyle/>
+          <a:p>
+            <a:r>
+              <a:rPr lang="ru-RU" dirty="0"/>
+              <a:t>Спасибо за внимание!</a:t>
+            </a:r>
+          </a:p>
+        </p:txBody>
+      </p:sp>
+      <p:sp>
+        <p:nvSpPr>
+          <p:cNvPr id="3" name="Подзаголовок 2">
+            <a:extLst>
+              <a:ext uri="{FF2B5EF4-FFF2-40B4-BE49-F238E27FC236}">
+                <a16:creationId xmlns:a16="http://schemas.microsoft.com/office/drawing/2014/main" id="{C980F9F7-D07B-359D-0A20-6A31B9D6D892}"/>
+              </a:ext>
+            </a:extLst>
+          </p:cNvPr>
+          <p:cNvSpPr>
+            <a:spLocks noGrp="1"/>
+          </p:cNvSpPr>
+          <p:nvPr>
+            <p:ph type="subTitle" idx="1"/>
+          </p:nvPr>
+        </p:nvSpPr>
+        <p:spPr/>
+        <p:txBody>
+          <a:bodyPr/>
+          <a:lstStyle/>
+          <a:p>
+            <a:r>
+              <a:rPr lang="ru-RU" dirty="0"/>
+              <a:t>Готовы ответить на ваши вопросы</a:t>
+            </a:r>
+          </a:p>
+        </p:txBody>
+      </p:sp>
+    </p:spTree>
+    <p:extLst>
+      <p:ext uri="{BB962C8B-B14F-4D97-AF65-F5344CB8AC3E}">
+        <p14:creationId xmlns:p14="http://schemas.microsoft.com/office/powerpoint/2010/main" val="997859002"/>
+      </p:ext>
+    </p:extLst>
+  </p:cSld>
+  <p:clrMapOvr>
+    <a:masterClrMapping/>
+  </p:clrMapOvr>
+</p:sld>
+</file>
+
 <file path=ppt/slides/slide2.xml><?xml version="1.0" encoding="utf-8"?>
 <p:sld xmlns:a="http://schemas.openxmlformats.org/drawingml/2006/main" xmlns:r="http://schemas.openxmlformats.org/officeDocument/2006/relationships" xmlns:p="http://schemas.openxmlformats.org/presentationml/2006/main">
   <p:cSld>
@@ -3482,10 +3785,126 @@
           <a:bodyPr/>
           <a:lstStyle/>
           <a:p>
+            <a:pPr marL="0" indent="0">
+              <a:buNone/>
+            </a:pPr>
+            <a:r>
+              <a:rPr lang="ru-RU" sz="1800" kern="100" dirty="0">
+                <a:effectLst/>
+                <a:latin typeface="Calibri" panose="020F0502020204030204" pitchFamily="34" charset="0"/>
+                <a:ea typeface="Calibri" panose="020F0502020204030204" pitchFamily="34" charset="0"/>
+                <a:cs typeface="Times New Roman" panose="02020603050405020304" pitchFamily="18" charset="0"/>
+              </a:rPr>
+              <a:t>Сайт представляет из себя подобие </a:t>
+            </a:r>
+            <a:r>
+              <a:rPr lang="ru-RU" sz="1800" kern="100" dirty="0" err="1">
+                <a:effectLst/>
+                <a:latin typeface="Calibri" panose="020F0502020204030204" pitchFamily="34" charset="0"/>
+                <a:ea typeface="Calibri" panose="020F0502020204030204" pitchFamily="34" charset="0"/>
+                <a:cs typeface="Times New Roman" panose="02020603050405020304" pitchFamily="18" charset="0"/>
+              </a:rPr>
+              <a:t>авито</a:t>
+            </a:r>
+            <a:r>
+              <a:rPr lang="ru-RU" sz="1800" kern="100" dirty="0">
+                <a:effectLst/>
+                <a:latin typeface="Calibri" panose="020F0502020204030204" pitchFamily="34" charset="0"/>
+                <a:ea typeface="Calibri" panose="020F0502020204030204" pitchFamily="34" charset="0"/>
+                <a:cs typeface="Times New Roman" panose="02020603050405020304" pitchFamily="18" charset="0"/>
+              </a:rPr>
+              <a:t>, где можно размещать объявления, </a:t>
+            </a:r>
+            <a:br>
+              <a:rPr lang="ru-RU" sz="1800" kern="100" dirty="0">
+                <a:effectLst/>
+                <a:latin typeface="Calibri" panose="020F0502020204030204" pitchFamily="34" charset="0"/>
+                <a:ea typeface="Calibri" panose="020F0502020204030204" pitchFamily="34" charset="0"/>
+                <a:cs typeface="Times New Roman" panose="02020603050405020304" pitchFamily="18" charset="0"/>
+              </a:rPr>
+            </a:br>
+            <a:r>
+              <a:rPr lang="ru-RU" sz="1800" kern="100" dirty="0">
+                <a:effectLst/>
+                <a:latin typeface="Calibri" panose="020F0502020204030204" pitchFamily="34" charset="0"/>
+                <a:ea typeface="Calibri" panose="020F0502020204030204" pitchFamily="34" charset="0"/>
+                <a:cs typeface="Times New Roman" panose="02020603050405020304" pitchFamily="18" charset="0"/>
+              </a:rPr>
+              <a:t>предлагающие товар или услугу и просматривать объявления других пользователей. Для этого у каждого пользователя должен быть свой профиль с логином, паролем и аватаркой (по желанию). Также предусмотрен администраторский профиль, </a:t>
+            </a:r>
+            <a:br>
+              <a:rPr lang="ru-RU" sz="1800" kern="100" dirty="0">
+                <a:effectLst/>
+                <a:latin typeface="Calibri" panose="020F0502020204030204" pitchFamily="34" charset="0"/>
+                <a:ea typeface="Calibri" panose="020F0502020204030204" pitchFamily="34" charset="0"/>
+                <a:cs typeface="Times New Roman" panose="02020603050405020304" pitchFamily="18" charset="0"/>
+              </a:rPr>
+            </a:br>
+            <a:r>
+              <a:rPr lang="ru-RU" sz="1800" kern="100" dirty="0">
+                <a:effectLst/>
+                <a:latin typeface="Calibri" panose="020F0502020204030204" pitchFamily="34" charset="0"/>
+                <a:ea typeface="Calibri" panose="020F0502020204030204" pitchFamily="34" charset="0"/>
+                <a:cs typeface="Times New Roman" panose="02020603050405020304" pitchFamily="18" charset="0"/>
+              </a:rPr>
+              <a:t>в котором можно одобрять или отклонять новые объявления.</a:t>
+            </a:r>
+          </a:p>
+          <a:p>
+            <a:pPr marL="0" indent="0">
+              <a:buNone/>
+            </a:pPr>
             <a:endParaRPr lang="ru-RU" dirty="0"/>
           </a:p>
         </p:txBody>
       </p:sp>
+      <p:pic>
+        <p:nvPicPr>
+          <p:cNvPr id="1026" name="Picture 2">
+            <a:extLst>
+              <a:ext uri="{FF2B5EF4-FFF2-40B4-BE49-F238E27FC236}">
+                <a16:creationId xmlns:a16="http://schemas.microsoft.com/office/drawing/2014/main" id="{620010AC-619C-3ED8-5AB4-8A1929A7C092}"/>
+              </a:ext>
+            </a:extLst>
+          </p:cNvPr>
+          <p:cNvPicPr>
+            <a:picLocks noChangeAspect="1" noChangeArrowheads="1"/>
+          </p:cNvPicPr>
+          <p:nvPr/>
+        </p:nvPicPr>
+        <p:blipFill>
+          <a:blip r:embed="rId2">
+            <a:extLst>
+              <a:ext uri="{28A0092B-C50C-407E-A947-70E740481C1C}">
+                <a14:useLocalDpi xmlns:a14="http://schemas.microsoft.com/office/drawing/2010/main" val="0"/>
+              </a:ext>
+            </a:extLst>
+          </a:blip>
+          <a:srcRect/>
+          <a:stretch>
+            <a:fillRect/>
+          </a:stretch>
+        </p:blipFill>
+        <p:spPr bwMode="auto">
+          <a:xfrm>
+            <a:off x="3810000" y="3444240"/>
+            <a:ext cx="4572000" cy="3048000"/>
+          </a:xfrm>
+          <a:prstGeom prst="rect">
+            <a:avLst/>
+          </a:prstGeom>
+          <a:noFill/>
+          <a:extLst>
+            <a:ext uri="{909E8E84-426E-40DD-AFC4-6F175D3DCCD1}">
+              <a14:hiddenFill xmlns:a14="http://schemas.microsoft.com/office/drawing/2010/main">
+                <a:solidFill>
+                  <a:srgbClr val="FFFFFF"/>
+                </a:solidFill>
+              </a14:hiddenFill>
+            </a:ext>
+          </a:extLst>
+        </p:spPr>
+      </p:pic>
     </p:spTree>
     <p:extLst>
       <p:ext uri="{BB962C8B-B14F-4D97-AF65-F5344CB8AC3E}">
@@ -3722,7 +4141,7 @@
           <p:cNvPr id="2" name="Заголовок 1">
             <a:extLst>
               <a:ext uri="{FF2B5EF4-FFF2-40B4-BE49-F238E27FC236}">
-                <a16:creationId xmlns:a16="http://schemas.microsoft.com/office/drawing/2014/main" id="{62B2E336-7252-B52A-0643-8C80227C0C9A}"/>
+                <a16:creationId xmlns:a16="http://schemas.microsoft.com/office/drawing/2014/main" id="{9168F97F-2F00-45FD-E59C-73C76D0FFD60}"/>
               </a:ext>
             </a:extLst>
           </p:cNvPr>
@@ -3747,33 +4166,121 @@
       </p:sp>
       <p:sp>
         <p:nvSpPr>
-          <p:cNvPr id="3" name="Объект 2">
+          <p:cNvPr id="6" name="TextBox 5">
             <a:extLst>
               <a:ext uri="{FF2B5EF4-FFF2-40B4-BE49-F238E27FC236}">
-                <a16:creationId xmlns:a16="http://schemas.microsoft.com/office/drawing/2014/main" id="{DE3DED1C-1CAD-F515-E28A-EB45F0271888}"/>
+                <a16:creationId xmlns:a16="http://schemas.microsoft.com/office/drawing/2014/main" id="{93F95494-B74F-AD11-FF3C-AD86141963DA}"/>
               </a:ext>
             </a:extLst>
           </p:cNvPr>
-          <p:cNvSpPr>
-            <a:spLocks noGrp="1"/>
-          </p:cNvSpPr>
-          <p:nvPr>
-            <p:ph idx="1"/>
-          </p:nvPr>
-        </p:nvSpPr>
-        <p:spPr/>
-        <p:txBody>
-          <a:bodyPr/>
-          <a:lstStyle/>
-          <a:p>
-            <a:endParaRPr lang="ru-RU"/>
-          </a:p>
-        </p:txBody>
-      </p:sp>
+          <p:cNvSpPr txBox="1"/>
+          <p:nvPr/>
+        </p:nvSpPr>
+        <p:spPr>
+          <a:xfrm>
+            <a:off x="1463040" y="2307102"/>
+            <a:ext cx="4632960" cy="1754326"/>
+          </a:xfrm>
+          <a:prstGeom prst="rect">
+            <a:avLst/>
+          </a:prstGeom>
+          <a:noFill/>
+        </p:spPr>
+        <p:txBody>
+          <a:bodyPr wrap="square" rtlCol="0">
+            <a:spAutoFit/>
+          </a:bodyPr>
+          <a:lstStyle/>
+          <a:p>
+            <a:r>
+              <a:rPr lang="ru-RU" dirty="0"/>
+              <a:t>Все данные пользователей и объявлений хранятся в папке </a:t>
+            </a:r>
+            <a:r>
+              <a:rPr lang="en-US" dirty="0" err="1"/>
+              <a:t>db</a:t>
+            </a:r>
+            <a:r>
+              <a:rPr lang="ru-RU" dirty="0"/>
+              <a:t> в формате </a:t>
+            </a:r>
+            <a:r>
+              <a:rPr lang="en-US" dirty="0" err="1"/>
+              <a:t>json</a:t>
+            </a:r>
+            <a:r>
+              <a:rPr lang="ru-RU" dirty="0"/>
+              <a:t>. Аватарки пользователей </a:t>
+            </a:r>
+            <a:r>
+              <a:rPr lang="ru-RU" dirty="0" err="1"/>
+              <a:t>назодятся</a:t>
+            </a:r>
+            <a:r>
+              <a:rPr lang="ru-RU" dirty="0"/>
+              <a:t> в папке </a:t>
+            </a:r>
+            <a:r>
+              <a:rPr lang="en-US" dirty="0"/>
+              <a:t>static/</a:t>
+            </a:r>
+            <a:r>
+              <a:rPr lang="en-US" dirty="0" err="1"/>
+              <a:t>users_avatars</a:t>
+            </a:r>
+            <a:r>
+              <a:rPr lang="en-US" dirty="0"/>
+              <a:t>. </a:t>
+            </a:r>
+            <a:r>
+              <a:rPr lang="ru-RU" dirty="0"/>
+              <a:t>В папке </a:t>
+            </a:r>
+            <a:r>
+              <a:rPr lang="en-US" dirty="0"/>
+              <a:t>materials</a:t>
+            </a:r>
+            <a:r>
+              <a:rPr lang="ru-RU" dirty="0"/>
+              <a:t> находится вся необходимая документация. </a:t>
+            </a:r>
+          </a:p>
+        </p:txBody>
+      </p:sp>
+      <p:pic>
+        <p:nvPicPr>
+          <p:cNvPr id="8" name="Рисунок 7">
+            <a:extLst>
+              <a:ext uri="{FF2B5EF4-FFF2-40B4-BE49-F238E27FC236}">
+                <a16:creationId xmlns:a16="http://schemas.microsoft.com/office/drawing/2014/main" id="{12D80988-1140-54C0-8A77-922D6C83D50D}"/>
+              </a:ext>
+            </a:extLst>
+          </p:cNvPr>
+          <p:cNvPicPr>
+            <a:picLocks noChangeAspect="1"/>
+          </p:cNvPicPr>
+          <p:nvPr/>
+        </p:nvPicPr>
+        <p:blipFill>
+          <a:blip r:embed="rId2"/>
+          <a:stretch>
+            <a:fillRect/>
+          </a:stretch>
+        </p:blipFill>
+        <p:spPr>
+          <a:xfrm>
+            <a:off x="7618353" y="0"/>
+            <a:ext cx="3917156" cy="6857999"/>
+          </a:xfrm>
+          <a:prstGeom prst="rect">
+            <a:avLst/>
+          </a:prstGeom>
+        </p:spPr>
+      </p:pic>
     </p:spTree>
     <p:extLst>
       <p:ext uri="{BB962C8B-B14F-4D97-AF65-F5344CB8AC3E}">
-        <p14:creationId xmlns:p14="http://schemas.microsoft.com/office/powerpoint/2010/main" val="2143277629"/>
+        <p14:creationId xmlns:p14="http://schemas.microsoft.com/office/powerpoint/2010/main" val="3913390997"/>
       </p:ext>
     </p:extLst>
   </p:cSld>
@@ -3828,31 +4335,102 @@
           </a:p>
         </p:txBody>
       </p:sp>
-      <p:sp>
-        <p:nvSpPr>
-          <p:cNvPr id="3" name="Объект 2">
+      <p:pic>
+        <p:nvPicPr>
+          <p:cNvPr id="5" name="Рисунок 4">
             <a:extLst>
               <a:ext uri="{FF2B5EF4-FFF2-40B4-BE49-F238E27FC236}">
-                <a16:creationId xmlns:a16="http://schemas.microsoft.com/office/drawing/2014/main" id="{E4AB254F-067C-194D-3627-928E2E255E9F}"/>
+                <a16:creationId xmlns:a16="http://schemas.microsoft.com/office/drawing/2014/main" id="{56C83FEA-EBCA-CD70-C047-ECAC1C9CF7F2}"/>
               </a:ext>
             </a:extLst>
           </p:cNvPr>
-          <p:cNvSpPr>
-            <a:spLocks noGrp="1"/>
-          </p:cNvSpPr>
-          <p:nvPr>
-            <p:ph idx="1"/>
-          </p:nvPr>
-        </p:nvSpPr>
-        <p:spPr/>
-        <p:txBody>
-          <a:bodyPr/>
-          <a:lstStyle/>
-          <a:p>
-            <a:endParaRPr lang="ru-RU"/>
-          </a:p>
-        </p:txBody>
-      </p:sp>
+          <p:cNvPicPr>
+            <a:picLocks noChangeAspect="1"/>
+          </p:cNvPicPr>
+          <p:nvPr/>
+        </p:nvPicPr>
+        <p:blipFill>
+          <a:blip r:embed="rId2"/>
+          <a:stretch>
+            <a:fillRect/>
+          </a:stretch>
+        </p:blipFill>
+        <p:spPr>
+          <a:xfrm>
+            <a:off x="2119415" y="1842868"/>
+            <a:ext cx="7207465" cy="2276042"/>
+          </a:xfrm>
+          <a:prstGeom prst="rect">
+            <a:avLst/>
+          </a:prstGeom>
+        </p:spPr>
+      </p:pic>
+      <p:pic>
+        <p:nvPicPr>
+          <p:cNvPr id="7" name="Рисунок 6">
+            <a:extLst>
+              <a:ext uri="{FF2B5EF4-FFF2-40B4-BE49-F238E27FC236}">
+                <a16:creationId xmlns:a16="http://schemas.microsoft.com/office/drawing/2014/main" id="{06EFFA7A-C722-73C8-1B7A-D55016EEC921}"/>
+              </a:ext>
+            </a:extLst>
+          </p:cNvPr>
+          <p:cNvPicPr>
+            <a:picLocks noChangeAspect="1"/>
+          </p:cNvPicPr>
+          <p:nvPr/>
+        </p:nvPicPr>
+        <p:blipFill>
+          <a:blip r:embed="rId3"/>
+          <a:stretch>
+            <a:fillRect/>
+          </a:stretch>
+        </p:blipFill>
+        <p:spPr>
+          <a:xfrm>
+            <a:off x="993340" y="3652217"/>
+            <a:ext cx="9961172" cy="3005317"/>
+          </a:xfrm>
+          <a:prstGeom prst="rect">
+            <a:avLst/>
+          </a:prstGeom>
+        </p:spPr>
+      </p:pic>
+      <p:cxnSp>
+        <p:nvCxnSpPr>
+          <p:cNvPr id="9" name="Прямая соединительная линия 8">
+            <a:extLst>
+              <a:ext uri="{FF2B5EF4-FFF2-40B4-BE49-F238E27FC236}">
+                <a16:creationId xmlns:a16="http://schemas.microsoft.com/office/drawing/2014/main" id="{D7B3745F-9918-A411-E267-51A74DED7F8E}"/>
+              </a:ext>
+            </a:extLst>
+          </p:cNvPr>
+          <p:cNvCxnSpPr/>
+          <p:nvPr/>
+        </p:nvCxnSpPr>
+        <p:spPr>
+          <a:xfrm>
+            <a:off x="1392702" y="3530991"/>
+            <a:ext cx="9214338" cy="0"/>
+          </a:xfrm>
+          <a:prstGeom prst="line">
+            <a:avLst/>
+          </a:prstGeom>
+        </p:spPr>
+        <p:style>
+          <a:lnRef idx="1">
+            <a:schemeClr val="accent1"/>
+          </a:lnRef>
+          <a:fillRef idx="0">
+            <a:schemeClr val="accent1"/>
+          </a:fillRef>
+          <a:effectRef idx="0">
+            <a:schemeClr val="accent1"/>
+          </a:effectRef>
+          <a:fontRef idx="minor">
+            <a:schemeClr val="tx1"/>
+          </a:fontRef>
+        </p:style>
+      </p:cxnSp>
     </p:spTree>
     <p:extLst>
       <p:ext uri="{BB962C8B-B14F-4D97-AF65-F5344CB8AC3E}">
@@ -3888,7 +4466,7 @@
           <p:cNvPr id="2" name="Заголовок 1">
             <a:extLst>
               <a:ext uri="{FF2B5EF4-FFF2-40B4-BE49-F238E27FC236}">
-                <a16:creationId xmlns:a16="http://schemas.microsoft.com/office/drawing/2014/main" id="{9168F97F-2F00-45FD-E59C-73C76D0FFD60}"/>
+                <a16:creationId xmlns:a16="http://schemas.microsoft.com/office/drawing/2014/main" id="{8FC698A6-658F-16E3-FB7B-96B8A4745519}"/>
               </a:ext>
             </a:extLst>
           </p:cNvPr>
@@ -3904,10 +4482,7 @@
           <a:bodyPr/>
           <a:lstStyle/>
           <a:p>
-            <a:r>
-              <a:rPr lang="ru-RU" dirty="0"/>
-              <a:t>Схема кода</a:t>
-            </a:r>
+            <a:endParaRPr lang="ru-RU" dirty="0"/>
           </a:p>
         </p:txBody>
       </p:sp>
@@ -3916,7 +4491,7 @@
           <p:cNvPr id="3" name="Объект 2">
             <a:extLst>
               <a:ext uri="{FF2B5EF4-FFF2-40B4-BE49-F238E27FC236}">
-                <a16:creationId xmlns:a16="http://schemas.microsoft.com/office/drawing/2014/main" id="{C299B85A-E334-58F9-321F-67E39B41F05D}"/>
+                <a16:creationId xmlns:a16="http://schemas.microsoft.com/office/drawing/2014/main" id="{B689DB74-7551-66D4-9781-24EA3B7FEB80}"/>
               </a:ext>
             </a:extLst>
           </p:cNvPr>
@@ -3936,10 +4511,40 @@
           </a:p>
         </p:txBody>
       </p:sp>
+      <p:pic>
+        <p:nvPicPr>
+          <p:cNvPr id="5" name="Рисунок 4">
+            <a:extLst>
+              <a:ext uri="{FF2B5EF4-FFF2-40B4-BE49-F238E27FC236}">
+                <a16:creationId xmlns:a16="http://schemas.microsoft.com/office/drawing/2014/main" id="{302B3E33-DD3A-61B1-4D57-6019A54978D7}"/>
+              </a:ext>
+            </a:extLst>
+          </p:cNvPr>
+          <p:cNvPicPr>
+            <a:picLocks noChangeAspect="1"/>
+          </p:cNvPicPr>
+          <p:nvPr/>
+        </p:nvPicPr>
+        <p:blipFill>
+          <a:blip r:embed="rId2"/>
+          <a:stretch>
+            <a:fillRect/>
+          </a:stretch>
+        </p:blipFill>
+        <p:spPr>
+          <a:xfrm>
+            <a:off x="0" y="1028541"/>
+            <a:ext cx="12077700" cy="5162550"/>
+          </a:xfrm>
+          <a:prstGeom prst="rect">
+            <a:avLst/>
+          </a:prstGeom>
+        </p:spPr>
+      </p:pic>
     </p:spTree>
     <p:extLst>
       <p:ext uri="{BB962C8B-B14F-4D97-AF65-F5344CB8AC3E}">
-        <p14:creationId xmlns:p14="http://schemas.microsoft.com/office/powerpoint/2010/main" val="3913390997"/>
+        <p14:creationId xmlns:p14="http://schemas.microsoft.com/office/powerpoint/2010/main" val="778264051"/>
       </p:ext>
     </p:extLst>
   </p:cSld>
@@ -3971,7 +4576,7 @@
           <p:cNvPr id="2" name="Заголовок 1">
             <a:extLst>
               <a:ext uri="{FF2B5EF4-FFF2-40B4-BE49-F238E27FC236}">
-                <a16:creationId xmlns:a16="http://schemas.microsoft.com/office/drawing/2014/main" id="{F06AB64E-5649-CDA8-C58D-98FAE9150D5F}"/>
+                <a16:creationId xmlns:a16="http://schemas.microsoft.com/office/drawing/2014/main" id="{F5F71AD3-DABE-C330-1D5B-5B552E313AA0}"/>
               </a:ext>
             </a:extLst>
           </p:cNvPr>
@@ -3989,7 +4594,7 @@
           <a:p>
             <a:r>
               <a:rPr lang="ru-RU" dirty="0"/>
-              <a:t>О проекте</a:t>
+              <a:t>Окно профиля</a:t>
             </a:r>
           </a:p>
         </p:txBody>
@@ -3999,7 +4604,7 @@
           <p:cNvPr id="3" name="Объект 2">
             <a:extLst>
               <a:ext uri="{FF2B5EF4-FFF2-40B4-BE49-F238E27FC236}">
-                <a16:creationId xmlns:a16="http://schemas.microsoft.com/office/drawing/2014/main" id="{43DF91F2-D817-CB3E-9EAE-D4403D78F7E0}"/>
+                <a16:creationId xmlns:a16="http://schemas.microsoft.com/office/drawing/2014/main" id="{6930C379-5A3A-7259-4D04-5B847AAD96B8}"/>
               </a:ext>
             </a:extLst>
           </p:cNvPr>
@@ -4019,10 +4624,40 @@
           </a:p>
         </p:txBody>
       </p:sp>
+      <p:pic>
+        <p:nvPicPr>
+          <p:cNvPr id="5" name="Рисунок 4">
+            <a:extLst>
+              <a:ext uri="{FF2B5EF4-FFF2-40B4-BE49-F238E27FC236}">
+                <a16:creationId xmlns:a16="http://schemas.microsoft.com/office/drawing/2014/main" id="{95FF2F06-007E-C1FD-0A51-793E7B349182}"/>
+              </a:ext>
+            </a:extLst>
+          </p:cNvPr>
+          <p:cNvPicPr>
+            <a:picLocks noChangeAspect="1"/>
+          </p:cNvPicPr>
+          <p:nvPr/>
+        </p:nvPicPr>
+        <p:blipFill>
+          <a:blip r:embed="rId2"/>
+          <a:stretch>
+            <a:fillRect/>
+          </a:stretch>
+        </p:blipFill>
+        <p:spPr>
+          <a:xfrm>
+            <a:off x="1102350" y="1828800"/>
+            <a:ext cx="9987300" cy="4905338"/>
+          </a:xfrm>
+          <a:prstGeom prst="rect">
+            <a:avLst/>
+          </a:prstGeom>
+        </p:spPr>
+      </p:pic>
     </p:spTree>
     <p:extLst>
       <p:ext uri="{BB962C8B-B14F-4D97-AF65-F5344CB8AC3E}">
-        <p14:creationId xmlns:p14="http://schemas.microsoft.com/office/powerpoint/2010/main" val="225066958"/>
+        <p14:creationId xmlns:p14="http://schemas.microsoft.com/office/powerpoint/2010/main" val="2954621027"/>
       </p:ext>
     </p:extLst>
   </p:cSld>
@@ -4054,7 +4689,7 @@
           <p:cNvPr id="2" name="Заголовок 1">
             <a:extLst>
               <a:ext uri="{FF2B5EF4-FFF2-40B4-BE49-F238E27FC236}">
-                <a16:creationId xmlns:a16="http://schemas.microsoft.com/office/drawing/2014/main" id="{90BADB6D-757A-1866-6608-E3D6633750B5}"/>
+                <a16:creationId xmlns:a16="http://schemas.microsoft.com/office/drawing/2014/main" id="{6AF80CC0-EB1D-48B5-28DC-866C5B29AEDE}"/>
               </a:ext>
             </a:extLst>
           </p:cNvPr>
@@ -4070,10 +4705,7 @@
           <a:bodyPr/>
           <a:lstStyle/>
           <a:p>
-            <a:r>
-              <a:rPr lang="ru-RU" dirty="0"/>
-              <a:t>Источники</a:t>
-            </a:r>
+            <a:endParaRPr lang="ru-RU" dirty="0"/>
           </a:p>
         </p:txBody>
       </p:sp>
@@ -4082,7 +4714,7 @@
           <p:cNvPr id="3" name="Объект 2">
             <a:extLst>
               <a:ext uri="{FF2B5EF4-FFF2-40B4-BE49-F238E27FC236}">
-                <a16:creationId xmlns:a16="http://schemas.microsoft.com/office/drawing/2014/main" id="{06C10594-293D-5F67-67A5-AA571238C22B}"/>
+                <a16:creationId xmlns:a16="http://schemas.microsoft.com/office/drawing/2014/main" id="{ADEFD017-F83B-A486-BA12-48DB5CD9CB0D}"/>
               </a:ext>
             </a:extLst>
           </p:cNvPr>
@@ -4102,10 +4734,40 @@
           </a:p>
         </p:txBody>
       </p:sp>
+      <p:pic>
+        <p:nvPicPr>
+          <p:cNvPr id="5" name="Рисунок 4">
+            <a:extLst>
+              <a:ext uri="{FF2B5EF4-FFF2-40B4-BE49-F238E27FC236}">
+                <a16:creationId xmlns:a16="http://schemas.microsoft.com/office/drawing/2014/main" id="{BB307895-8F38-FA03-EC60-B0D3BD93955E}"/>
+              </a:ext>
+            </a:extLst>
+          </p:cNvPr>
+          <p:cNvPicPr>
+            <a:picLocks noChangeAspect="1"/>
+          </p:cNvPicPr>
+          <p:nvPr/>
+        </p:nvPicPr>
+        <p:blipFill>
+          <a:blip r:embed="rId2"/>
+          <a:stretch>
+            <a:fillRect/>
+          </a:stretch>
+        </p:blipFill>
+        <p:spPr>
+          <a:xfrm>
+            <a:off x="0" y="902808"/>
+            <a:ext cx="12001038" cy="5277329"/>
+          </a:xfrm>
+          <a:prstGeom prst="rect">
+            <a:avLst/>
+          </a:prstGeom>
+        </p:spPr>
+      </p:pic>
     </p:spTree>
     <p:extLst>
       <p:ext uri="{BB962C8B-B14F-4D97-AF65-F5344CB8AC3E}">
-        <p14:creationId xmlns:p14="http://schemas.microsoft.com/office/powerpoint/2010/main" val="2662497496"/>
+        <p14:creationId xmlns:p14="http://schemas.microsoft.com/office/powerpoint/2010/main" val="3143958537"/>
       </p:ext>
     </p:extLst>
   </p:cSld>
@@ -4137,7 +4799,7 @@
           <p:cNvPr id="2" name="Заголовок 1">
             <a:extLst>
               <a:ext uri="{FF2B5EF4-FFF2-40B4-BE49-F238E27FC236}">
-                <a16:creationId xmlns:a16="http://schemas.microsoft.com/office/drawing/2014/main" id="{2C0E31A6-581C-A289-1C38-C8C4FE6AD35A}"/>
+                <a16:creationId xmlns:a16="http://schemas.microsoft.com/office/drawing/2014/main" id="{F06AB64E-5649-CDA8-C58D-98FAE9150D5F}"/>
               </a:ext>
             </a:extLst>
           </p:cNvPr>
@@ -4145,7 +4807,7 @@
             <a:spLocks noGrp="1"/>
           </p:cNvSpPr>
           <p:nvPr>
-            <p:ph type="ctrTitle"/>
+            <p:ph type="title"/>
           </p:nvPr>
         </p:nvSpPr>
         <p:spPr/>
@@ -4155,17 +4817,17 @@
           <a:p>
             <a:r>
               <a:rPr lang="ru-RU" dirty="0"/>
-              <a:t>Спасибо за внимание!</a:t>
-            </a:r>
-          </a:p>
-        </p:txBody>
-      </p:sp>
-      <p:sp>
-        <p:nvSpPr>
-          <p:cNvPr id="3" name="Подзаголовок 2">
+              <a:t>О проекте</a:t>
+            </a:r>
+          </a:p>
+        </p:txBody>
+      </p:sp>
+      <p:sp>
+        <p:nvSpPr>
+          <p:cNvPr id="3" name="Объект 2">
             <a:extLst>
               <a:ext uri="{FF2B5EF4-FFF2-40B4-BE49-F238E27FC236}">
-                <a16:creationId xmlns:a16="http://schemas.microsoft.com/office/drawing/2014/main" id="{C980F9F7-D07B-359D-0A20-6A31B9D6D892}"/>
+                <a16:creationId xmlns:a16="http://schemas.microsoft.com/office/drawing/2014/main" id="{43DF91F2-D817-CB3E-9EAE-D4403D78F7E0}"/>
               </a:ext>
             </a:extLst>
           </p:cNvPr>
@@ -4173,25 +4835,115 @@
             <a:spLocks noGrp="1"/>
           </p:cNvSpPr>
           <p:nvPr>
-            <p:ph type="subTitle" idx="1"/>
-          </p:nvPr>
-        </p:nvSpPr>
-        <p:spPr/>
-        <p:txBody>
-          <a:bodyPr/>
-          <a:lstStyle/>
-          <a:p>
+            <p:ph idx="1"/>
+          </p:nvPr>
+        </p:nvSpPr>
+        <p:spPr/>
+        <p:txBody>
+          <a:bodyPr/>
+          <a:lstStyle/>
+          <a:p>
+            <a:pPr marL="0" indent="0">
+              <a:buNone/>
+            </a:pPr>
             <a:r>
               <a:rPr lang="ru-RU" dirty="0"/>
-              <a:t>Готовы ответить на ваши вопросы</a:t>
-            </a:r>
-          </a:p>
-        </p:txBody>
-      </p:sp>
+              <a:t>Ссылка на репозиторий: </a:t>
+            </a:r>
+            <a:r>
+              <a:rPr lang="en-US" dirty="0">
+                <a:hlinkClick r:id="rId2"/>
+              </a:rPr>
+              <a:t>https://github.com/Mikhail716662/Project_WEB_Naumov_Anchutin</a:t>
+            </a:r>
+            <a:endParaRPr lang="ru-RU" dirty="0"/>
+          </a:p>
+          <a:p>
+            <a:pPr marL="0" indent="0">
+              <a:buNone/>
+            </a:pPr>
+            <a:r>
+              <a:rPr lang="ru-RU" dirty="0"/>
+              <a:t>Ссылка на </a:t>
+            </a:r>
+            <a:r>
+              <a:rPr lang="ru-RU" dirty="0" err="1"/>
+              <a:t>скринкаст</a:t>
+            </a:r>
+            <a:r>
+              <a:rPr lang="ru-RU" dirty="0"/>
+              <a:t>: </a:t>
+            </a:r>
+            <a:r>
+              <a:rPr lang="en-US" dirty="0">
+                <a:hlinkClick r:id="rId3"/>
+              </a:rPr>
+              <a:t>https://vkvideo.ru/video742577835_456239019</a:t>
+            </a:r>
+            <a:endParaRPr lang="ru-RU" dirty="0"/>
+          </a:p>
+          <a:p>
+            <a:pPr marL="0" indent="0">
+              <a:buNone/>
+            </a:pPr>
+            <a:r>
+              <a:rPr lang="ru-RU" dirty="0"/>
+              <a:t>Объём кода – 300 строк</a:t>
+            </a:r>
+          </a:p>
+        </p:txBody>
+      </p:sp>
+      <p:pic>
+        <p:nvPicPr>
+          <p:cNvPr id="2050" name="Picture 2">
+            <a:extLst>
+              <a:ext uri="{FF2B5EF4-FFF2-40B4-BE49-F238E27FC236}">
+                <a16:creationId xmlns:a16="http://schemas.microsoft.com/office/drawing/2014/main" id="{56C1FC0D-2A02-760B-2F99-46C9F8167FDF}"/>
+              </a:ext>
+            </a:extLst>
+          </p:cNvPr>
+          <p:cNvPicPr>
+            <a:picLocks noChangeAspect="1" noChangeArrowheads="1"/>
+          </p:cNvPicPr>
+          <p:nvPr/>
+        </p:nvPicPr>
+        <p:blipFill>
+          <a:blip r:embed="rId4">
+            <a:extLst>
+              <a:ext uri="{28A0092B-C50C-407E-A947-70E740481C1C}">
+                <a14:useLocalDpi xmlns:a14="http://schemas.microsoft.com/office/drawing/2010/main" val="0"/>
+              </a:ext>
+            </a:extLst>
+          </a:blip>
+          <a:srcRect/>
+          <a:stretch>
+            <a:fillRect/>
+          </a:stretch>
+        </p:blipFill>
+        <p:spPr bwMode="auto">
+          <a:xfrm>
+            <a:off x="6412229" y="3051273"/>
+            <a:ext cx="3266342" cy="3266342"/>
+          </a:xfrm>
+          <a:prstGeom prst="rect">
+            <a:avLst/>
+          </a:prstGeom>
+          <a:noFill/>
+          <a:extLst>
+            <a:ext uri="{909E8E84-426E-40DD-AFC4-6F175D3DCCD1}">
+              <a14:hiddenFill xmlns:a14="http://schemas.microsoft.com/office/drawing/2010/main">
+                <a:solidFill>
+                  <a:srgbClr val="FFFFFF"/>
+                </a:solidFill>
+              </a14:hiddenFill>
+            </a:ext>
+          </a:extLst>
+        </p:spPr>
+      </p:pic>
     </p:spTree>
     <p:extLst>
       <p:ext uri="{BB962C8B-B14F-4D97-AF65-F5344CB8AC3E}">
-        <p14:creationId xmlns:p14="http://schemas.microsoft.com/office/powerpoint/2010/main" val="997859002"/>
+        <p14:creationId xmlns:p14="http://schemas.microsoft.com/office/powerpoint/2010/main" val="225066958"/>
       </p:ext>
     </p:extLst>
   </p:cSld>
@@ -4202,110 +4954,58 @@
 </file>
 
 <file path=ppt/theme/theme1.xml><?xml version="1.0" encoding="utf-8"?>
-<a:theme xmlns:a="http://schemas.openxmlformats.org/drawingml/2006/main" name="Тема Office">
+<a:theme xmlns:a="http://schemas.openxmlformats.org/drawingml/2006/main" name="Вид">
   <a:themeElements>
-    <a:clrScheme name="Стандартная">
+    <a:clrScheme name="Вид">
       <a:dk1>
-        <a:sysClr val="windowText" lastClr="000000"/>
+        <a:srgbClr val="000000"/>
       </a:dk1>
       <a:lt1>
-        <a:sysClr val="window" lastClr="FFFFFF"/>
+        <a:srgbClr val="FFFFFF"/>
       </a:lt1>
       <a:dk2>
-        <a:srgbClr val="44546A"/>
+        <a:srgbClr val="46464A"/>
       </a:dk2>
       <a:lt2>
-        <a:srgbClr val="E7E6E6"/>
+        <a:srgbClr val="D6D3CC"/>
       </a:lt2>
       <a:accent1>
-        <a:srgbClr val="4472C4"/>
+        <a:srgbClr val="6F6F74"/>
       </a:accent1>
       <a:accent2>
-        <a:srgbClr val="ED7D31"/>
+        <a:srgbClr val="92A9B9"/>
       </a:accent2>
       <a:accent3>
-        <a:srgbClr val="A5A5A5"/>
+        <a:srgbClr val="A7B789"/>
       </a:accent3>
       <a:accent4>
-        <a:srgbClr val="FFC000"/>
+        <a:srgbClr val="B9A489"/>
       </a:accent4>
       <a:accent5>
-        <a:srgbClr val="5B9BD5"/>
+        <a:srgbClr val="8D6374"/>
       </a:accent5>
       <a:accent6>
-        <a:srgbClr val="70AD47"/>
+        <a:srgbClr val="9B7362"/>
       </a:accent6>
       <a:hlink>
-        <a:srgbClr val="0563C1"/>
+        <a:srgbClr val="67AABF"/>
       </a:hlink>
       <a:folHlink>
-        <a:srgbClr val="954F72"/>
+        <a:srgbClr val="ABAFA5"/>
       </a:folHlink>
     </a:clrScheme>
-    <a:fontScheme name="Стандартная">
+    <a:fontScheme name="Вид">
       <a:majorFont>
-        <a:latin typeface="Calibri Light" panose="020F0302020204030204"/>
+        <a:latin typeface="Century Schoolbook" panose="02040604050505020304"/>
         <a:ea typeface=""/>
         <a:cs typeface=""/>
-        <a:font script="Jpan" typeface="游ゴシック Light"/>
+        <a:font script="Jpan" typeface="ＭＳ ゴシック"/>
         <a:font script="Hang" typeface="맑은 고딕"/>
-        <a:font script="Hans" typeface="等线 Light"/>
+        <a:font script="Hans" typeface="宋体"/>
         <a:font script="Hant" typeface="新細明體"/>
-        <a:font script="Arab" typeface="Times New Roman"/>
-        <a:font script="Hebr" typeface="Times New Roman"/>
-        <a:font script="Thai" typeface="Angsana New"/>
-        <a:font script="Ethi" typeface="Nyala"/>
-        <a:font script="Beng" typeface="Vrinda"/>
-        <a:font script="Gujr" typeface="Shruti"/>
-        <a:font script="Khmr" typeface="MoolBoran"/>
-        <a:font script="Knda" typeface="Tunga"/>
-        <a:font script="Guru" typeface="Raavi"/>
-        <a:font script="Cans" typeface="Euphemia"/>
-        <a:font script="Cher" typeface="Plantagenet Cherokee"/>
-        <a:font script="Yiii" typeface="Microsoft Yi Baiti"/>
-        <a:font script="Tibt" typeface="Microsoft Himalaya"/>
-        <a:font script="Thaa" typeface="MV Boli"/>
-        <a:font script="Deva" typeface="Mangal"/>
-        <a:font script="Telu" typeface="Gautami"/>
-        <a:font script="Taml" typeface="Latha"/>
-        <a:font script="Syrc" typeface="Estrangelo Edessa"/>
-        <a:font script="Orya" typeface="Kalinga"/>
-        <a:font script="Mlym" typeface="Kartika"/>
-        <a:font script="Laoo" typeface="DokChampa"/>
-        <a:font script="Sinh" typeface="Iskoola Pota"/>
-        <a:font script="Mong" typeface="Mongolian Baiti"/>
-        <a:font script="Viet" typeface="Times New Roman"/>
-        <a:font script="Uigh" typeface="Microsoft Uighur"/>
-        <a:font script="Geor" typeface="Sylfaen"/>
-        <a:font script="Armn" typeface="Arial"/>
-        <a:font script="Bugi" typeface="Leelawadee UI"/>
-        <a:font script="Bopo" typeface="Microsoft JhengHei"/>
-        <a:font script="Java" typeface="Javanese Text"/>
-        <a:font script="Lisu" typeface="Segoe UI"/>
-        <a:font script="Mymr" typeface="Myanmar Text"/>
-        <a:font script="Nkoo" typeface="Ebrima"/>
-        <a:font script="Olck" typeface="Nirmala UI"/>
-        <a:font script="Osma" typeface="Ebrima"/>
-        <a:font script="Phag" typeface="Phagspa"/>
-        <a:font script="Syrn" typeface="Estrangelo Edessa"/>
-        <a:font script="Syrj" typeface="Estrangelo Edessa"/>
-        <a:font script="Syre" typeface="Estrangelo Edessa"/>
-        <a:font script="Sora" typeface="Nirmala UI"/>
-        <a:font script="Tale" typeface="Microsoft Tai Le"/>
-        <a:font script="Talu" typeface="Microsoft New Tai Lue"/>
-        <a:font script="Tfng" typeface="Ebrima"/>
-      </a:majorFont>
-      <a:minorFont>
-        <a:latin typeface="Calibri" panose="020F0502020204030204"/>
-        <a:ea typeface=""/>
-        <a:cs typeface=""/>
-        <a:font script="Jpan" typeface="游ゴシック"/>
-        <a:font script="Hang" typeface="맑은 고딕"/>
-        <a:font script="Hans" typeface="等线"/>
-        <a:font script="Hant" typeface="新細明體"/>
-        <a:font script="Arab" typeface="Arial"/>
-        <a:font script="Hebr" typeface="Arial"/>
-        <a:font script="Thai" typeface="Cordia New"/>
+        <a:font script="Arab" typeface="Tahoma"/>
+        <a:font script="Hebr" typeface="Gisha"/>
+        <a:font script="Thai" typeface="DilleniaUPC"/>
         <a:font script="Ethi" typeface="Nyala"/>
         <a:font script="Beng" typeface="Vrinda"/>
         <a:font script="Gujr" typeface="Shruti"/>
@@ -4326,107 +5026,86 @@
         <a:font script="Laoo" typeface="DokChampa"/>
         <a:font script="Sinh" typeface="Iskoola Pota"/>
         <a:font script="Mong" typeface="Mongolian Baiti"/>
-        <a:font script="Viet" typeface="Arial"/>
+        <a:font script="Viet" typeface="Tahoma"/>
         <a:font script="Uigh" typeface="Microsoft Uighur"/>
         <a:font script="Geor" typeface="Sylfaen"/>
-        <a:font script="Armn" typeface="Arial"/>
-        <a:font script="Bugi" typeface="Leelawadee UI"/>
-        <a:font script="Bopo" typeface="Microsoft JhengHei"/>
-        <a:font script="Java" typeface="Javanese Text"/>
-        <a:font script="Lisu" typeface="Segoe UI"/>
-        <a:font script="Mymr" typeface="Myanmar Text"/>
-        <a:font script="Nkoo" typeface="Ebrima"/>
-        <a:font script="Olck" typeface="Nirmala UI"/>
-        <a:font script="Osma" typeface="Ebrima"/>
-        <a:font script="Phag" typeface="Phagspa"/>
-        <a:font script="Syrn" typeface="Estrangelo Edessa"/>
-        <a:font script="Syrj" typeface="Estrangelo Edessa"/>
-        <a:font script="Syre" typeface="Estrangelo Edessa"/>
-        <a:font script="Sora" typeface="Nirmala UI"/>
-        <a:font script="Tale" typeface="Microsoft Tai Le"/>
-        <a:font script="Talu" typeface="Microsoft New Tai Lue"/>
-        <a:font script="Tfng" typeface="Ebrima"/>
+      </a:majorFont>
+      <a:minorFont>
+        <a:latin typeface="Century Schoolbook" panose="02040604050505020304"/>
+        <a:ea typeface=""/>
+        <a:cs typeface=""/>
+        <a:font script="Jpan" typeface="ＭＳ ゴシック"/>
+        <a:font script="Hang" typeface="맑은 고딕"/>
+        <a:font script="Hans" typeface="宋体"/>
+        <a:font script="Hant" typeface="新細明體"/>
+        <a:font script="Arab" typeface="Tahoma"/>
+        <a:font script="Hebr" typeface="Gisha"/>
+        <a:font script="Thai" typeface="DilleniaUPC"/>
+        <a:font script="Ethi" typeface="Nyala"/>
+        <a:font script="Beng" typeface="Vrinda"/>
+        <a:font script="Gujr" typeface="Shruti"/>
+        <a:font script="Khmr" typeface="DaunPenh"/>
+        <a:font script="Knda" typeface="Tunga"/>
+        <a:font script="Guru" typeface="Raavi"/>
+        <a:font script="Cans" typeface="Euphemia"/>
+        <a:font script="Cher" typeface="Plantagenet Cherokee"/>
+        <a:font script="Yiii" typeface="Microsoft Yi Baiti"/>
+        <a:font script="Tibt" typeface="Microsoft Himalaya"/>
+        <a:font script="Thaa" typeface="MV Boli"/>
+        <a:font script="Deva" typeface="Mangal"/>
+        <a:font script="Telu" typeface="Gautami"/>
+        <a:font script="Taml" typeface="Latha"/>
+        <a:font script="Syrc" typeface="Estrangelo Edessa"/>
+        <a:font script="Orya" typeface="Kalinga"/>
+        <a:font script="Mlym" typeface="Kartika"/>
+        <a:font script="Laoo" typeface="DokChampa"/>
+        <a:font script="Sinh" typeface="Iskoola Pota"/>
+        <a:font script="Mong" typeface="Mongolian Baiti"/>
+        <a:font script="Viet" typeface="Verdana"/>
+        <a:font script="Uigh" typeface="Microsoft Uighur"/>
+        <a:font script="Geor" typeface="Sylfaen"/>
       </a:minorFont>
     </a:fontScheme>
-    <a:fmtScheme name="Стандартная">
+    <a:fmtScheme name="Вид">
       <a:fillStyleLst>
         <a:solidFill>
           <a:schemeClr val="phClr"/>
         </a:solidFill>
-        <a:gradFill rotWithShape="1">
-          <a:gsLst>
-            <a:gs pos="0">
-              <a:schemeClr val="phClr">
-                <a:lumMod val="110000"/>
-                <a:satMod val="105000"/>
-                <a:tint val="67000"/>
-              </a:schemeClr>
-            </a:gs>
-            <a:gs pos="50000">
-              <a:schemeClr val="phClr">
-                <a:lumMod val="105000"/>
-                <a:satMod val="103000"/>
-                <a:tint val="73000"/>
-              </a:schemeClr>
-            </a:gs>
-            <a:gs pos="100000">
-              <a:schemeClr val="phClr">
-                <a:lumMod val="105000"/>
-                <a:satMod val="109000"/>
-                <a:tint val="81000"/>
-              </a:schemeClr>
-            </a:gs>
-          </a:gsLst>
-          <a:lin ang="5400000" scaled="0"/>
-        </a:gradFill>
-        <a:gradFill rotWithShape="1">
-          <a:gsLst>
-            <a:gs pos="0">
-              <a:schemeClr val="phClr">
-                <a:satMod val="103000"/>
-                <a:lumMod val="102000"/>
-                <a:tint val="94000"/>
-              </a:schemeClr>
-            </a:gs>
-            <a:gs pos="50000">
-              <a:schemeClr val="phClr">
-                <a:satMod val="110000"/>
-                <a:lumMod val="100000"/>
-                <a:shade val="100000"/>
-              </a:schemeClr>
-            </a:gs>
-            <a:gs pos="100000">
-              <a:schemeClr val="phClr">
-                <a:lumMod val="99000"/>
-                <a:satMod val="120000"/>
-                <a:shade val="78000"/>
-              </a:schemeClr>
-            </a:gs>
-          </a:gsLst>
-          <a:lin ang="5400000" scaled="0"/>
-        </a:gradFill>
+        <a:solidFill>
+          <a:schemeClr val="phClr">
+            <a:tint val="60000"/>
+            <a:satMod val="120000"/>
+          </a:schemeClr>
+        </a:solidFill>
+        <a:solidFill>
+          <a:schemeClr val="phClr">
+            <a:shade val="75000"/>
+            <a:satMod val="160000"/>
+          </a:schemeClr>
+        </a:solidFill>
       </a:fillStyleLst>
       <a:lnStyleLst>
-        <a:ln w="6350" cap="flat" cmpd="sng" algn="ctr">
+        <a:ln w="9525" cap="flat" cmpd="sng" algn="ctr">
           <a:solidFill>
             <a:schemeClr val="phClr"/>
           </a:solidFill>
           <a:prstDash val="solid"/>
-          <a:miter lim="800000"/>
         </a:ln>
-        <a:ln w="12700" cap="flat" cmpd="sng" algn="ctr">
+        <a:ln w="13970" cap="flat" cmpd="sng" algn="ctr">
           <a:solidFill>
             <a:schemeClr val="phClr"/>
           </a:solidFill>
           <a:prstDash val="solid"/>
-          <a:miter lim="800000"/>
         </a:ln>
-        <a:ln w="19050" cap="flat" cmpd="sng" algn="ctr">
+        <a:ln w="17145" cap="flat" cmpd="sng" algn="ctr">
           <a:solidFill>
-            <a:schemeClr val="phClr"/>
+            <a:schemeClr val="phClr">
+              <a:shade val="95000"/>
+              <a:alpha val="95000"/>
+              <a:satMod val="150000"/>
+            </a:schemeClr>
           </a:solidFill>
           <a:prstDash val="solid"/>
-          <a:miter lim="800000"/>
         </a:ln>
       </a:lnStyleLst>
       <a:effectStyleLst>
@@ -4434,16 +5113,52 @@
           <a:effectLst/>
         </a:effectStyle>
         <a:effectStyle>
-          <a:effectLst/>
+          <a:effectLst>
+            <a:outerShdw blurRad="50800" dist="15240" dir="5400000" algn="tl" rotWithShape="0">
+              <a:srgbClr val="000000">
+                <a:alpha val="75000"/>
+              </a:srgbClr>
+            </a:outerShdw>
+          </a:effectLst>
+          <a:scene3d>
+            <a:camera prst="orthographicFront">
+              <a:rot lat="0" lon="0" rev="0"/>
+            </a:camera>
+            <a:lightRig rig="brightRoom" dir="tl"/>
+          </a:scene3d>
+          <a:sp3d contourW="9525" prstMaterial="flat">
+            <a:bevelT w="0" h="0" prst="coolSlant"/>
+            <a:contourClr>
+              <a:schemeClr val="phClr">
+                <a:shade val="35000"/>
+                <a:satMod val="130000"/>
+              </a:schemeClr>
+            </a:contourClr>
+          </a:sp3d>
         </a:effectStyle>
         <a:effectStyle>
           <a:effectLst>
-            <a:outerShdw blurRad="57150" dist="19050" dir="5400000" algn="ctr" rotWithShape="0">
+            <a:outerShdw blurRad="76200" dist="25400" dir="5400000" algn="tl" rotWithShape="0">
               <a:srgbClr val="000000">
-                <a:alpha val="63000"/>
+                <a:alpha val="55000"/>
               </a:srgbClr>
             </a:outerShdw>
           </a:effectLst>
+          <a:scene3d>
+            <a:camera prst="orthographicFront">
+              <a:rot lat="0" lon="0" rev="0"/>
+            </a:camera>
+            <a:lightRig rig="brightRoom" dir="tl"/>
+          </a:scene3d>
+          <a:sp3d contourW="19050" prstMaterial="flat">
+            <a:bevelT w="0" h="0" prst="coolSlant"/>
+            <a:contourClr>
+              <a:schemeClr val="phClr">
+                <a:shade val="25000"/>
+                <a:satMod val="140000"/>
+              </a:schemeClr>
+            </a:contourClr>
+          </a:sp3d>
         </a:effectStyle>
       </a:effectStyleLst>
       <a:bgFillStyleLst>
@@ -4460,28 +5175,23 @@
           <a:gsLst>
             <a:gs pos="0">
               <a:schemeClr val="phClr">
-                <a:tint val="93000"/>
-                <a:satMod val="150000"/>
+                <a:tint val="94000"/>
                 <a:shade val="98000"/>
+                <a:satMod val="130000"/>
                 <a:lumMod val="102000"/>
-              </a:schemeClr>
-            </a:gs>
-            <a:gs pos="50000">
-              <a:schemeClr val="phClr">
-                <a:tint val="98000"/>
-                <a:satMod val="130000"/>
-                <a:shade val="90000"/>
-                <a:lumMod val="103000"/>
               </a:schemeClr>
             </a:gs>
             <a:gs pos="100000">
               <a:schemeClr val="phClr">
-                <a:shade val="63000"/>
-                <a:satMod val="120000"/>
+                <a:tint val="98000"/>
+                <a:shade val="78000"/>
+                <a:satMod val="140000"/>
               </a:schemeClr>
             </a:gs>
           </a:gsLst>
-          <a:lin ang="5400000" scaled="0"/>
+          <a:path path="circle">
+            <a:fillToRect l="100000" t="100000" r="100000" b="100000"/>
+          </a:path>
         </a:gradFill>
       </a:bgFillStyleLst>
     </a:fmtScheme>
@@ -4490,7 +5200,7 @@
   <a:extraClrSchemeLst/>
   <a:extLst>
     <a:ext uri="{05A4C25C-085E-4340-85A3-A5531E510DB2}">
-      <thm15:themeFamily xmlns:thm15="http://schemas.microsoft.com/office/thememl/2012/main" name="Office Theme" id="{62F939B6-93AF-4DB8-9C6B-D6C7DFDC589F}" vid="{4A3C46E8-61CC-4603-A589-7422A47A8E4A}"/>
+      <thm15:themeFamily xmlns:thm15="http://schemas.microsoft.com/office/thememl/2012/main" name="View" id="{BA0EB5A6-F2D4-4F82-977B-64ADEE4A2A69}" vid="{3969A8A2-35DB-4E3B-8885-16FD20568674}"/>
     </a:ext>
   </a:extLst>
 </a:theme>

--- a/materials/presentation.pptx
+++ b/materials/presentation.pptx
@@ -3547,6 +3547,18 @@
   <p:clrMapOvr>
     <a:masterClrMapping/>
   </p:clrMapOvr>
+  <mc:AlternateContent xmlns:mc="http://schemas.openxmlformats.org/markup-compatibility/2006">
+    <mc:Choice xmlns:p14="http://schemas.microsoft.com/office/powerpoint/2010/main" Requires="p14">
+      <p:transition spd="med" p14:dur="700">
+        <p:fade/>
+      </p:transition>
+    </mc:Choice>
+    <mc:Fallback>
+      <p:transition spd="med">
+        <p:fade/>
+      </p:transition>
+    </mc:Fallback>
+  </mc:AlternateContent>
 </p:sld>
 </file>
 
@@ -3616,7 +3628,52 @@
           <a:bodyPr/>
           <a:lstStyle/>
           <a:p>
-            <a:endParaRPr lang="ru-RU"/>
+            <a:r>
+              <a:rPr lang="en-US" dirty="0">
+                <a:hlinkClick r:id="rId2"/>
+              </a:rPr>
+              <a:t>https://ru.stackoverflow.com/</a:t>
+            </a:r>
+            <a:endParaRPr lang="ru-RU" dirty="0"/>
+          </a:p>
+          <a:p>
+            <a:r>
+              <a:rPr lang="en-US" dirty="0">
+                <a:hlinkClick r:id="rId3"/>
+              </a:rPr>
+              <a:t>https://web3py.readthedocs.io/en/stable/web3.main.html</a:t>
+            </a:r>
+            <a:endParaRPr lang="en-US" dirty="0"/>
+          </a:p>
+          <a:p>
+            <a:r>
+              <a:rPr lang="en-US" dirty="0">
+                <a:hlinkClick r:id="rId4"/>
+              </a:rPr>
+              <a:t>https://bootstrap-5.ru/</a:t>
+            </a:r>
+            <a:endParaRPr lang="en-US" dirty="0"/>
+          </a:p>
+          <a:p>
+            <a:r>
+              <a:rPr lang="en-US" dirty="0">
+                <a:hlinkClick r:id="rId5"/>
+              </a:rPr>
+              <a:t>https://proglib.io/p/samouchitel-po-python-dlya-nachinayushchih-chast-23-osnovy-veb-razrabotki-na-flask-2023-06-27</a:t>
+            </a:r>
+            <a:endParaRPr lang="en-US" dirty="0"/>
+          </a:p>
+          <a:p>
+            <a:r>
+              <a:rPr lang="en-US" dirty="0">
+                <a:hlinkClick r:id="rId6"/>
+              </a:rPr>
+              <a:t>https://habr.com/ru/companies/otus/articles/886390/</a:t>
+            </a:r>
+            <a:endParaRPr lang="en-US" dirty="0"/>
+          </a:p>
+          <a:p>
+            <a:endParaRPr lang="ru-RU" dirty="0"/>
           </a:p>
         </p:txBody>
       </p:sp>
@@ -3630,6 +3687,18 @@
   <p:clrMapOvr>
     <a:masterClrMapping/>
   </p:clrMapOvr>
+  <mc:AlternateContent xmlns:mc="http://schemas.openxmlformats.org/markup-compatibility/2006">
+    <mc:Choice xmlns:p159="http://schemas.microsoft.com/office/powerpoint/2015/09/main" Requires="p159">
+      <p:transition xmlns:p14="http://schemas.microsoft.com/office/powerpoint/2010/main" spd="slow" p14:dur="2000">
+        <p159:morph option="byObject"/>
+      </p:transition>
+    </mc:Choice>
+    <mc:Fallback>
+      <p:transition spd="slow">
+        <p:fade/>
+      </p:transition>
+    </mc:Fallback>
+  </mc:AlternateContent>
 </p:sld>
 </file>
 
@@ -3716,6 +3785,18 @@
   <p:clrMapOvr>
     <a:masterClrMapping/>
   </p:clrMapOvr>
+  <mc:AlternateContent xmlns:mc="http://schemas.openxmlformats.org/markup-compatibility/2006">
+    <mc:Choice xmlns:p15="http://schemas.microsoft.com/office/powerpoint/2012/main" Requires="p15">
+      <p:transition xmlns:p14="http://schemas.microsoft.com/office/powerpoint/2010/main" spd="slow" p14:dur="2000">
+        <p15:prstTrans prst="fracture"/>
+      </p:transition>
+    </mc:Choice>
+    <mc:Fallback>
+      <p:transition spd="slow">
+        <p:fade/>
+      </p:transition>
+    </mc:Fallback>
+  </mc:AlternateContent>
 </p:sld>
 </file>
 
@@ -3795,25 +3876,7 @@
                 <a:ea typeface="Calibri" panose="020F0502020204030204" pitchFamily="34" charset="0"/>
                 <a:cs typeface="Times New Roman" panose="02020603050405020304" pitchFamily="18" charset="0"/>
               </a:rPr>
-              <a:t>Сайт представляет из себя подобие </a:t>
-            </a:r>
-            <a:r>
-              <a:rPr lang="ru-RU" sz="1800" kern="100" dirty="0" err="1">
-                <a:effectLst/>
-                <a:latin typeface="Calibri" panose="020F0502020204030204" pitchFamily="34" charset="0"/>
-                <a:ea typeface="Calibri" panose="020F0502020204030204" pitchFamily="34" charset="0"/>
-                <a:cs typeface="Times New Roman" panose="02020603050405020304" pitchFamily="18" charset="0"/>
-              </a:rPr>
-              <a:t>авито</a:t>
-            </a:r>
-            <a:r>
-              <a:rPr lang="ru-RU" sz="1800" kern="100" dirty="0">
-                <a:effectLst/>
-                <a:latin typeface="Calibri" panose="020F0502020204030204" pitchFamily="34" charset="0"/>
-                <a:ea typeface="Calibri" panose="020F0502020204030204" pitchFamily="34" charset="0"/>
-                <a:cs typeface="Times New Roman" panose="02020603050405020304" pitchFamily="18" charset="0"/>
-              </a:rPr>
-              <a:t>, где можно размещать объявления, </a:t>
+              <a:t>Сайт представляет из себя маркетплейс, где можно размещать объявления, </a:t>
             </a:r>
             <a:br>
               <a:rPr lang="ru-RU" sz="1800" kern="100" dirty="0">
@@ -3830,7 +3893,7 @@
                 <a:ea typeface="Calibri" panose="020F0502020204030204" pitchFamily="34" charset="0"/>
                 <a:cs typeface="Times New Roman" panose="02020603050405020304" pitchFamily="18" charset="0"/>
               </a:rPr>
-              <a:t>предлагающие товар или услугу и просматривать объявления других пользователей. Для этого у каждого пользователя должен быть свой профиль с логином, паролем и аватаркой (по желанию). Также предусмотрен администраторский профиль, </a:t>
+              <a:t>предлагающие товар или услугу и просматривать объявления других пользователей. Для этого у каждого пользователя есть свой профиль с логином, паролем и аватаркой (по желанию). Также предусмотрен администраторский профиль, </a:t>
             </a:r>
             <a:br>
               <a:rPr lang="ru-RU" sz="1800" kern="100" dirty="0">
@@ -3847,7 +3910,7 @@
                 <a:ea typeface="Calibri" panose="020F0502020204030204" pitchFamily="34" charset="0"/>
                 <a:cs typeface="Times New Roman" panose="02020603050405020304" pitchFamily="18" charset="0"/>
               </a:rPr>
-              <a:t>в котором можно одобрять или отклонять новые объявления.</a:t>
+              <a:t>в котором можно одобрять или отклонять создаваемые объявления.</a:t>
             </a:r>
           </a:p>
           <a:p>
@@ -3915,6 +3978,9 @@
   <p:clrMapOvr>
     <a:masterClrMapping/>
   </p:clrMapOvr>
+  <p:transition spd="slow">
+    <p:wipe/>
+  </p:transition>
 </p:sld>
 </file>
 
@@ -4116,6 +4182,18 @@
   <p:clrMapOvr>
     <a:masterClrMapping/>
   </p:clrMapOvr>
+  <mc:AlternateContent xmlns:mc="http://schemas.openxmlformats.org/markup-compatibility/2006">
+    <mc:Choice xmlns:p14="http://schemas.microsoft.com/office/powerpoint/2010/main" Requires="p14">
+      <p:transition spd="slow" p14:dur="1400">
+        <p14:doors dir="vert"/>
+      </p:transition>
+    </mc:Choice>
+    <mc:Fallback>
+      <p:transition spd="slow">
+        <p:fade/>
+      </p:transition>
+    </mc:Fallback>
+  </mc:AlternateContent>
 </p:sld>
 </file>
 
@@ -4179,7 +4257,7 @@
         <p:spPr>
           <a:xfrm>
             <a:off x="1463040" y="2307102"/>
-            <a:ext cx="4632960" cy="1754326"/>
+            <a:ext cx="4632960" cy="2031325"/>
           </a:xfrm>
           <a:prstGeom prst="rect">
             <a:avLst/>
@@ -4242,7 +4320,15 @@
             </a:r>
             <a:r>
               <a:rPr lang="ru-RU" dirty="0"/>
-              <a:t> находится вся необходимая документация. </a:t>
+              <a:t> находится вся необходимая документация. Папка </a:t>
+            </a:r>
+            <a:r>
+              <a:rPr lang="en-US" dirty="0"/>
+              <a:t>templates</a:t>
+            </a:r>
+            <a:r>
+              <a:rPr lang="ru-RU" dirty="0"/>
+              <a:t> содержит в себе формы сайта.</a:t>
             </a:r>
           </a:p>
         </p:txBody>
@@ -4287,6 +4373,18 @@
   <p:clrMapOvr>
     <a:masterClrMapping/>
   </p:clrMapOvr>
+  <mc:AlternateContent xmlns:mc="http://schemas.openxmlformats.org/markup-compatibility/2006">
+    <mc:Choice xmlns:p14="http://schemas.microsoft.com/office/powerpoint/2010/main" Requires="p14">
+      <p:transition spd="slow" p14:dur="1500">
+        <p:split orient="vert"/>
+      </p:transition>
+    </mc:Choice>
+    <mc:Fallback>
+      <p:transition spd="slow">
+        <p:split orient="vert"/>
+      </p:transition>
+    </mc:Fallback>
+  </mc:AlternateContent>
 </p:sld>
 </file>
 
@@ -4441,6 +4539,18 @@
   <p:clrMapOvr>
     <a:masterClrMapping/>
   </p:clrMapOvr>
+  <mc:AlternateContent xmlns:mc="http://schemas.openxmlformats.org/markup-compatibility/2006">
+    <mc:Choice xmlns:p14="http://schemas.microsoft.com/office/powerpoint/2010/main" Requires="p14">
+      <p:transition spd="slow" p14:dur="1600">
+        <p14:conveyor dir="l"/>
+      </p:transition>
+    </mc:Choice>
+    <mc:Fallback>
+      <p:transition spd="slow">
+        <p:fade/>
+      </p:transition>
+    </mc:Fallback>
+  </mc:AlternateContent>
 </p:sld>
 </file>
 
@@ -4551,6 +4661,18 @@
   <p:clrMapOvr>
     <a:masterClrMapping/>
   </p:clrMapOvr>
+  <mc:AlternateContent xmlns:mc="http://schemas.openxmlformats.org/markup-compatibility/2006">
+    <mc:Choice xmlns:p14="http://schemas.microsoft.com/office/powerpoint/2010/main" Requires="p14">
+      <p:transition spd="slow" p14:dur="2000">
+        <p14:prism isContent="1"/>
+      </p:transition>
+    </mc:Choice>
+    <mc:Fallback>
+      <p:transition spd="slow">
+        <p:fade/>
+      </p:transition>
+    </mc:Fallback>
+  </mc:AlternateContent>
 </p:sld>
 </file>
 
@@ -4664,6 +4786,18 @@
   <p:clrMapOvr>
     <a:masterClrMapping/>
   </p:clrMapOvr>
+  <mc:AlternateContent xmlns:mc="http://schemas.openxmlformats.org/markup-compatibility/2006">
+    <mc:Choice xmlns:p14="http://schemas.microsoft.com/office/powerpoint/2010/main" Requires="p14">
+      <p:transition spd="slow" p14:dur="1250">
+        <p14:flip dir="r"/>
+      </p:transition>
+    </mc:Choice>
+    <mc:Fallback>
+      <p:transition spd="slow">
+        <p:fade/>
+      </p:transition>
+    </mc:Fallback>
+  </mc:AlternateContent>
 </p:sld>
 </file>
 
@@ -4774,6 +4908,18 @@
   <p:clrMapOvr>
     <a:masterClrMapping/>
   </p:clrMapOvr>
+  <mc:AlternateContent xmlns:mc="http://schemas.openxmlformats.org/markup-compatibility/2006">
+    <mc:Choice xmlns:p14="http://schemas.microsoft.com/office/powerpoint/2010/main" Requires="p14">
+      <p:transition spd="slow" p14:dur="1250">
+        <p14:switch dir="r"/>
+      </p:transition>
+    </mc:Choice>
+    <mc:Fallback>
+      <p:transition spd="slow">
+        <p:fade/>
+      </p:transition>
+    </mc:Fallback>
+  </mc:AlternateContent>
 </p:sld>
 </file>
 
@@ -4888,7 +5034,7 @@
             </a:pPr>
             <a:r>
               <a:rPr lang="ru-RU" dirty="0"/>
-              <a:t>Объём кода – 300 строк</a:t>
+              <a:t>Объём кода – 282 строки</a:t>
             </a:r>
           </a:p>
         </p:txBody>
@@ -4950,6 +5096,9 @@
   <p:clrMapOvr>
     <a:masterClrMapping/>
   </p:clrMapOvr>
+  <p:transition spd="slow">
+    <p:push dir="u"/>
+  </p:transition>
 </p:sld>
 </file>
 

--- a/materials/presentation.pptx
+++ b/materials/presentation.pptx
@@ -3547,13 +3547,13 @@
   <p:clrMapOvr>
     <a:masterClrMapping/>
   </p:clrMapOvr>
-  <mc:AlternateContent xmlns:mc="http://schemas.openxmlformats.org/markup-compatibility/2006">
-    <mc:Choice xmlns:p14="http://schemas.microsoft.com/office/powerpoint/2010/main" Requires="p14">
+  <mc:AlternateContent xmlns:mc="http://schemas.openxmlformats.org/markup-compatibility/2006" xmlns:p14="http://schemas.microsoft.com/office/powerpoint/2010/main">
+    <mc:Choice Requires="p14">
       <p:transition spd="med" p14:dur="700">
         <p:fade/>
       </p:transition>
     </mc:Choice>
-    <mc:Fallback>
+    <mc:Fallback xmlns="">
       <p:transition spd="med">
         <p:fade/>
       </p:transition>
@@ -3687,13 +3687,13 @@
   <p:clrMapOvr>
     <a:masterClrMapping/>
   </p:clrMapOvr>
-  <mc:AlternateContent xmlns:mc="http://schemas.openxmlformats.org/markup-compatibility/2006">
-    <mc:Choice xmlns:p159="http://schemas.microsoft.com/office/powerpoint/2015/09/main" Requires="p159">
+  <mc:AlternateContent xmlns:mc="http://schemas.openxmlformats.org/markup-compatibility/2006" xmlns:p159="http://schemas.microsoft.com/office/powerpoint/2015/09/main">
+    <mc:Choice Requires="p159">
       <p:transition xmlns:p14="http://schemas.microsoft.com/office/powerpoint/2010/main" spd="slow" p14:dur="2000">
         <p159:morph option="byObject"/>
       </p:transition>
     </mc:Choice>
-    <mc:Fallback>
+    <mc:Fallback xmlns="">
       <p:transition spd="slow">
         <p:fade/>
       </p:transition>
@@ -3785,13 +3785,13 @@
   <p:clrMapOvr>
     <a:masterClrMapping/>
   </p:clrMapOvr>
-  <mc:AlternateContent xmlns:mc="http://schemas.openxmlformats.org/markup-compatibility/2006">
-    <mc:Choice xmlns:p15="http://schemas.microsoft.com/office/powerpoint/2012/main" Requires="p15">
+  <mc:AlternateContent xmlns:mc="http://schemas.openxmlformats.org/markup-compatibility/2006" xmlns:p15="http://schemas.microsoft.com/office/powerpoint/2012/main">
+    <mc:Choice Requires="p15">
       <p:transition xmlns:p14="http://schemas.microsoft.com/office/powerpoint/2010/main" spd="slow" p14:dur="2000">
         <p15:prstTrans prst="fracture"/>
       </p:transition>
     </mc:Choice>
-    <mc:Fallback>
+    <mc:Fallback xmlns="">
       <p:transition spd="slow">
         <p:fade/>
       </p:transition>
@@ -4182,13 +4182,13 @@
   <p:clrMapOvr>
     <a:masterClrMapping/>
   </p:clrMapOvr>
-  <mc:AlternateContent xmlns:mc="http://schemas.openxmlformats.org/markup-compatibility/2006">
-    <mc:Choice xmlns:p14="http://schemas.microsoft.com/office/powerpoint/2010/main" Requires="p14">
+  <mc:AlternateContent xmlns:mc="http://schemas.openxmlformats.org/markup-compatibility/2006" xmlns:p14="http://schemas.microsoft.com/office/powerpoint/2010/main">
+    <mc:Choice Requires="p14">
       <p:transition spd="slow" p14:dur="1400">
         <p14:doors dir="vert"/>
       </p:transition>
     </mc:Choice>
-    <mc:Fallback>
+    <mc:Fallback xmlns="">
       <p:transition spd="slow">
         <p:fade/>
       </p:transition>
@@ -4373,13 +4373,13 @@
   <p:clrMapOvr>
     <a:masterClrMapping/>
   </p:clrMapOvr>
-  <mc:AlternateContent xmlns:mc="http://schemas.openxmlformats.org/markup-compatibility/2006">
-    <mc:Choice xmlns:p14="http://schemas.microsoft.com/office/powerpoint/2010/main" Requires="p14">
+  <mc:AlternateContent xmlns:mc="http://schemas.openxmlformats.org/markup-compatibility/2006" xmlns:p14="http://schemas.microsoft.com/office/powerpoint/2010/main">
+    <mc:Choice Requires="p14">
       <p:transition spd="slow" p14:dur="1500">
         <p:split orient="vert"/>
       </p:transition>
     </mc:Choice>
-    <mc:Fallback>
+    <mc:Fallback xmlns="">
       <p:transition spd="slow">
         <p:split orient="vert"/>
       </p:transition>
@@ -4539,13 +4539,13 @@
   <p:clrMapOvr>
     <a:masterClrMapping/>
   </p:clrMapOvr>
-  <mc:AlternateContent xmlns:mc="http://schemas.openxmlformats.org/markup-compatibility/2006">
-    <mc:Choice xmlns:p14="http://schemas.microsoft.com/office/powerpoint/2010/main" Requires="p14">
+  <mc:AlternateContent xmlns:mc="http://schemas.openxmlformats.org/markup-compatibility/2006" xmlns:p14="http://schemas.microsoft.com/office/powerpoint/2010/main">
+    <mc:Choice Requires="p14">
       <p:transition spd="slow" p14:dur="1600">
         <p14:conveyor dir="l"/>
       </p:transition>
     </mc:Choice>
-    <mc:Fallback>
+    <mc:Fallback xmlns="">
       <p:transition spd="slow">
         <p:fade/>
       </p:transition>
@@ -4661,13 +4661,13 @@
   <p:clrMapOvr>
     <a:masterClrMapping/>
   </p:clrMapOvr>
-  <mc:AlternateContent xmlns:mc="http://schemas.openxmlformats.org/markup-compatibility/2006">
-    <mc:Choice xmlns:p14="http://schemas.microsoft.com/office/powerpoint/2010/main" Requires="p14">
+  <mc:AlternateContent xmlns:mc="http://schemas.openxmlformats.org/markup-compatibility/2006" xmlns:p14="http://schemas.microsoft.com/office/powerpoint/2010/main">
+    <mc:Choice Requires="p14">
       <p:transition spd="slow" p14:dur="2000">
         <p14:prism isContent="1"/>
       </p:transition>
     </mc:Choice>
-    <mc:Fallback>
+    <mc:Fallback xmlns="">
       <p:transition spd="slow">
         <p:fade/>
       </p:transition>
@@ -4786,13 +4786,13 @@
   <p:clrMapOvr>
     <a:masterClrMapping/>
   </p:clrMapOvr>
-  <mc:AlternateContent xmlns:mc="http://schemas.openxmlformats.org/markup-compatibility/2006">
-    <mc:Choice xmlns:p14="http://schemas.microsoft.com/office/powerpoint/2010/main" Requires="p14">
+  <mc:AlternateContent xmlns:mc="http://schemas.openxmlformats.org/markup-compatibility/2006" xmlns:p14="http://schemas.microsoft.com/office/powerpoint/2010/main">
+    <mc:Choice Requires="p14">
       <p:transition spd="slow" p14:dur="1250">
         <p14:flip dir="r"/>
       </p:transition>
     </mc:Choice>
-    <mc:Fallback>
+    <mc:Fallback xmlns="">
       <p:transition spd="slow">
         <p:fade/>
       </p:transition>
@@ -4908,13 +4908,13 @@
   <p:clrMapOvr>
     <a:masterClrMapping/>
   </p:clrMapOvr>
-  <mc:AlternateContent xmlns:mc="http://schemas.openxmlformats.org/markup-compatibility/2006">
-    <mc:Choice xmlns:p14="http://schemas.microsoft.com/office/powerpoint/2010/main" Requires="p14">
+  <mc:AlternateContent xmlns:mc="http://schemas.openxmlformats.org/markup-compatibility/2006" xmlns:p14="http://schemas.microsoft.com/office/powerpoint/2010/main">
+    <mc:Choice Requires="p14">
       <p:transition spd="slow" p14:dur="1250">
         <p14:switch dir="r"/>
       </p:transition>
     </mc:Choice>
-    <mc:Fallback>
+    <mc:Fallback xmlns="">
       <p:transition spd="slow">
         <p:fade/>
       </p:transition>
